--- a/Presentation/IntroToNodeJS/IntroToNodeJS.pptx
+++ b/Presentation/IntroToNodeJS/IntroToNodeJS.pptx
@@ -17,10 +17,10 @@
     <p:sldMasterId id="2147483782" r:id="rId16"/>
   </p:sldMasterIdLst>
   <p:notesMasterIdLst>
-    <p:notesMasterId r:id="rId57"/>
+    <p:notesMasterId r:id="rId55"/>
   </p:notesMasterIdLst>
   <p:handoutMasterIdLst>
-    <p:handoutMasterId r:id="rId58"/>
+    <p:handoutMasterId r:id="rId56"/>
   </p:handoutMasterIdLst>
   <p:sldIdLst>
     <p:sldId id="330" r:id="rId17"/>
@@ -34,38 +34,36 @@
     <p:sldId id="289" r:id="rId25"/>
     <p:sldId id="301" r:id="rId26"/>
     <p:sldId id="320" r:id="rId27"/>
-    <p:sldId id="290" r:id="rId28"/>
-    <p:sldId id="292" r:id="rId29"/>
-    <p:sldId id="321" r:id="rId30"/>
-    <p:sldId id="322" r:id="rId31"/>
-    <p:sldId id="323" r:id="rId32"/>
-    <p:sldId id="324" r:id="rId33"/>
-    <p:sldId id="293" r:id="rId34"/>
-    <p:sldId id="303" r:id="rId35"/>
-    <p:sldId id="304" r:id="rId36"/>
-    <p:sldId id="305" r:id="rId37"/>
-    <p:sldId id="306" r:id="rId38"/>
-    <p:sldId id="309" r:id="rId39"/>
-    <p:sldId id="308" r:id="rId40"/>
-    <p:sldId id="307" r:id="rId41"/>
-    <p:sldId id="310" r:id="rId42"/>
-    <p:sldId id="326" r:id="rId43"/>
-    <p:sldId id="327" r:id="rId44"/>
-    <p:sldId id="328" r:id="rId45"/>
-    <p:sldId id="312" r:id="rId46"/>
-    <p:sldId id="313" r:id="rId47"/>
-    <p:sldId id="291" r:id="rId48"/>
-    <p:sldId id="314" r:id="rId49"/>
-    <p:sldId id="315" r:id="rId50"/>
-    <p:sldId id="316" r:id="rId51"/>
-    <p:sldId id="317" r:id="rId52"/>
-    <p:sldId id="318" r:id="rId53"/>
-    <p:sldId id="319" r:id="rId54"/>
-    <p:sldId id="311" r:id="rId55"/>
-    <p:sldId id="269" r:id="rId56"/>
+    <p:sldId id="331" r:id="rId28"/>
+    <p:sldId id="290" r:id="rId29"/>
+    <p:sldId id="292" r:id="rId30"/>
+    <p:sldId id="293" r:id="rId31"/>
+    <p:sldId id="332" r:id="rId32"/>
+    <p:sldId id="303" r:id="rId33"/>
+    <p:sldId id="304" r:id="rId34"/>
+    <p:sldId id="305" r:id="rId35"/>
+    <p:sldId id="306" r:id="rId36"/>
+    <p:sldId id="333" r:id="rId37"/>
+    <p:sldId id="309" r:id="rId38"/>
+    <p:sldId id="308" r:id="rId39"/>
+    <p:sldId id="307" r:id="rId40"/>
+    <p:sldId id="310" r:id="rId41"/>
+    <p:sldId id="327" r:id="rId42"/>
+    <p:sldId id="328" r:id="rId43"/>
+    <p:sldId id="312" r:id="rId44"/>
+    <p:sldId id="313" r:id="rId45"/>
+    <p:sldId id="291" r:id="rId46"/>
+    <p:sldId id="314" r:id="rId47"/>
+    <p:sldId id="315" r:id="rId48"/>
+    <p:sldId id="316" r:id="rId49"/>
+    <p:sldId id="317" r:id="rId50"/>
+    <p:sldId id="318" r:id="rId51"/>
+    <p:sldId id="319" r:id="rId52"/>
+    <p:sldId id="311" r:id="rId53"/>
+    <p:sldId id="269" r:id="rId54"/>
   </p:sldIdLst>
   <p:sldSz cx="12192000" cy="6858000"/>
-  <p:notesSz cx="6858000" cy="9144000"/>
+  <p:notesSz cx="9144000" cy="6858000"/>
   <p:defaultTextStyle>
     <a:defPPr>
       <a:defRPr lang="en-US"/>
@@ -219,7 +217,7 @@
         <p:spPr>
           <a:xfrm>
             <a:off x="0" y="0"/>
-            <a:ext cx="2971800" cy="458788"/>
+            <a:ext cx="3962400" cy="344091"/>
           </a:xfrm>
           <a:prstGeom prst="rect">
             <a:avLst/>
@@ -249,8 +247,8 @@
         </p:nvSpPr>
         <p:spPr>
           <a:xfrm>
-            <a:off x="3884613" y="0"/>
-            <a:ext cx="2971800" cy="458788"/>
+            <a:off x="5179484" y="0"/>
+            <a:ext cx="3962400" cy="344091"/>
           </a:xfrm>
           <a:prstGeom prst="rect">
             <a:avLst/>
@@ -266,7 +264,7 @@
           <a:p>
             <a:fld id="{312E7B4A-039C-48A2-9B2C-AF16AA3873D8}" type="datetimeFigureOut">
               <a:rPr lang="en-US" smtClean="0"/>
-              <a:t>07/07/2015</a:t>
+              <a:t>7/21/2015</a:t>
             </a:fld>
             <a:endParaRPr lang="en-US"/>
           </a:p>
@@ -284,8 +282,8 @@
         </p:nvSpPr>
         <p:spPr>
           <a:xfrm>
-            <a:off x="0" y="8685213"/>
-            <a:ext cx="2971800" cy="458787"/>
+            <a:off x="0" y="6513910"/>
+            <a:ext cx="3962400" cy="344090"/>
           </a:xfrm>
           <a:prstGeom prst="rect">
             <a:avLst/>
@@ -315,8 +313,8 @@
         </p:nvSpPr>
         <p:spPr>
           <a:xfrm>
-            <a:off x="3884613" y="8685213"/>
-            <a:ext cx="2971800" cy="458787"/>
+            <a:off x="5179484" y="6513910"/>
+            <a:ext cx="3962400" cy="344090"/>
           </a:xfrm>
           <a:prstGeom prst="rect">
             <a:avLst/>
@@ -384,7 +382,7 @@
         <p:spPr>
           <a:xfrm>
             <a:off x="0" y="0"/>
-            <a:ext cx="2971800" cy="458788"/>
+            <a:ext cx="3962400" cy="344091"/>
           </a:xfrm>
           <a:prstGeom prst="rect">
             <a:avLst/>
@@ -414,8 +412,8 @@
         </p:nvSpPr>
         <p:spPr>
           <a:xfrm>
-            <a:off x="3884613" y="0"/>
-            <a:ext cx="2971800" cy="458788"/>
+            <a:off x="5179484" y="0"/>
+            <a:ext cx="3962400" cy="344091"/>
           </a:xfrm>
           <a:prstGeom prst="rect">
             <a:avLst/>
@@ -431,7 +429,7 @@
           <a:p>
             <a:fld id="{DA005A0C-54D9-45AA-87D4-C551D08DFCE1}" type="datetimeFigureOut">
               <a:rPr lang="en-US" smtClean="0"/>
-              <a:t>07/07/2015</a:t>
+              <a:t>7/21/2015</a:t>
             </a:fld>
             <a:endParaRPr lang="en-US"/>
           </a:p>
@@ -449,8 +447,8 @@
         </p:nvSpPr>
         <p:spPr>
           <a:xfrm>
-            <a:off x="685800" y="1143000"/>
-            <a:ext cx="5486400" cy="3086100"/>
+            <a:off x="2514600" y="857250"/>
+            <a:ext cx="4114800" cy="2314575"/>
           </a:xfrm>
           <a:prstGeom prst="rect">
             <a:avLst/>
@@ -482,8 +480,8 @@
         </p:nvSpPr>
         <p:spPr>
           <a:xfrm>
-            <a:off x="685800" y="4400550"/>
-            <a:ext cx="5486400" cy="3600450"/>
+            <a:off x="914400" y="3300412"/>
+            <a:ext cx="7315200" cy="2700338"/>
           </a:xfrm>
           <a:prstGeom prst="rect">
             <a:avLst/>
@@ -542,8 +540,8 @@
         </p:nvSpPr>
         <p:spPr>
           <a:xfrm>
-            <a:off x="0" y="8685213"/>
-            <a:ext cx="2971800" cy="458787"/>
+            <a:off x="0" y="6513910"/>
+            <a:ext cx="3962400" cy="344090"/>
           </a:xfrm>
           <a:prstGeom prst="rect">
             <a:avLst/>
@@ -573,8 +571,8 @@
         </p:nvSpPr>
         <p:spPr>
           <a:xfrm>
-            <a:off x="3884613" y="8685213"/>
-            <a:ext cx="2971800" cy="458787"/>
+            <a:off x="5179484" y="6513910"/>
+            <a:ext cx="3962400" cy="344090"/>
           </a:xfrm>
           <a:prstGeom prst="rect">
             <a:avLst/>
@@ -820,8 +818,8 @@
         </p:nvSpPr>
         <p:spPr>
           <a:xfrm>
-            <a:off x="381000" y="685800"/>
-            <a:ext cx="6096000" cy="3429000"/>
+            <a:off x="2286000" y="514350"/>
+            <a:ext cx="4572000" cy="2571750"/>
           </a:xfrm>
         </p:spPr>
       </p:sp>
@@ -910,8 +908,8 @@
         </p:nvSpPr>
         <p:spPr>
           <a:xfrm>
-            <a:off x="381000" y="685800"/>
-            <a:ext cx="6096000" cy="3429000"/>
+            <a:off x="2286000" y="514350"/>
+            <a:ext cx="4572000" cy="2571750"/>
           </a:xfrm>
         </p:spPr>
       </p:sp>
@@ -1000,8 +998,8 @@
         </p:nvSpPr>
         <p:spPr>
           <a:xfrm>
-            <a:off x="381000" y="685800"/>
-            <a:ext cx="6096000" cy="3429000"/>
+            <a:off x="2286000" y="514350"/>
+            <a:ext cx="4572000" cy="2571750"/>
           </a:xfrm>
         </p:spPr>
       </p:sp>
@@ -1023,7 +1021,7 @@
             <a:fld id="{13F0F35F-DD44-4607-AEC1-49D7A4BC4066}" type="slidenum">
               <a:rPr lang="en-US" smtClean="0"/>
               <a:pPr/>
-              <a:t>12</a:t>
+              <a:t>13</a:t>
             </a:fld>
             <a:endParaRPr lang="en-US" dirty="0"/>
           </a:p>
@@ -1090,8 +1088,8 @@
         </p:nvSpPr>
         <p:spPr>
           <a:xfrm>
-            <a:off x="381000" y="685800"/>
-            <a:ext cx="6096000" cy="3429000"/>
+            <a:off x="2286000" y="514350"/>
+            <a:ext cx="4572000" cy="2571750"/>
           </a:xfrm>
         </p:spPr>
       </p:sp>
@@ -1113,7 +1111,7 @@
             <a:fld id="{13F0F35F-DD44-4607-AEC1-49D7A4BC4066}" type="slidenum">
               <a:rPr lang="en-US" smtClean="0"/>
               <a:pPr/>
-              <a:t>32</a:t>
+              <a:t>30</a:t>
             </a:fld>
             <a:endParaRPr lang="en-US" dirty="0"/>
           </a:p>
@@ -33230,6 +33228,168 @@
             <a:spLocks noGrp="1"/>
           </p:cNvSpPr>
           <p:nvPr>
+            <p:ph type="title"/>
+          </p:nvPr>
+        </p:nvSpPr>
+        <p:spPr/>
+        <p:txBody>
+          <a:bodyPr>
+            <a:normAutofit fontScale="90000"/>
+          </a:bodyPr>
+          <a:lstStyle/>
+          <a:p>
+            <a:r>
+              <a:rPr lang="en-US" dirty="0" smtClean="0"/>
+              <a:t>Installing Node.js Tools for Visual Studio</a:t>
+            </a:r>
+            <a:endParaRPr lang="en-US" dirty="0"/>
+          </a:p>
+        </p:txBody>
+      </p:sp>
+      <p:sp>
+        <p:nvSpPr>
+          <p:cNvPr id="3" name="Content Placeholder 2"/>
+          <p:cNvSpPr>
+            <a:spLocks noGrp="1"/>
+          </p:cNvSpPr>
+          <p:nvPr>
+            <p:ph idx="1"/>
+          </p:nvPr>
+        </p:nvSpPr>
+        <p:spPr/>
+        <p:txBody>
+          <a:bodyPr>
+            <a:normAutofit fontScale="92500" lnSpcReduction="10000"/>
+          </a:bodyPr>
+          <a:lstStyle/>
+          <a:p>
+            <a:r>
+              <a:rPr lang="en-US" dirty="0" smtClean="0"/>
+              <a:t>NTVS </a:t>
+            </a:r>
+            <a:r>
+              <a:rPr lang="en-US" dirty="0"/>
+              <a:t>is a free, open source plugin that turns Visual Studio into a Node.js IDE. </a:t>
+            </a:r>
+            <a:endParaRPr lang="en-US" dirty="0" smtClean="0"/>
+          </a:p>
+          <a:p>
+            <a:r>
+              <a:rPr lang="en-US" dirty="0" smtClean="0"/>
+              <a:t>It supports </a:t>
+            </a:r>
+            <a:r>
+              <a:rPr lang="en-US" dirty="0"/>
+              <a:t>Editing, </a:t>
+            </a:r>
+            <a:r>
+              <a:rPr lang="en-US" dirty="0" err="1"/>
+              <a:t>Intellisense</a:t>
+            </a:r>
+            <a:r>
+              <a:rPr lang="en-US" dirty="0"/>
+              <a:t>, Profiling, </a:t>
+            </a:r>
+            <a:r>
+              <a:rPr lang="en-US" dirty="0" err="1"/>
+              <a:t>npm</a:t>
+            </a:r>
+            <a:r>
+              <a:rPr lang="en-US" dirty="0"/>
+              <a:t>, </a:t>
+            </a:r>
+            <a:r>
+              <a:rPr lang="en-US" dirty="0" err="1"/>
+              <a:t>TypeScript</a:t>
+            </a:r>
+            <a:r>
+              <a:rPr lang="en-US" dirty="0"/>
+              <a:t>, Debugging locally and remotely (Windows/</a:t>
+            </a:r>
+            <a:r>
+              <a:rPr lang="en-US" dirty="0" err="1"/>
+              <a:t>MacOS</a:t>
+            </a:r>
+            <a:r>
+              <a:rPr lang="en-US" dirty="0"/>
+              <a:t>/Linux), as well Azure Web </a:t>
+            </a:r>
+            <a:r>
+              <a:rPr lang="en-US" dirty="0" smtClean="0"/>
+              <a:t>App and </a:t>
+            </a:r>
+            <a:r>
+              <a:rPr lang="en-US" dirty="0"/>
+              <a:t>Cloud Service</a:t>
+            </a:r>
+            <a:r>
+              <a:rPr lang="en-US" dirty="0" smtClean="0"/>
+              <a:t>.</a:t>
+            </a:r>
+          </a:p>
+          <a:p>
+            <a:r>
+              <a:rPr lang="en-US" dirty="0"/>
+              <a:t>Designed, developed, and supported by Microsoft and the community.</a:t>
+            </a:r>
+            <a:endParaRPr lang="en-US" dirty="0" smtClean="0"/>
+          </a:p>
+          <a:p>
+            <a:r>
+              <a:rPr lang="en-US" dirty="0" smtClean="0"/>
+              <a:t>https</a:t>
+            </a:r>
+            <a:r>
+              <a:rPr lang="en-US" dirty="0"/>
+              <a:t>://nodejstools.codeplex.com/</a:t>
+            </a:r>
+          </a:p>
+        </p:txBody>
+      </p:sp>
+    </p:spTree>
+    <p:extLst>
+      <p:ext uri="{BB962C8B-B14F-4D97-AF65-F5344CB8AC3E}">
+        <p14:creationId xmlns:p14="http://schemas.microsoft.com/office/powerpoint/2010/main" val="1848610595"/>
+      </p:ext>
+    </p:extLst>
+  </p:cSld>
+  <p:clrMapOvr>
+    <a:masterClrMapping/>
+  </p:clrMapOvr>
+  <p:timing>
+    <p:tnLst>
+      <p:par>
+        <p:cTn id="1" dur="indefinite" restart="never" nodeType="tmRoot"/>
+      </p:par>
+    </p:tnLst>
+  </p:timing>
+</p:sld>
+</file>
+
+<file path=ppt/slides/slide13.xml><?xml version="1.0" encoding="utf-8"?>
+<p:sld xmlns:a="http://schemas.openxmlformats.org/drawingml/2006/main" xmlns:r="http://schemas.openxmlformats.org/officeDocument/2006/relationships" xmlns:p="http://schemas.openxmlformats.org/presentationml/2006/main">
+  <p:cSld>
+    <p:spTree>
+      <p:nvGrpSpPr>
+        <p:cNvPr id="1" name=""/>
+        <p:cNvGrpSpPr/>
+        <p:nvPr/>
+      </p:nvGrpSpPr>
+      <p:grpSpPr>
+        <a:xfrm>
+          <a:off x="0" y="0"/>
+          <a:ext cx="0" cy="0"/>
+          <a:chOff x="0" y="0"/>
+          <a:chExt cx="0" cy="0"/>
+        </a:xfrm>
+      </p:grpSpPr>
+      <p:sp>
+        <p:nvSpPr>
+          <p:cNvPr id="2" name="Title 1"/>
+          <p:cNvSpPr>
+            <a:spLocks noGrp="1"/>
+          </p:cNvSpPr>
+          <p:nvPr>
             <p:ph type="ctrTitle"/>
           </p:nvPr>
         </p:nvSpPr>
@@ -33282,7 +33442,7 @@
 </p:sld>
 </file>
 
-<file path=ppt/slides/slide13.xml><?xml version="1.0" encoding="utf-8"?>
+<file path=ppt/slides/slide14.xml><?xml version="1.0" encoding="utf-8"?>
 <p:sld xmlns:a="http://schemas.openxmlformats.org/drawingml/2006/main" xmlns:r="http://schemas.openxmlformats.org/officeDocument/2006/relationships" xmlns:p="http://schemas.openxmlformats.org/presentationml/2006/main">
   <p:cSld>
     <p:spTree>
@@ -33354,8 +33514,8 @@
 </p:sld>
 </file>
 
-<file path=ppt/slides/slide14.xml><?xml version="1.0" encoding="utf-8"?>
-<p:sld xmlns:a="http://schemas.openxmlformats.org/drawingml/2006/main" xmlns:r="http://schemas.openxmlformats.org/officeDocument/2006/relationships" xmlns:p="http://schemas.openxmlformats.org/presentationml/2006/main" show="0">
+<file path=ppt/slides/slide15.xml><?xml version="1.0" encoding="utf-8"?>
+<p:sld xmlns:a="http://schemas.openxmlformats.org/drawingml/2006/main" xmlns:r="http://schemas.openxmlformats.org/officeDocument/2006/relationships" xmlns:p="http://schemas.openxmlformats.org/presentationml/2006/main">
   <p:cSld>
     <p:spTree>
       <p:nvGrpSpPr>
@@ -33378,164 +33538,26 @@
             <a:spLocks noGrp="1"/>
           </p:cNvSpPr>
           <p:nvPr>
-            <p:ph type="title" idx="4294967295"/>
+            <p:ph type="title"/>
           </p:nvPr>
         </p:nvSpPr>
-        <p:spPr>
-          <a:xfrm>
-            <a:off x="666750" y="182563"/>
-            <a:ext cx="11525250" cy="1063625"/>
-          </a:xfrm>
-        </p:spPr>
+        <p:spPr/>
         <p:txBody>
           <a:bodyPr/>
           <a:lstStyle/>
           <a:p>
             <a:r>
               <a:rPr lang="en-US" dirty="0" smtClean="0"/>
-              <a:t>Starting a Node Project in Visual Studio</a:t>
+              <a:t>Basic HTTP Server</a:t>
             </a:r>
             <a:endParaRPr lang="en-US" dirty="0"/>
           </a:p>
         </p:txBody>
       </p:sp>
-      <p:pic>
-        <p:nvPicPr>
-          <p:cNvPr id="3" name="Picture 2"/>
-          <p:cNvPicPr/>
-          <p:nvPr/>
-        </p:nvPicPr>
-        <p:blipFill>
-          <a:blip r:embed="rId2">
-            <a:extLst>
-              <a:ext uri="{28A0092B-C50C-407E-A947-70E740481C1C}">
-                <a14:useLocalDpi xmlns:a14="http://schemas.microsoft.com/office/drawing/2010/main" val="0"/>
-              </a:ext>
-            </a:extLst>
-          </a:blip>
-          <a:stretch>
-            <a:fillRect/>
-          </a:stretch>
-        </p:blipFill>
-        <p:spPr>
-          <a:xfrm>
-            <a:off x="477981" y="953944"/>
-            <a:ext cx="8790710" cy="5231224"/>
-          </a:xfrm>
-          <a:prstGeom prst="rect">
-            <a:avLst/>
-          </a:prstGeom>
-        </p:spPr>
-      </p:pic>
     </p:spTree>
     <p:extLst>
       <p:ext uri="{BB962C8B-B14F-4D97-AF65-F5344CB8AC3E}">
-        <p14:creationId xmlns:p14="http://schemas.microsoft.com/office/powerpoint/2010/main" val="1606729937"/>
-      </p:ext>
-    </p:extLst>
-  </p:cSld>
-  <p:clrMapOvr>
-    <a:masterClrMapping/>
-  </p:clrMapOvr>
-  <mc:AlternateContent xmlns:mc="http://schemas.openxmlformats.org/markup-compatibility/2006" xmlns:p14="http://schemas.microsoft.com/office/powerpoint/2010/main">
-    <mc:Choice Requires="p14">
-      <p:transition spd="med" p14:dur="700">
-        <p:fade/>
-      </p:transition>
-    </mc:Choice>
-    <mc:Fallback xmlns="">
-      <p:transition spd="med">
-        <p:fade/>
-      </p:transition>
-    </mc:Fallback>
-  </mc:AlternateContent>
-  <p:timing>
-    <p:tnLst>
-      <p:par>
-        <p:cTn id="1" dur="indefinite" restart="never" nodeType="tmRoot"/>
-      </p:par>
-    </p:tnLst>
-  </p:timing>
-</p:sld>
-</file>
-
-<file path=ppt/slides/slide15.xml><?xml version="1.0" encoding="utf-8"?>
-<p:sld xmlns:a="http://schemas.openxmlformats.org/drawingml/2006/main" xmlns:r="http://schemas.openxmlformats.org/officeDocument/2006/relationships" xmlns:p="http://schemas.openxmlformats.org/presentationml/2006/main" show="0">
-  <p:cSld>
-    <p:spTree>
-      <p:nvGrpSpPr>
-        <p:cNvPr id="1" name=""/>
-        <p:cNvGrpSpPr/>
-        <p:nvPr/>
-      </p:nvGrpSpPr>
-      <p:grpSpPr>
-        <a:xfrm>
-          <a:off x="0" y="0"/>
-          <a:ext cx="0" cy="0"/>
-          <a:chOff x="0" y="0"/>
-          <a:chExt cx="0" cy="0"/>
-        </a:xfrm>
-      </p:grpSpPr>
-      <p:sp>
-        <p:nvSpPr>
-          <p:cNvPr id="2" name="Title 1"/>
-          <p:cNvSpPr>
-            <a:spLocks noGrp="1"/>
-          </p:cNvSpPr>
-          <p:nvPr>
-            <p:ph type="title" idx="4294967295"/>
-          </p:nvPr>
-        </p:nvSpPr>
-        <p:spPr>
-          <a:xfrm>
-            <a:off x="666750" y="182563"/>
-            <a:ext cx="11525250" cy="1063625"/>
-          </a:xfrm>
-        </p:spPr>
-        <p:txBody>
-          <a:bodyPr/>
-          <a:lstStyle/>
-          <a:p>
-            <a:r>
-              <a:rPr lang="en-US" dirty="0" smtClean="0"/>
-              <a:t>Starting a Node Project in Visual Studio</a:t>
-            </a:r>
-            <a:endParaRPr lang="en-US" dirty="0"/>
-          </a:p>
-        </p:txBody>
-      </p:sp>
-      <p:pic>
-        <p:nvPicPr>
-          <p:cNvPr id="4" name="Picture 3"/>
-          <p:cNvPicPr/>
-          <p:nvPr/>
-        </p:nvPicPr>
-        <p:blipFill>
-          <a:blip r:embed="rId2">
-            <a:extLst>
-              <a:ext uri="{28A0092B-C50C-407E-A947-70E740481C1C}">
-                <a14:useLocalDpi xmlns:a14="http://schemas.microsoft.com/office/drawing/2010/main" val="0"/>
-              </a:ext>
-            </a:extLst>
-          </a:blip>
-          <a:stretch>
-            <a:fillRect/>
-          </a:stretch>
-        </p:blipFill>
-        <p:spPr>
-          <a:xfrm>
-            <a:off x="379514" y="880397"/>
-            <a:ext cx="9266548" cy="5700511"/>
-          </a:xfrm>
-          <a:prstGeom prst="rect">
-            <a:avLst/>
-          </a:prstGeom>
-        </p:spPr>
-      </p:pic>
-    </p:spTree>
-    <p:extLst>
-      <p:ext uri="{BB962C8B-B14F-4D97-AF65-F5344CB8AC3E}">
-        <p14:creationId xmlns:p14="http://schemas.microsoft.com/office/powerpoint/2010/main" val="1778318396"/>
+        <p14:creationId xmlns:p14="http://schemas.microsoft.com/office/powerpoint/2010/main" val="3707770699"/>
       </p:ext>
     </p:extLst>
   </p:cSld>
@@ -33565,7 +33587,7 @@
 </file>
 
 <file path=ppt/slides/slide16.xml><?xml version="1.0" encoding="utf-8"?>
-<p:sld xmlns:a="http://schemas.openxmlformats.org/drawingml/2006/main" xmlns:r="http://schemas.openxmlformats.org/officeDocument/2006/relationships" xmlns:p="http://schemas.openxmlformats.org/presentationml/2006/main" show="0">
+<p:sld xmlns:a="http://schemas.openxmlformats.org/drawingml/2006/main" xmlns:r="http://schemas.openxmlformats.org/officeDocument/2006/relationships" xmlns:p="http://schemas.openxmlformats.org/presentationml/2006/main">
   <p:cSld>
     <p:spTree>
       <p:nvGrpSpPr>
@@ -33588,77 +33610,32 @@
             <a:spLocks noGrp="1"/>
           </p:cNvSpPr>
           <p:nvPr>
-            <p:ph type="title" idx="4294967295"/>
+            <p:ph type="title"/>
           </p:nvPr>
         </p:nvSpPr>
-        <p:spPr>
-          <a:xfrm>
-            <a:off x="666750" y="182563"/>
-            <a:ext cx="11525250" cy="1063625"/>
-          </a:xfrm>
-        </p:spPr>
+        <p:spPr/>
         <p:txBody>
           <a:bodyPr/>
           <a:lstStyle/>
           <a:p>
             <a:r>
               <a:rPr lang="en-US" dirty="0" smtClean="0"/>
-              <a:t>Starting a Node Project in Visual Studio</a:t>
+              <a:t>Basic TCP server</a:t>
             </a:r>
             <a:endParaRPr lang="en-US" dirty="0"/>
           </a:p>
         </p:txBody>
       </p:sp>
-      <p:pic>
-        <p:nvPicPr>
-          <p:cNvPr id="5" name="Picture 4"/>
-          <p:cNvPicPr/>
-          <p:nvPr/>
-        </p:nvPicPr>
-        <p:blipFill>
-          <a:blip r:embed="rId2">
-            <a:extLst>
-              <a:ext uri="{28A0092B-C50C-407E-A947-70E740481C1C}">
-                <a14:useLocalDpi xmlns:a14="http://schemas.microsoft.com/office/drawing/2010/main" val="0"/>
-              </a:ext>
-            </a:extLst>
-          </a:blip>
-          <a:stretch>
-            <a:fillRect/>
-          </a:stretch>
-        </p:blipFill>
-        <p:spPr>
-          <a:xfrm>
-            <a:off x="477981" y="970135"/>
-            <a:ext cx="7128163" cy="5665214"/>
-          </a:xfrm>
-          <a:prstGeom prst="rect">
-            <a:avLst/>
-          </a:prstGeom>
-        </p:spPr>
-      </p:pic>
     </p:spTree>
     <p:extLst>
       <p:ext uri="{BB962C8B-B14F-4D97-AF65-F5344CB8AC3E}">
-        <p14:creationId xmlns:p14="http://schemas.microsoft.com/office/powerpoint/2010/main" val="3952053846"/>
+        <p14:creationId xmlns:p14="http://schemas.microsoft.com/office/powerpoint/2010/main" val="3928690130"/>
       </p:ext>
     </p:extLst>
   </p:cSld>
   <p:clrMapOvr>
     <a:masterClrMapping/>
   </p:clrMapOvr>
-  <mc:AlternateContent xmlns:mc="http://schemas.openxmlformats.org/markup-compatibility/2006" xmlns:p14="http://schemas.microsoft.com/office/powerpoint/2010/main">
-    <mc:Choice Requires="p14">
-      <p:transition spd="med" p14:dur="700">
-        <p:fade/>
-      </p:transition>
-    </mc:Choice>
-    <mc:Fallback xmlns="">
-      <p:transition spd="med">
-        <p:fade/>
-      </p:transition>
-    </mc:Fallback>
-  </mc:AlternateContent>
   <p:timing>
     <p:tnLst>
       <p:par>
@@ -33670,7 +33647,7 @@
 </file>
 
 <file path=ppt/slides/slide17.xml><?xml version="1.0" encoding="utf-8"?>
-<p:sld xmlns:a="http://schemas.openxmlformats.org/drawingml/2006/main" xmlns:r="http://schemas.openxmlformats.org/officeDocument/2006/relationships" xmlns:p="http://schemas.openxmlformats.org/presentationml/2006/main" show="0">
+<p:sld xmlns:a="http://schemas.openxmlformats.org/drawingml/2006/main" xmlns:r="http://schemas.openxmlformats.org/officeDocument/2006/relationships" xmlns:p="http://schemas.openxmlformats.org/presentationml/2006/main">
   <p:cSld>
     <p:spTree>
       <p:nvGrpSpPr>
@@ -33693,59 +33670,61 @@
             <a:spLocks noGrp="1"/>
           </p:cNvSpPr>
           <p:nvPr>
-            <p:ph type="title" idx="4294967295"/>
+            <p:ph type="title"/>
           </p:nvPr>
         </p:nvSpPr>
-        <p:spPr>
-          <a:xfrm>
-            <a:off x="666750" y="182563"/>
-            <a:ext cx="11525250" cy="1063625"/>
-          </a:xfrm>
-        </p:spPr>
+        <p:spPr/>
         <p:txBody>
           <a:bodyPr/>
           <a:lstStyle/>
           <a:p>
             <a:r>
               <a:rPr lang="en-US" dirty="0" smtClean="0"/>
-              <a:t>Starting a Node Project in Visual Studio</a:t>
+              <a:t>Event Driven Programming</a:t>
             </a:r>
             <a:endParaRPr lang="en-US" dirty="0"/>
           </a:p>
         </p:txBody>
       </p:sp>
-      <p:pic>
-        <p:nvPicPr>
-          <p:cNvPr id="4" name="Picture 3"/>
-          <p:cNvPicPr/>
-          <p:nvPr/>
-        </p:nvPicPr>
-        <p:blipFill>
-          <a:blip r:embed="rId2">
-            <a:extLst>
-              <a:ext uri="{28A0092B-C50C-407E-A947-70E740481C1C}">
-                <a14:useLocalDpi xmlns:a14="http://schemas.microsoft.com/office/drawing/2010/main" val="0"/>
-              </a:ext>
-            </a:extLst>
-          </a:blip>
-          <a:stretch>
-            <a:fillRect/>
-          </a:stretch>
-        </p:blipFill>
-        <p:spPr>
-          <a:xfrm>
-            <a:off x="379513" y="994727"/>
-            <a:ext cx="9041577" cy="5551490"/>
-          </a:xfrm>
-          <a:prstGeom prst="rect">
-            <a:avLst/>
-          </a:prstGeom>
-        </p:spPr>
-      </p:pic>
+      <p:sp>
+        <p:nvSpPr>
+          <p:cNvPr id="3" name="Content Placeholder 2"/>
+          <p:cNvSpPr>
+            <a:spLocks noGrp="1"/>
+          </p:cNvSpPr>
+          <p:nvPr>
+            <p:ph idx="1"/>
+          </p:nvPr>
+        </p:nvSpPr>
+        <p:spPr/>
+        <p:txBody>
+          <a:bodyPr/>
+          <a:lstStyle/>
+          <a:p>
+            <a:pPr marL="0" indent="0">
+              <a:buNone/>
+            </a:pPr>
+            <a:r>
+              <a:rPr lang="en-US" dirty="0" smtClean="0"/>
+              <a:t>“</a:t>
+            </a:r>
+            <a:r>
+              <a:rPr lang="en-US" dirty="0"/>
+              <a:t>A programming paradigm in which the flow of the program is determined by events such as user actions (mouse clicks, key presses) or messages from other programs.” – Wikipedia</a:t>
+            </a:r>
+          </a:p>
+          <a:p>
+            <a:pPr marL="0" indent="0">
+              <a:buNone/>
+            </a:pPr>
+            <a:endParaRPr lang="en-US" dirty="0"/>
+          </a:p>
+        </p:txBody>
+      </p:sp>
     </p:spTree>
     <p:extLst>
       <p:ext uri="{BB962C8B-B14F-4D97-AF65-F5344CB8AC3E}">
-        <p14:creationId xmlns:p14="http://schemas.microsoft.com/office/powerpoint/2010/main" val="1187858789"/>
+        <p14:creationId xmlns:p14="http://schemas.microsoft.com/office/powerpoint/2010/main" val="559582552"/>
       </p:ext>
     </p:extLst>
   </p:cSld>
@@ -33808,8 +33787,54 @@
           <a:p>
             <a:r>
               <a:rPr lang="en-US" dirty="0" smtClean="0"/>
-              <a:t>Basic HTTP Server</a:t>
-            </a:r>
+              <a:t>Node Event Loop</a:t>
+            </a:r>
+            <a:endParaRPr lang="en-US" dirty="0"/>
+          </a:p>
+        </p:txBody>
+      </p:sp>
+      <p:sp>
+        <p:nvSpPr>
+          <p:cNvPr id="3" name="Content Placeholder 2"/>
+          <p:cNvSpPr>
+            <a:spLocks noGrp="1"/>
+          </p:cNvSpPr>
+          <p:nvPr>
+            <p:ph idx="1"/>
+          </p:nvPr>
+        </p:nvSpPr>
+        <p:spPr/>
+        <p:txBody>
+          <a:bodyPr/>
+          <a:lstStyle/>
+          <a:p>
+            <a:r>
+              <a:rPr lang="en-US" dirty="0"/>
+              <a:t>Node provides the event loop as part of the language.</a:t>
+            </a:r>
+          </a:p>
+          <a:p>
+            <a:r>
+              <a:rPr lang="en-US" dirty="0"/>
+              <a:t>With Node, there is no call to start the loop.</a:t>
+            </a:r>
+          </a:p>
+          <a:p>
+            <a:r>
+              <a:rPr lang="en-US" dirty="0"/>
+              <a:t>The loop starts and doesn’t end until the last callback is complete. </a:t>
+            </a:r>
+          </a:p>
+          <a:p>
+            <a:r>
+              <a:rPr lang="en-US" dirty="0"/>
+              <a:t>Event loop is run under a single thread therefore sleep() makes everything halt. </a:t>
+            </a:r>
+          </a:p>
+          <a:p>
+            <a:pPr marL="0" indent="0">
+              <a:buNone/>
+            </a:pPr>
             <a:endParaRPr lang="en-US" dirty="0"/>
           </a:p>
         </p:txBody>
@@ -33817,7 +33842,7 @@
     </p:spTree>
     <p:extLst>
       <p:ext uri="{BB962C8B-B14F-4D97-AF65-F5344CB8AC3E}">
-        <p14:creationId xmlns:p14="http://schemas.microsoft.com/office/powerpoint/2010/main" val="3707770699"/>
+        <p14:creationId xmlns:p14="http://schemas.microsoft.com/office/powerpoint/2010/main" val="3371721629"/>
       </p:ext>
     </p:extLst>
   </p:cSld>
@@ -33880,7 +33905,7 @@
           <a:p>
             <a:r>
               <a:rPr lang="en-US" dirty="0" smtClean="0"/>
-              <a:t>Event Driven Programming</a:t>
+              <a:t>Blocking I/O</a:t>
             </a:r>
             <a:endParaRPr lang="en-US" dirty="0"/>
           </a:p>
@@ -33896,22 +33921,232 @@
             <p:ph idx="1"/>
           </p:nvPr>
         </p:nvSpPr>
-        <p:spPr/>
+        <p:spPr>
+          <a:xfrm>
+            <a:off x="560798" y="3061852"/>
+            <a:ext cx="9974120" cy="1523027"/>
+          </a:xfrm>
+        </p:spPr>
+        <p:style>
+          <a:lnRef idx="2">
+            <a:schemeClr val="accent1"/>
+          </a:lnRef>
+          <a:fillRef idx="1">
+            <a:schemeClr val="lt1"/>
+          </a:fillRef>
+          <a:effectRef idx="0">
+            <a:schemeClr val="accent1"/>
+          </a:effectRef>
+          <a:fontRef idx="minor">
+            <a:schemeClr val="dk1"/>
+          </a:fontRef>
+        </p:style>
         <p:txBody>
           <a:bodyPr/>
           <a:lstStyle/>
           <a:p>
-            <a:pPr marL="0" indent="0">
+            <a:pPr marL="0" lvl="0" indent="0" defTabSz="914400" eaLnBrk="0" fontAlgn="base" hangingPunct="0">
+              <a:spcBef>
+                <a:spcPct val="0"/>
+              </a:spcBef>
+              <a:spcAft>
+                <a:spcPct val="0"/>
+              </a:spcAft>
               <a:buNone/>
             </a:pPr>
             <a:r>
-              <a:rPr lang="en-US" dirty="0" smtClean="0"/>
-              <a:t>“</a:t>
-            </a:r>
-            <a:r>
-              <a:rPr lang="en-US" dirty="0"/>
-              <a:t>A programming paradigm in which the flow of the program is determined by events such as user actions (mouse clicks, key presses) or messages from other programs.” – Wikipedia</a:t>
-            </a:r>
+              <a:rPr lang="en-US" altLang="en-US" sz="2400" dirty="0" err="1">
+                <a:solidFill>
+                  <a:srgbClr val="0000FF"/>
+                </a:solidFill>
+                <a:latin typeface="Consolas" panose="020B0609020204030204" pitchFamily="49" charset="0"/>
+                <a:cs typeface="Consolas" panose="020B0609020204030204" pitchFamily="49" charset="0"/>
+              </a:rPr>
+              <a:t>var</a:t>
+            </a:r>
+            <a:r>
+              <a:rPr lang="en-US" altLang="en-US" sz="2400" dirty="0">
+                <a:solidFill>
+                  <a:srgbClr val="000000"/>
+                </a:solidFill>
+                <a:latin typeface="Consolas" panose="020B0609020204030204" pitchFamily="49" charset="0"/>
+                <a:cs typeface="Consolas" panose="020B0609020204030204" pitchFamily="49" charset="0"/>
+              </a:rPr>
+              <a:t> fs = require(</a:t>
+            </a:r>
+            <a:r>
+              <a:rPr lang="en-US" altLang="en-US" sz="2400" dirty="0">
+                <a:solidFill>
+                  <a:srgbClr val="A31515"/>
+                </a:solidFill>
+                <a:latin typeface="Consolas" panose="020B0609020204030204" pitchFamily="49" charset="0"/>
+                <a:cs typeface="Consolas" panose="020B0609020204030204" pitchFamily="49" charset="0"/>
+              </a:rPr>
+              <a:t>'fs'</a:t>
+            </a:r>
+            <a:r>
+              <a:rPr lang="en-US" altLang="en-US" sz="2400" dirty="0">
+                <a:solidFill>
+                  <a:srgbClr val="000000"/>
+                </a:solidFill>
+                <a:latin typeface="Consolas" panose="020B0609020204030204" pitchFamily="49" charset="0"/>
+                <a:cs typeface="Consolas" panose="020B0609020204030204" pitchFamily="49" charset="0"/>
+              </a:rPr>
+              <a:t>);</a:t>
+            </a:r>
+          </a:p>
+          <a:p>
+            <a:pPr marL="0" lvl="0" indent="0" defTabSz="914400" eaLnBrk="0" fontAlgn="base" hangingPunct="0">
+              <a:spcBef>
+                <a:spcPct val="0"/>
+              </a:spcBef>
+              <a:spcAft>
+                <a:spcPct val="0"/>
+              </a:spcAft>
+              <a:buNone/>
+            </a:pPr>
+            <a:endParaRPr lang="en-US" altLang="en-US" sz="2400" dirty="0">
+              <a:solidFill>
+                <a:srgbClr val="0000FF"/>
+              </a:solidFill>
+              <a:latin typeface="Consolas" panose="020B0609020204030204" pitchFamily="49" charset="0"/>
+              <a:cs typeface="Consolas" panose="020B0609020204030204" pitchFamily="49" charset="0"/>
+            </a:endParaRPr>
+          </a:p>
+          <a:p>
+            <a:pPr marL="0" lvl="0" indent="0" defTabSz="914400" eaLnBrk="0" fontAlgn="base" hangingPunct="0">
+              <a:spcBef>
+                <a:spcPct val="0"/>
+              </a:spcBef>
+              <a:spcAft>
+                <a:spcPct val="0"/>
+              </a:spcAft>
+              <a:buNone/>
+            </a:pPr>
+            <a:r>
+              <a:rPr lang="en-US" altLang="en-US" sz="2400" dirty="0" err="1">
+                <a:solidFill>
+                  <a:srgbClr val="0000FF"/>
+                </a:solidFill>
+                <a:latin typeface="Consolas" panose="020B0609020204030204" pitchFamily="49" charset="0"/>
+                <a:cs typeface="Consolas" panose="020B0609020204030204" pitchFamily="49" charset="0"/>
+              </a:rPr>
+              <a:t>var</a:t>
+            </a:r>
+            <a:r>
+              <a:rPr lang="en-US" altLang="en-US" sz="2400" dirty="0">
+                <a:solidFill>
+                  <a:srgbClr val="000000"/>
+                </a:solidFill>
+                <a:latin typeface="Consolas" panose="020B0609020204030204" pitchFamily="49" charset="0"/>
+                <a:cs typeface="Consolas" panose="020B0609020204030204" pitchFamily="49" charset="0"/>
+              </a:rPr>
+              <a:t> contents = </a:t>
+            </a:r>
+            <a:r>
+              <a:rPr lang="en-US" altLang="en-US" sz="2400" dirty="0" err="1">
+                <a:solidFill>
+                  <a:srgbClr val="000000"/>
+                </a:solidFill>
+                <a:latin typeface="Consolas" panose="020B0609020204030204" pitchFamily="49" charset="0"/>
+                <a:cs typeface="Consolas" panose="020B0609020204030204" pitchFamily="49" charset="0"/>
+              </a:rPr>
+              <a:t>fs.readFileSync</a:t>
+            </a:r>
+            <a:r>
+              <a:rPr lang="en-US" altLang="en-US" sz="2400" dirty="0">
+                <a:solidFill>
+                  <a:srgbClr val="000000"/>
+                </a:solidFill>
+                <a:latin typeface="Consolas" panose="020B0609020204030204" pitchFamily="49" charset="0"/>
+                <a:cs typeface="Consolas" panose="020B0609020204030204" pitchFamily="49" charset="0"/>
+              </a:rPr>
+              <a:t>(</a:t>
+            </a:r>
+            <a:r>
+              <a:rPr lang="en-US" altLang="en-US" sz="2400" dirty="0">
+                <a:solidFill>
+                  <a:srgbClr val="A31515"/>
+                </a:solidFill>
+                <a:latin typeface="Consolas" panose="020B0609020204030204" pitchFamily="49" charset="0"/>
+                <a:cs typeface="Consolas" panose="020B0609020204030204" pitchFamily="49" charset="0"/>
+              </a:rPr>
+              <a:t>'</a:t>
+            </a:r>
+            <a:r>
+              <a:rPr lang="en-US" altLang="en-US" sz="2400" dirty="0" err="1">
+                <a:solidFill>
+                  <a:srgbClr val="A31515"/>
+                </a:solidFill>
+                <a:latin typeface="Consolas" panose="020B0609020204030204" pitchFamily="49" charset="0"/>
+                <a:cs typeface="Consolas" panose="020B0609020204030204" pitchFamily="49" charset="0"/>
+              </a:rPr>
+              <a:t>package.json</a:t>
+            </a:r>
+            <a:r>
+              <a:rPr lang="en-US" altLang="en-US" sz="2400" dirty="0">
+                <a:solidFill>
+                  <a:srgbClr val="A31515"/>
+                </a:solidFill>
+                <a:latin typeface="Consolas" panose="020B0609020204030204" pitchFamily="49" charset="0"/>
+                <a:cs typeface="Consolas" panose="020B0609020204030204" pitchFamily="49" charset="0"/>
+              </a:rPr>
+              <a:t>'</a:t>
+            </a:r>
+            <a:r>
+              <a:rPr lang="en-US" altLang="en-US" sz="2400" dirty="0">
+                <a:solidFill>
+                  <a:srgbClr val="000000"/>
+                </a:solidFill>
+                <a:latin typeface="Consolas" panose="020B0609020204030204" pitchFamily="49" charset="0"/>
+                <a:cs typeface="Consolas" panose="020B0609020204030204" pitchFamily="49" charset="0"/>
+              </a:rPr>
+              <a:t>).</a:t>
+            </a:r>
+            <a:r>
+              <a:rPr lang="en-US" altLang="en-US" sz="2400" dirty="0" err="1">
+                <a:solidFill>
+                  <a:srgbClr val="000000"/>
+                </a:solidFill>
+                <a:latin typeface="Consolas" panose="020B0609020204030204" pitchFamily="49" charset="0"/>
+                <a:cs typeface="Consolas" panose="020B0609020204030204" pitchFamily="49" charset="0"/>
+              </a:rPr>
+              <a:t>toString</a:t>
+            </a:r>
+            <a:r>
+              <a:rPr lang="en-US" altLang="en-US" sz="2400" dirty="0">
+                <a:solidFill>
+                  <a:srgbClr val="000000"/>
+                </a:solidFill>
+                <a:latin typeface="Consolas" panose="020B0609020204030204" pitchFamily="49" charset="0"/>
+                <a:cs typeface="Consolas" panose="020B0609020204030204" pitchFamily="49" charset="0"/>
+              </a:rPr>
+              <a:t>();</a:t>
+            </a:r>
+          </a:p>
+          <a:p>
+            <a:pPr marL="0" lvl="0" indent="0" defTabSz="914400" eaLnBrk="0" fontAlgn="base" hangingPunct="0">
+              <a:spcBef>
+                <a:spcPct val="0"/>
+              </a:spcBef>
+              <a:spcAft>
+                <a:spcPct val="0"/>
+              </a:spcAft>
+              <a:buNone/>
+            </a:pPr>
+            <a:r>
+              <a:rPr lang="en-US" altLang="en-US" sz="2400" dirty="0">
+                <a:solidFill>
+                  <a:srgbClr val="000000"/>
+                </a:solidFill>
+                <a:latin typeface="Consolas" panose="020B0609020204030204" pitchFamily="49" charset="0"/>
+                <a:cs typeface="Consolas" panose="020B0609020204030204" pitchFamily="49" charset="0"/>
+              </a:rPr>
+              <a:t>console.log(contents);</a:t>
+            </a:r>
+            <a:endParaRPr lang="en-US" altLang="en-US" sz="2400" dirty="0">
+              <a:latin typeface="Arial" panose="020B0604020202020204" pitchFamily="34" charset="0"/>
+            </a:endParaRPr>
           </a:p>
           <a:p>
             <a:pPr marL="0" indent="0">
@@ -33924,7 +34159,7 @@
     </p:spTree>
     <p:extLst>
       <p:ext uri="{BB962C8B-B14F-4D97-AF65-F5344CB8AC3E}">
-        <p14:creationId xmlns:p14="http://schemas.microsoft.com/office/powerpoint/2010/main" val="559582552"/>
+        <p14:creationId xmlns:p14="http://schemas.microsoft.com/office/powerpoint/2010/main" val="174588124"/>
       </p:ext>
     </p:extLst>
   </p:cSld>
@@ -34123,7 +34358,7 @@
           <a:p>
             <a:r>
               <a:rPr lang="en-US" dirty="0" smtClean="0"/>
-              <a:t>Node Event Loop</a:t>
+              <a:t>Non Blocking I/O</a:t>
             </a:r>
             <a:endParaRPr lang="en-US" dirty="0"/>
           </a:p>
@@ -34139,46 +34374,280 @@
             <p:ph idx="1"/>
           </p:nvPr>
         </p:nvSpPr>
-        <p:spPr/>
+        <p:spPr>
+          <a:xfrm>
+            <a:off x="560798" y="2907307"/>
+            <a:ext cx="10064272" cy="2141211"/>
+          </a:xfrm>
+        </p:spPr>
+        <p:style>
+          <a:lnRef idx="2">
+            <a:schemeClr val="accent1"/>
+          </a:lnRef>
+          <a:fillRef idx="1">
+            <a:schemeClr val="lt1"/>
+          </a:fillRef>
+          <a:effectRef idx="0">
+            <a:schemeClr val="accent1"/>
+          </a:effectRef>
+          <a:fontRef idx="minor">
+            <a:schemeClr val="dk1"/>
+          </a:fontRef>
+        </p:style>
         <p:txBody>
           <a:bodyPr/>
           <a:lstStyle/>
           <a:p>
-            <a:r>
-              <a:rPr lang="en-US" dirty="0"/>
-              <a:t>Node provides the event loop as part of the language.</a:t>
-            </a:r>
-          </a:p>
-          <a:p>
-            <a:r>
-              <a:rPr lang="en-US" dirty="0"/>
-              <a:t>With Node, there is no call to start the loop.</a:t>
-            </a:r>
-          </a:p>
-          <a:p>
-            <a:r>
-              <a:rPr lang="en-US" dirty="0"/>
-              <a:t>The loop starts and doesn’t end until the last callback is complete. </a:t>
-            </a:r>
-          </a:p>
-          <a:p>
-            <a:r>
-              <a:rPr lang="en-US" dirty="0"/>
-              <a:t>Event loop is run under a single thread therefore sleep() makes everything halt. </a:t>
-            </a:r>
-          </a:p>
-          <a:p>
-            <a:pPr marL="0" indent="0">
+            <a:pPr marL="0" lvl="0" indent="0" defTabSz="914400" eaLnBrk="0" fontAlgn="base" hangingPunct="0">
+              <a:spcBef>
+                <a:spcPct val="0"/>
+              </a:spcBef>
+              <a:spcAft>
+                <a:spcPct val="0"/>
+              </a:spcAft>
               <a:buNone/>
             </a:pPr>
-            <a:endParaRPr lang="en-US" dirty="0"/>
+            <a:r>
+              <a:rPr lang="en-US" altLang="en-US" sz="2800" dirty="0" err="1">
+                <a:solidFill>
+                  <a:srgbClr val="0000FF"/>
+                </a:solidFill>
+                <a:latin typeface="Consolas" panose="020B0609020204030204" pitchFamily="49" charset="0"/>
+                <a:cs typeface="Consolas" panose="020B0609020204030204" pitchFamily="49" charset="0"/>
+              </a:rPr>
+              <a:t>var</a:t>
+            </a:r>
+            <a:r>
+              <a:rPr lang="en-US" altLang="en-US" sz="2800" dirty="0">
+                <a:solidFill>
+                  <a:srgbClr val="000000"/>
+                </a:solidFill>
+                <a:latin typeface="Consolas" panose="020B0609020204030204" pitchFamily="49" charset="0"/>
+                <a:cs typeface="Consolas" panose="020B0609020204030204" pitchFamily="49" charset="0"/>
+              </a:rPr>
+              <a:t> fs = require(</a:t>
+            </a:r>
+            <a:r>
+              <a:rPr lang="en-US" altLang="en-US" sz="2800" dirty="0">
+                <a:solidFill>
+                  <a:srgbClr val="A31515"/>
+                </a:solidFill>
+                <a:latin typeface="Consolas" panose="020B0609020204030204" pitchFamily="49" charset="0"/>
+                <a:cs typeface="Consolas" panose="020B0609020204030204" pitchFamily="49" charset="0"/>
+              </a:rPr>
+              <a:t>'fs'</a:t>
+            </a:r>
+            <a:r>
+              <a:rPr lang="en-US" altLang="en-US" sz="2800" dirty="0">
+                <a:solidFill>
+                  <a:srgbClr val="000000"/>
+                </a:solidFill>
+                <a:latin typeface="Consolas" panose="020B0609020204030204" pitchFamily="49" charset="0"/>
+                <a:cs typeface="Consolas" panose="020B0609020204030204" pitchFamily="49" charset="0"/>
+              </a:rPr>
+              <a:t>);</a:t>
+            </a:r>
+          </a:p>
+          <a:p>
+            <a:pPr marL="0" lvl="0" indent="0" defTabSz="914400" eaLnBrk="0" fontAlgn="base" hangingPunct="0">
+              <a:spcBef>
+                <a:spcPct val="0"/>
+              </a:spcBef>
+              <a:spcAft>
+                <a:spcPct val="0"/>
+              </a:spcAft>
+              <a:buNone/>
+            </a:pPr>
+            <a:endParaRPr lang="en-US" altLang="en-US" sz="2800" dirty="0">
+              <a:solidFill>
+                <a:srgbClr val="000000"/>
+              </a:solidFill>
+              <a:latin typeface="Consolas" panose="020B0609020204030204" pitchFamily="49" charset="0"/>
+              <a:cs typeface="Consolas" panose="020B0609020204030204" pitchFamily="49" charset="0"/>
+            </a:endParaRPr>
+          </a:p>
+          <a:p>
+            <a:pPr marL="0" lvl="0" indent="0" defTabSz="914400" eaLnBrk="0" fontAlgn="base" hangingPunct="0">
+              <a:spcBef>
+                <a:spcPct val="0"/>
+              </a:spcBef>
+              <a:spcAft>
+                <a:spcPct val="0"/>
+              </a:spcAft>
+              <a:buNone/>
+            </a:pPr>
+            <a:r>
+              <a:rPr lang="en-US" altLang="en-US" sz="2800" dirty="0" err="1">
+                <a:solidFill>
+                  <a:srgbClr val="000000"/>
+                </a:solidFill>
+                <a:latin typeface="Consolas" panose="020B0609020204030204" pitchFamily="49" charset="0"/>
+                <a:cs typeface="Consolas" panose="020B0609020204030204" pitchFamily="49" charset="0"/>
+              </a:rPr>
+              <a:t>fs.readFile</a:t>
+            </a:r>
+            <a:r>
+              <a:rPr lang="en-US" altLang="en-US" sz="2800" dirty="0">
+                <a:solidFill>
+                  <a:srgbClr val="000000"/>
+                </a:solidFill>
+                <a:latin typeface="Consolas" panose="020B0609020204030204" pitchFamily="49" charset="0"/>
+                <a:cs typeface="Consolas" panose="020B0609020204030204" pitchFamily="49" charset="0"/>
+              </a:rPr>
+              <a:t>(</a:t>
+            </a:r>
+            <a:r>
+              <a:rPr lang="en-US" altLang="en-US" sz="2800" dirty="0">
+                <a:solidFill>
+                  <a:srgbClr val="A31515"/>
+                </a:solidFill>
+                <a:latin typeface="Consolas" panose="020B0609020204030204" pitchFamily="49" charset="0"/>
+                <a:cs typeface="Consolas" panose="020B0609020204030204" pitchFamily="49" charset="0"/>
+              </a:rPr>
+              <a:t>'</a:t>
+            </a:r>
+            <a:r>
+              <a:rPr lang="en-US" altLang="en-US" sz="2800" dirty="0" err="1">
+                <a:solidFill>
+                  <a:srgbClr val="A31515"/>
+                </a:solidFill>
+                <a:latin typeface="Consolas" panose="020B0609020204030204" pitchFamily="49" charset="0"/>
+                <a:cs typeface="Consolas" panose="020B0609020204030204" pitchFamily="49" charset="0"/>
+              </a:rPr>
+              <a:t>package.json</a:t>
+            </a:r>
+            <a:r>
+              <a:rPr lang="en-US" altLang="en-US" sz="2800" dirty="0">
+                <a:solidFill>
+                  <a:srgbClr val="A31515"/>
+                </a:solidFill>
+                <a:latin typeface="Consolas" panose="020B0609020204030204" pitchFamily="49" charset="0"/>
+                <a:cs typeface="Consolas" panose="020B0609020204030204" pitchFamily="49" charset="0"/>
+              </a:rPr>
+              <a:t>'</a:t>
+            </a:r>
+            <a:r>
+              <a:rPr lang="en-US" altLang="en-US" sz="2800" dirty="0">
+                <a:solidFill>
+                  <a:srgbClr val="000000"/>
+                </a:solidFill>
+                <a:latin typeface="Consolas" panose="020B0609020204030204" pitchFamily="49" charset="0"/>
+                <a:cs typeface="Consolas" panose="020B0609020204030204" pitchFamily="49" charset="0"/>
+              </a:rPr>
+              <a:t>, </a:t>
+            </a:r>
+            <a:r>
+              <a:rPr lang="en-US" altLang="en-US" sz="2800" dirty="0">
+                <a:solidFill>
+                  <a:srgbClr val="0000FF"/>
+                </a:solidFill>
+                <a:latin typeface="Consolas" panose="020B0609020204030204" pitchFamily="49" charset="0"/>
+                <a:cs typeface="Consolas" panose="020B0609020204030204" pitchFamily="49" charset="0"/>
+              </a:rPr>
+              <a:t>function</a:t>
+            </a:r>
+            <a:r>
+              <a:rPr lang="en-US" altLang="en-US" sz="2800" dirty="0">
+                <a:solidFill>
+                  <a:srgbClr val="000000"/>
+                </a:solidFill>
+                <a:latin typeface="Consolas" panose="020B0609020204030204" pitchFamily="49" charset="0"/>
+                <a:cs typeface="Consolas" panose="020B0609020204030204" pitchFamily="49" charset="0"/>
+              </a:rPr>
+              <a:t> (err, </a:t>
+            </a:r>
+            <a:r>
+              <a:rPr lang="en-US" altLang="en-US" sz="2800" dirty="0" err="1">
+                <a:solidFill>
+                  <a:srgbClr val="000000"/>
+                </a:solidFill>
+                <a:latin typeface="Consolas" panose="020B0609020204030204" pitchFamily="49" charset="0"/>
+                <a:cs typeface="Consolas" panose="020B0609020204030204" pitchFamily="49" charset="0"/>
+              </a:rPr>
+              <a:t>buf</a:t>
+            </a:r>
+            <a:r>
+              <a:rPr lang="en-US" altLang="en-US" sz="2800" dirty="0">
+                <a:solidFill>
+                  <a:srgbClr val="000000"/>
+                </a:solidFill>
+                <a:latin typeface="Consolas" panose="020B0609020204030204" pitchFamily="49" charset="0"/>
+                <a:cs typeface="Consolas" panose="020B0609020204030204" pitchFamily="49" charset="0"/>
+              </a:rPr>
+              <a:t>) {</a:t>
+            </a:r>
+          </a:p>
+          <a:p>
+            <a:pPr marL="0" lvl="0" indent="0" defTabSz="914400" eaLnBrk="0" fontAlgn="base" hangingPunct="0">
+              <a:spcBef>
+                <a:spcPct val="0"/>
+              </a:spcBef>
+              <a:spcAft>
+                <a:spcPct val="0"/>
+              </a:spcAft>
+              <a:buNone/>
+            </a:pPr>
+            <a:r>
+              <a:rPr lang="en-US" altLang="en-US" sz="2800" dirty="0">
+                <a:solidFill>
+                  <a:srgbClr val="000000"/>
+                </a:solidFill>
+                <a:latin typeface="Consolas" panose="020B0609020204030204" pitchFamily="49" charset="0"/>
+                <a:cs typeface="Consolas" panose="020B0609020204030204" pitchFamily="49" charset="0"/>
+              </a:rPr>
+              <a:t>     console.log(</a:t>
+            </a:r>
+            <a:r>
+              <a:rPr lang="en-US" altLang="en-US" sz="2800" dirty="0" err="1">
+                <a:solidFill>
+                  <a:srgbClr val="000000"/>
+                </a:solidFill>
+                <a:latin typeface="Consolas" panose="020B0609020204030204" pitchFamily="49" charset="0"/>
+                <a:cs typeface="Consolas" panose="020B0609020204030204" pitchFamily="49" charset="0"/>
+              </a:rPr>
+              <a:t>buf.toString</a:t>
+            </a:r>
+            <a:r>
+              <a:rPr lang="en-US" altLang="en-US" sz="2800" dirty="0">
+                <a:solidFill>
+                  <a:srgbClr val="000000"/>
+                </a:solidFill>
+                <a:latin typeface="Consolas" panose="020B0609020204030204" pitchFamily="49" charset="0"/>
+                <a:cs typeface="Consolas" panose="020B0609020204030204" pitchFamily="49" charset="0"/>
+              </a:rPr>
+              <a:t>());</a:t>
+            </a:r>
+          </a:p>
+          <a:p>
+            <a:pPr marL="0" lvl="0" indent="0" defTabSz="914400" eaLnBrk="0" fontAlgn="base" hangingPunct="0">
+              <a:spcBef>
+                <a:spcPct val="0"/>
+              </a:spcBef>
+              <a:spcAft>
+                <a:spcPct val="0"/>
+              </a:spcAft>
+              <a:buNone/>
+            </a:pPr>
+            <a:r>
+              <a:rPr lang="en-US" altLang="en-US" sz="2800" dirty="0" smtClean="0">
+                <a:solidFill>
+                  <a:srgbClr val="000000"/>
+                </a:solidFill>
+                <a:latin typeface="Consolas" panose="020B0609020204030204" pitchFamily="49" charset="0"/>
+                <a:cs typeface="Consolas" panose="020B0609020204030204" pitchFamily="49" charset="0"/>
+              </a:rPr>
+              <a:t>});</a:t>
+            </a:r>
+            <a:endParaRPr lang="en-US" altLang="en-US" sz="6000" dirty="0">
+              <a:latin typeface="Arial" panose="020B0604020202020204" pitchFamily="34" charset="0"/>
+            </a:endParaRPr>
           </a:p>
         </p:txBody>
       </p:sp>
     </p:spTree>
     <p:extLst>
       <p:ext uri="{BB962C8B-B14F-4D97-AF65-F5344CB8AC3E}">
-        <p14:creationId xmlns:p14="http://schemas.microsoft.com/office/powerpoint/2010/main" val="3371721629"/>
+        <p14:creationId xmlns:p14="http://schemas.microsoft.com/office/powerpoint/2010/main" val="308955883"/>
       </p:ext>
     </p:extLst>
   </p:cSld>
@@ -34241,253 +34710,12 @@
           <a:p>
             <a:r>
               <a:rPr lang="en-US" dirty="0" smtClean="0"/>
-              <a:t>Blocking I/O</a:t>
-            </a:r>
-            <a:endParaRPr lang="en-US" dirty="0"/>
-          </a:p>
-        </p:txBody>
-      </p:sp>
-      <p:sp>
-        <p:nvSpPr>
-          <p:cNvPr id="3" name="Content Placeholder 2"/>
-          <p:cNvSpPr>
-            <a:spLocks noGrp="1"/>
-          </p:cNvSpPr>
-          <p:nvPr>
-            <p:ph idx="1"/>
-          </p:nvPr>
-        </p:nvSpPr>
-        <p:spPr>
-          <a:xfrm>
-            <a:off x="560798" y="3061852"/>
-            <a:ext cx="9974120" cy="1523027"/>
-          </a:xfrm>
-        </p:spPr>
-        <p:style>
-          <a:lnRef idx="2">
-            <a:schemeClr val="accent1"/>
-          </a:lnRef>
-          <a:fillRef idx="1">
-            <a:schemeClr val="lt1"/>
-          </a:fillRef>
-          <a:effectRef idx="0">
-            <a:schemeClr val="accent1"/>
-          </a:effectRef>
-          <a:fontRef idx="minor">
-            <a:schemeClr val="dk1"/>
-          </a:fontRef>
-        </p:style>
-        <p:txBody>
-          <a:bodyPr/>
-          <a:lstStyle/>
-          <a:p>
-            <a:pPr marL="0" lvl="0" indent="0" defTabSz="914400" eaLnBrk="0" fontAlgn="base" hangingPunct="0">
-              <a:spcBef>
-                <a:spcPct val="0"/>
-              </a:spcBef>
-              <a:spcAft>
-                <a:spcPct val="0"/>
-              </a:spcAft>
-              <a:buNone/>
-            </a:pPr>
-            <a:r>
-              <a:rPr lang="en-US" altLang="en-US" sz="2400" dirty="0" err="1">
-                <a:solidFill>
-                  <a:srgbClr val="0000FF"/>
-                </a:solidFill>
-                <a:latin typeface="Consolas" panose="020B0609020204030204" pitchFamily="49" charset="0"/>
-                <a:cs typeface="Consolas" panose="020B0609020204030204" pitchFamily="49" charset="0"/>
-              </a:rPr>
-              <a:t>var</a:t>
-            </a:r>
-            <a:r>
-              <a:rPr lang="en-US" altLang="en-US" sz="2400" dirty="0">
-                <a:solidFill>
-                  <a:srgbClr val="000000"/>
-                </a:solidFill>
-                <a:latin typeface="Consolas" panose="020B0609020204030204" pitchFamily="49" charset="0"/>
-                <a:cs typeface="Consolas" panose="020B0609020204030204" pitchFamily="49" charset="0"/>
-              </a:rPr>
-              <a:t> fs = require(</a:t>
-            </a:r>
-            <a:r>
-              <a:rPr lang="en-US" altLang="en-US" sz="2400" dirty="0">
-                <a:solidFill>
-                  <a:srgbClr val="A31515"/>
-                </a:solidFill>
-                <a:latin typeface="Consolas" panose="020B0609020204030204" pitchFamily="49" charset="0"/>
-                <a:cs typeface="Consolas" panose="020B0609020204030204" pitchFamily="49" charset="0"/>
-              </a:rPr>
-              <a:t>'fs'</a:t>
-            </a:r>
-            <a:r>
-              <a:rPr lang="en-US" altLang="en-US" sz="2400" dirty="0">
-                <a:solidFill>
-                  <a:srgbClr val="000000"/>
-                </a:solidFill>
-                <a:latin typeface="Consolas" panose="020B0609020204030204" pitchFamily="49" charset="0"/>
-                <a:cs typeface="Consolas" panose="020B0609020204030204" pitchFamily="49" charset="0"/>
-              </a:rPr>
-              <a:t>);</a:t>
-            </a:r>
-          </a:p>
-          <a:p>
-            <a:pPr marL="0" lvl="0" indent="0" defTabSz="914400" eaLnBrk="0" fontAlgn="base" hangingPunct="0">
-              <a:spcBef>
-                <a:spcPct val="0"/>
-              </a:spcBef>
-              <a:spcAft>
-                <a:spcPct val="0"/>
-              </a:spcAft>
-              <a:buNone/>
-            </a:pPr>
-            <a:endParaRPr lang="en-US" altLang="en-US" sz="2400" dirty="0">
-              <a:solidFill>
-                <a:srgbClr val="0000FF"/>
-              </a:solidFill>
-              <a:latin typeface="Consolas" panose="020B0609020204030204" pitchFamily="49" charset="0"/>
-              <a:cs typeface="Consolas" panose="020B0609020204030204" pitchFamily="49" charset="0"/>
-            </a:endParaRPr>
-          </a:p>
-          <a:p>
-            <a:pPr marL="0" lvl="0" indent="0" defTabSz="914400" eaLnBrk="0" fontAlgn="base" hangingPunct="0">
-              <a:spcBef>
-                <a:spcPct val="0"/>
-              </a:spcBef>
-              <a:spcAft>
-                <a:spcPct val="0"/>
-              </a:spcAft>
-              <a:buNone/>
-            </a:pPr>
-            <a:r>
-              <a:rPr lang="en-US" altLang="en-US" sz="2400" dirty="0" err="1">
-                <a:solidFill>
-                  <a:srgbClr val="0000FF"/>
-                </a:solidFill>
-                <a:latin typeface="Consolas" panose="020B0609020204030204" pitchFamily="49" charset="0"/>
-                <a:cs typeface="Consolas" panose="020B0609020204030204" pitchFamily="49" charset="0"/>
-              </a:rPr>
-              <a:t>var</a:t>
-            </a:r>
-            <a:r>
-              <a:rPr lang="en-US" altLang="en-US" sz="2400" dirty="0">
-                <a:solidFill>
-                  <a:srgbClr val="000000"/>
-                </a:solidFill>
-                <a:latin typeface="Consolas" panose="020B0609020204030204" pitchFamily="49" charset="0"/>
-                <a:cs typeface="Consolas" panose="020B0609020204030204" pitchFamily="49" charset="0"/>
-              </a:rPr>
-              <a:t> contents = </a:t>
-            </a:r>
-            <a:r>
-              <a:rPr lang="en-US" altLang="en-US" sz="2400" dirty="0" err="1">
-                <a:solidFill>
-                  <a:srgbClr val="000000"/>
-                </a:solidFill>
-                <a:latin typeface="Consolas" panose="020B0609020204030204" pitchFamily="49" charset="0"/>
-                <a:cs typeface="Consolas" panose="020B0609020204030204" pitchFamily="49" charset="0"/>
-              </a:rPr>
-              <a:t>fs.readFileSync</a:t>
-            </a:r>
-            <a:r>
-              <a:rPr lang="en-US" altLang="en-US" sz="2400" dirty="0">
-                <a:solidFill>
-                  <a:srgbClr val="000000"/>
-                </a:solidFill>
-                <a:latin typeface="Consolas" panose="020B0609020204030204" pitchFamily="49" charset="0"/>
-                <a:cs typeface="Consolas" panose="020B0609020204030204" pitchFamily="49" charset="0"/>
-              </a:rPr>
-              <a:t>(</a:t>
-            </a:r>
-            <a:r>
-              <a:rPr lang="en-US" altLang="en-US" sz="2400" dirty="0">
-                <a:solidFill>
-                  <a:srgbClr val="A31515"/>
-                </a:solidFill>
-                <a:latin typeface="Consolas" panose="020B0609020204030204" pitchFamily="49" charset="0"/>
-                <a:cs typeface="Consolas" panose="020B0609020204030204" pitchFamily="49" charset="0"/>
-              </a:rPr>
-              <a:t>'</a:t>
-            </a:r>
-            <a:r>
-              <a:rPr lang="en-US" altLang="en-US" sz="2400" dirty="0" err="1">
-                <a:solidFill>
-                  <a:srgbClr val="A31515"/>
-                </a:solidFill>
-                <a:latin typeface="Consolas" panose="020B0609020204030204" pitchFamily="49" charset="0"/>
-                <a:cs typeface="Consolas" panose="020B0609020204030204" pitchFamily="49" charset="0"/>
-              </a:rPr>
-              <a:t>package.json</a:t>
-            </a:r>
-            <a:r>
-              <a:rPr lang="en-US" altLang="en-US" sz="2400" dirty="0">
-                <a:solidFill>
-                  <a:srgbClr val="A31515"/>
-                </a:solidFill>
-                <a:latin typeface="Consolas" panose="020B0609020204030204" pitchFamily="49" charset="0"/>
-                <a:cs typeface="Consolas" panose="020B0609020204030204" pitchFamily="49" charset="0"/>
-              </a:rPr>
-              <a:t>'</a:t>
-            </a:r>
-            <a:r>
-              <a:rPr lang="en-US" altLang="en-US" sz="2400" dirty="0">
-                <a:solidFill>
-                  <a:srgbClr val="000000"/>
-                </a:solidFill>
-                <a:latin typeface="Consolas" panose="020B0609020204030204" pitchFamily="49" charset="0"/>
-                <a:cs typeface="Consolas" panose="020B0609020204030204" pitchFamily="49" charset="0"/>
-              </a:rPr>
-              <a:t>).</a:t>
-            </a:r>
-            <a:r>
-              <a:rPr lang="en-US" altLang="en-US" sz="2400" dirty="0" err="1">
-                <a:solidFill>
-                  <a:srgbClr val="000000"/>
-                </a:solidFill>
-                <a:latin typeface="Consolas" panose="020B0609020204030204" pitchFamily="49" charset="0"/>
-                <a:cs typeface="Consolas" panose="020B0609020204030204" pitchFamily="49" charset="0"/>
-              </a:rPr>
-              <a:t>toString</a:t>
-            </a:r>
-            <a:r>
-              <a:rPr lang="en-US" altLang="en-US" sz="2400" dirty="0">
-                <a:solidFill>
-                  <a:srgbClr val="000000"/>
-                </a:solidFill>
-                <a:latin typeface="Consolas" panose="020B0609020204030204" pitchFamily="49" charset="0"/>
-                <a:cs typeface="Consolas" panose="020B0609020204030204" pitchFamily="49" charset="0"/>
-              </a:rPr>
-              <a:t>();</a:t>
-            </a:r>
-          </a:p>
-          <a:p>
-            <a:pPr marL="0" lvl="0" indent="0" defTabSz="914400" eaLnBrk="0" fontAlgn="base" hangingPunct="0">
-              <a:spcBef>
-                <a:spcPct val="0"/>
-              </a:spcBef>
-              <a:spcAft>
-                <a:spcPct val="0"/>
-              </a:spcAft>
-              <a:buNone/>
-            </a:pPr>
-            <a:r>
-              <a:rPr lang="en-US" altLang="en-US" sz="2400" dirty="0">
-                <a:solidFill>
-                  <a:srgbClr val="000000"/>
-                </a:solidFill>
-                <a:latin typeface="Consolas" panose="020B0609020204030204" pitchFamily="49" charset="0"/>
-                <a:cs typeface="Consolas" panose="020B0609020204030204" pitchFamily="49" charset="0"/>
-              </a:rPr>
-              <a:t>console.log(contents);</a:t>
-            </a:r>
-            <a:endParaRPr lang="en-US" altLang="en-US" sz="2400" dirty="0">
-              <a:latin typeface="Arial" panose="020B0604020202020204" pitchFamily="34" charset="0"/>
-            </a:endParaRPr>
-          </a:p>
-          <a:p>
-            <a:pPr marL="0" indent="0">
-              <a:buNone/>
-            </a:pPr>
+              <a:t>Reading file content sync vs </a:t>
+            </a:r>
+            <a:r>
+              <a:rPr lang="en-US" dirty="0" err="1" smtClean="0"/>
+              <a:t>async</a:t>
+            </a:r>
             <a:endParaRPr lang="en-US" dirty="0"/>
           </a:p>
         </p:txBody>
@@ -34495,25 +34723,13 @@
     </p:spTree>
     <p:extLst>
       <p:ext uri="{BB962C8B-B14F-4D97-AF65-F5344CB8AC3E}">
-        <p14:creationId xmlns:p14="http://schemas.microsoft.com/office/powerpoint/2010/main" val="174588124"/>
+        <p14:creationId xmlns:p14="http://schemas.microsoft.com/office/powerpoint/2010/main" val="2143313774"/>
       </p:ext>
     </p:extLst>
   </p:cSld>
   <p:clrMapOvr>
     <a:masterClrMapping/>
   </p:clrMapOvr>
-  <mc:AlternateContent xmlns:mc="http://schemas.openxmlformats.org/markup-compatibility/2006" xmlns:p14="http://schemas.microsoft.com/office/powerpoint/2010/main">
-    <mc:Choice Requires="p14">
-      <p:transition spd="med" p14:dur="700">
-        <p:fade/>
-      </p:transition>
-    </mc:Choice>
-    <mc:Fallback xmlns="">
-      <p:transition spd="med">
-        <p:fade/>
-      </p:transition>
-    </mc:Fallback>
-  </mc:AlternateContent>
   <p:timing>
     <p:tnLst>
       <p:par>
@@ -34558,7 +34774,7 @@
           <a:p>
             <a:r>
               <a:rPr lang="en-US" dirty="0" smtClean="0"/>
-              <a:t>Non Blocking I/O</a:t>
+              <a:t>Callback Style Programming</a:t>
             </a:r>
             <a:endParaRPr lang="en-US" dirty="0"/>
           </a:p>
@@ -34574,280 +34790,40 @@
             <p:ph idx="1"/>
           </p:nvPr>
         </p:nvSpPr>
-        <p:spPr>
-          <a:xfrm>
-            <a:off x="560798" y="2907307"/>
-            <a:ext cx="10064272" cy="2141211"/>
-          </a:xfrm>
-        </p:spPr>
-        <p:style>
-          <a:lnRef idx="2">
-            <a:schemeClr val="accent1"/>
-          </a:lnRef>
-          <a:fillRef idx="1">
-            <a:schemeClr val="lt1"/>
-          </a:fillRef>
-          <a:effectRef idx="0">
-            <a:schemeClr val="accent1"/>
-          </a:effectRef>
-          <a:fontRef idx="minor">
-            <a:schemeClr val="dk1"/>
-          </a:fontRef>
-        </p:style>
+        <p:spPr/>
         <p:txBody>
           <a:bodyPr/>
           <a:lstStyle/>
           <a:p>
-            <a:pPr marL="0" lvl="0" indent="0" defTabSz="914400" eaLnBrk="0" fontAlgn="base" hangingPunct="0">
-              <a:spcBef>
-                <a:spcPct val="0"/>
-              </a:spcBef>
-              <a:spcAft>
-                <a:spcPct val="0"/>
-              </a:spcAft>
+            <a:r>
+              <a:rPr lang="en-US" sz="2800" dirty="0"/>
+              <a:t>Event loops result in callback-style programming where you break apart a program into its underlying data flow. </a:t>
+            </a:r>
+          </a:p>
+          <a:p>
+            <a:r>
+              <a:rPr lang="en-US" sz="2800" dirty="0"/>
+              <a:t>In other words, you end up splitting your program into smaller and smaller chunks until each chuck is mapped to operation with data.</a:t>
+            </a:r>
+          </a:p>
+          <a:p>
+            <a:r>
+              <a:rPr lang="en-US" sz="2800" dirty="0"/>
+              <a:t>Why? So that you don’t freeze the event loop on long-running operations (such as disk or network I/O).</a:t>
+            </a:r>
+          </a:p>
+          <a:p>
+            <a:pPr marL="0" indent="0">
               <a:buNone/>
             </a:pPr>
-            <a:r>
-              <a:rPr lang="en-US" altLang="en-US" sz="2800" dirty="0" err="1">
-                <a:solidFill>
-                  <a:srgbClr val="0000FF"/>
-                </a:solidFill>
-                <a:latin typeface="Consolas" panose="020B0609020204030204" pitchFamily="49" charset="0"/>
-                <a:cs typeface="Consolas" panose="020B0609020204030204" pitchFamily="49" charset="0"/>
-              </a:rPr>
-              <a:t>var</a:t>
-            </a:r>
-            <a:r>
-              <a:rPr lang="en-US" altLang="en-US" sz="2800" dirty="0">
-                <a:solidFill>
-                  <a:srgbClr val="000000"/>
-                </a:solidFill>
-                <a:latin typeface="Consolas" panose="020B0609020204030204" pitchFamily="49" charset="0"/>
-                <a:cs typeface="Consolas" panose="020B0609020204030204" pitchFamily="49" charset="0"/>
-              </a:rPr>
-              <a:t> fs = require(</a:t>
-            </a:r>
-            <a:r>
-              <a:rPr lang="en-US" altLang="en-US" sz="2800" dirty="0">
-                <a:solidFill>
-                  <a:srgbClr val="A31515"/>
-                </a:solidFill>
-                <a:latin typeface="Consolas" panose="020B0609020204030204" pitchFamily="49" charset="0"/>
-                <a:cs typeface="Consolas" panose="020B0609020204030204" pitchFamily="49" charset="0"/>
-              </a:rPr>
-              <a:t>'fs'</a:t>
-            </a:r>
-            <a:r>
-              <a:rPr lang="en-US" altLang="en-US" sz="2800" dirty="0">
-                <a:solidFill>
-                  <a:srgbClr val="000000"/>
-                </a:solidFill>
-                <a:latin typeface="Consolas" panose="020B0609020204030204" pitchFamily="49" charset="0"/>
-                <a:cs typeface="Consolas" panose="020B0609020204030204" pitchFamily="49" charset="0"/>
-              </a:rPr>
-              <a:t>);</a:t>
-            </a:r>
-          </a:p>
-          <a:p>
-            <a:pPr marL="0" lvl="0" indent="0" defTabSz="914400" eaLnBrk="0" fontAlgn="base" hangingPunct="0">
-              <a:spcBef>
-                <a:spcPct val="0"/>
-              </a:spcBef>
-              <a:spcAft>
-                <a:spcPct val="0"/>
-              </a:spcAft>
-              <a:buNone/>
-            </a:pPr>
-            <a:endParaRPr lang="en-US" altLang="en-US" sz="2800" dirty="0">
-              <a:solidFill>
-                <a:srgbClr val="000000"/>
-              </a:solidFill>
-              <a:latin typeface="Consolas" panose="020B0609020204030204" pitchFamily="49" charset="0"/>
-              <a:cs typeface="Consolas" panose="020B0609020204030204" pitchFamily="49" charset="0"/>
-            </a:endParaRPr>
-          </a:p>
-          <a:p>
-            <a:pPr marL="0" lvl="0" indent="0" defTabSz="914400" eaLnBrk="0" fontAlgn="base" hangingPunct="0">
-              <a:spcBef>
-                <a:spcPct val="0"/>
-              </a:spcBef>
-              <a:spcAft>
-                <a:spcPct val="0"/>
-              </a:spcAft>
-              <a:buNone/>
-            </a:pPr>
-            <a:r>
-              <a:rPr lang="en-US" altLang="en-US" sz="2800" dirty="0" err="1">
-                <a:solidFill>
-                  <a:srgbClr val="000000"/>
-                </a:solidFill>
-                <a:latin typeface="Consolas" panose="020B0609020204030204" pitchFamily="49" charset="0"/>
-                <a:cs typeface="Consolas" panose="020B0609020204030204" pitchFamily="49" charset="0"/>
-              </a:rPr>
-              <a:t>fs.readFile</a:t>
-            </a:r>
-            <a:r>
-              <a:rPr lang="en-US" altLang="en-US" sz="2800" dirty="0">
-                <a:solidFill>
-                  <a:srgbClr val="000000"/>
-                </a:solidFill>
-                <a:latin typeface="Consolas" panose="020B0609020204030204" pitchFamily="49" charset="0"/>
-                <a:cs typeface="Consolas" panose="020B0609020204030204" pitchFamily="49" charset="0"/>
-              </a:rPr>
-              <a:t>(</a:t>
-            </a:r>
-            <a:r>
-              <a:rPr lang="en-US" altLang="en-US" sz="2800" dirty="0">
-                <a:solidFill>
-                  <a:srgbClr val="A31515"/>
-                </a:solidFill>
-                <a:latin typeface="Consolas" panose="020B0609020204030204" pitchFamily="49" charset="0"/>
-                <a:cs typeface="Consolas" panose="020B0609020204030204" pitchFamily="49" charset="0"/>
-              </a:rPr>
-              <a:t>'</a:t>
-            </a:r>
-            <a:r>
-              <a:rPr lang="en-US" altLang="en-US" sz="2800" dirty="0" err="1">
-                <a:solidFill>
-                  <a:srgbClr val="A31515"/>
-                </a:solidFill>
-                <a:latin typeface="Consolas" panose="020B0609020204030204" pitchFamily="49" charset="0"/>
-                <a:cs typeface="Consolas" panose="020B0609020204030204" pitchFamily="49" charset="0"/>
-              </a:rPr>
-              <a:t>package.json</a:t>
-            </a:r>
-            <a:r>
-              <a:rPr lang="en-US" altLang="en-US" sz="2800" dirty="0">
-                <a:solidFill>
-                  <a:srgbClr val="A31515"/>
-                </a:solidFill>
-                <a:latin typeface="Consolas" panose="020B0609020204030204" pitchFamily="49" charset="0"/>
-                <a:cs typeface="Consolas" panose="020B0609020204030204" pitchFamily="49" charset="0"/>
-              </a:rPr>
-              <a:t>'</a:t>
-            </a:r>
-            <a:r>
-              <a:rPr lang="en-US" altLang="en-US" sz="2800" dirty="0">
-                <a:solidFill>
-                  <a:srgbClr val="000000"/>
-                </a:solidFill>
-                <a:latin typeface="Consolas" panose="020B0609020204030204" pitchFamily="49" charset="0"/>
-                <a:cs typeface="Consolas" panose="020B0609020204030204" pitchFamily="49" charset="0"/>
-              </a:rPr>
-              <a:t>, </a:t>
-            </a:r>
-            <a:r>
-              <a:rPr lang="en-US" altLang="en-US" sz="2800" dirty="0">
-                <a:solidFill>
-                  <a:srgbClr val="0000FF"/>
-                </a:solidFill>
-                <a:latin typeface="Consolas" panose="020B0609020204030204" pitchFamily="49" charset="0"/>
-                <a:cs typeface="Consolas" panose="020B0609020204030204" pitchFamily="49" charset="0"/>
-              </a:rPr>
-              <a:t>function</a:t>
-            </a:r>
-            <a:r>
-              <a:rPr lang="en-US" altLang="en-US" sz="2800" dirty="0">
-                <a:solidFill>
-                  <a:srgbClr val="000000"/>
-                </a:solidFill>
-                <a:latin typeface="Consolas" panose="020B0609020204030204" pitchFamily="49" charset="0"/>
-                <a:cs typeface="Consolas" panose="020B0609020204030204" pitchFamily="49" charset="0"/>
-              </a:rPr>
-              <a:t> (err, </a:t>
-            </a:r>
-            <a:r>
-              <a:rPr lang="en-US" altLang="en-US" sz="2800" dirty="0" err="1">
-                <a:solidFill>
-                  <a:srgbClr val="000000"/>
-                </a:solidFill>
-                <a:latin typeface="Consolas" panose="020B0609020204030204" pitchFamily="49" charset="0"/>
-                <a:cs typeface="Consolas" panose="020B0609020204030204" pitchFamily="49" charset="0"/>
-              </a:rPr>
-              <a:t>buf</a:t>
-            </a:r>
-            <a:r>
-              <a:rPr lang="en-US" altLang="en-US" sz="2800" dirty="0">
-                <a:solidFill>
-                  <a:srgbClr val="000000"/>
-                </a:solidFill>
-                <a:latin typeface="Consolas" panose="020B0609020204030204" pitchFamily="49" charset="0"/>
-                <a:cs typeface="Consolas" panose="020B0609020204030204" pitchFamily="49" charset="0"/>
-              </a:rPr>
-              <a:t>) {</a:t>
-            </a:r>
-          </a:p>
-          <a:p>
-            <a:pPr marL="0" lvl="0" indent="0" defTabSz="914400" eaLnBrk="0" fontAlgn="base" hangingPunct="0">
-              <a:spcBef>
-                <a:spcPct val="0"/>
-              </a:spcBef>
-              <a:spcAft>
-                <a:spcPct val="0"/>
-              </a:spcAft>
-              <a:buNone/>
-            </a:pPr>
-            <a:r>
-              <a:rPr lang="en-US" altLang="en-US" sz="2800" dirty="0">
-                <a:solidFill>
-                  <a:srgbClr val="000000"/>
-                </a:solidFill>
-                <a:latin typeface="Consolas" panose="020B0609020204030204" pitchFamily="49" charset="0"/>
-                <a:cs typeface="Consolas" panose="020B0609020204030204" pitchFamily="49" charset="0"/>
-              </a:rPr>
-              <a:t>     console.log(</a:t>
-            </a:r>
-            <a:r>
-              <a:rPr lang="en-US" altLang="en-US" sz="2800" dirty="0" err="1">
-                <a:solidFill>
-                  <a:srgbClr val="000000"/>
-                </a:solidFill>
-                <a:latin typeface="Consolas" panose="020B0609020204030204" pitchFamily="49" charset="0"/>
-                <a:cs typeface="Consolas" panose="020B0609020204030204" pitchFamily="49" charset="0"/>
-              </a:rPr>
-              <a:t>buf.toString</a:t>
-            </a:r>
-            <a:r>
-              <a:rPr lang="en-US" altLang="en-US" sz="2800" dirty="0">
-                <a:solidFill>
-                  <a:srgbClr val="000000"/>
-                </a:solidFill>
-                <a:latin typeface="Consolas" panose="020B0609020204030204" pitchFamily="49" charset="0"/>
-                <a:cs typeface="Consolas" panose="020B0609020204030204" pitchFamily="49" charset="0"/>
-              </a:rPr>
-              <a:t>());</a:t>
-            </a:r>
-          </a:p>
-          <a:p>
-            <a:pPr marL="0" lvl="0" indent="0" defTabSz="914400" eaLnBrk="0" fontAlgn="base" hangingPunct="0">
-              <a:spcBef>
-                <a:spcPct val="0"/>
-              </a:spcBef>
-              <a:spcAft>
-                <a:spcPct val="0"/>
-              </a:spcAft>
-              <a:buNone/>
-            </a:pPr>
-            <a:r>
-              <a:rPr lang="en-US" altLang="en-US" sz="2800" dirty="0" smtClean="0">
-                <a:solidFill>
-                  <a:srgbClr val="000000"/>
-                </a:solidFill>
-                <a:latin typeface="Consolas" panose="020B0609020204030204" pitchFamily="49" charset="0"/>
-                <a:cs typeface="Consolas" panose="020B0609020204030204" pitchFamily="49" charset="0"/>
-              </a:rPr>
-              <a:t>});</a:t>
-            </a:r>
-            <a:endParaRPr lang="en-US" altLang="en-US" sz="6000" dirty="0">
-              <a:latin typeface="Arial" panose="020B0604020202020204" pitchFamily="34" charset="0"/>
-            </a:endParaRPr>
+            <a:endParaRPr lang="en-US" dirty="0"/>
           </a:p>
         </p:txBody>
       </p:sp>
     </p:spTree>
     <p:extLst>
       <p:ext uri="{BB962C8B-B14F-4D97-AF65-F5344CB8AC3E}">
-        <p14:creationId xmlns:p14="http://schemas.microsoft.com/office/powerpoint/2010/main" val="308955883"/>
+        <p14:creationId xmlns:p14="http://schemas.microsoft.com/office/powerpoint/2010/main" val="3701053772"/>
       </p:ext>
     </p:extLst>
   </p:cSld>
@@ -34910,7 +34886,7 @@
           <a:p>
             <a:r>
               <a:rPr lang="en-US" dirty="0" smtClean="0"/>
-              <a:t>Callback Style Programming</a:t>
+              <a:t>Callback Insanity</a:t>
             </a:r>
             <a:endParaRPr lang="en-US" dirty="0"/>
           </a:p>
@@ -34918,7 +34894,7 @@
       </p:sp>
       <p:sp>
         <p:nvSpPr>
-          <p:cNvPr id="3" name="Content Placeholder 2"/>
+          <p:cNvPr id="4" name="Content Placeholder 3"/>
           <p:cNvSpPr>
             <a:spLocks noGrp="1"/>
           </p:cNvSpPr>
@@ -34931,35 +34907,38 @@
           <a:bodyPr/>
           <a:lstStyle/>
           <a:p>
-            <a:r>
-              <a:rPr lang="en-US" sz="2800" dirty="0"/>
-              <a:t>Event loops result in callback-style programming where you break apart a program into its underlying data flow. </a:t>
-            </a:r>
-          </a:p>
-          <a:p>
-            <a:r>
-              <a:rPr lang="en-US" sz="2800" dirty="0"/>
-              <a:t>In other words, you end up splitting your program into smaller and smaller chunks until each chuck is mapped to operation with data.</a:t>
-            </a:r>
-          </a:p>
-          <a:p>
-            <a:r>
-              <a:rPr lang="en-US" sz="2800" dirty="0"/>
-              <a:t>Why? So that you don’t freeze the event loop on long-running operations (such as disk or network I/O).</a:t>
-            </a:r>
-          </a:p>
-          <a:p>
-            <a:pPr marL="0" indent="0">
-              <a:buNone/>
-            </a:pPr>
-            <a:endParaRPr lang="en-US" dirty="0"/>
+            <a:endParaRPr lang="en-US"/>
           </a:p>
         </p:txBody>
       </p:sp>
+      <p:pic>
+        <p:nvPicPr>
+          <p:cNvPr id="5" name="Picture 4"/>
+          <p:cNvPicPr>
+            <a:picLocks noChangeAspect="1"/>
+          </p:cNvPicPr>
+          <p:nvPr/>
+        </p:nvPicPr>
+        <p:blipFill>
+          <a:blip r:embed="rId2"/>
+          <a:stretch>
+            <a:fillRect/>
+          </a:stretch>
+        </p:blipFill>
+        <p:spPr>
+          <a:xfrm>
+            <a:off x="560798" y="1503280"/>
+            <a:ext cx="10649331" cy="5159855"/>
+          </a:xfrm>
+          <a:prstGeom prst="rect">
+            <a:avLst/>
+          </a:prstGeom>
+        </p:spPr>
+      </p:pic>
     </p:spTree>
     <p:extLst>
       <p:ext uri="{BB962C8B-B14F-4D97-AF65-F5344CB8AC3E}">
-        <p14:creationId xmlns:p14="http://schemas.microsoft.com/office/powerpoint/2010/main" val="3701053772"/>
+        <p14:creationId xmlns:p14="http://schemas.microsoft.com/office/powerpoint/2010/main" val="1986031114"/>
       </p:ext>
     </p:extLst>
   </p:cSld>
@@ -35022,121 +35001,6 @@
           <a:p>
             <a:r>
               <a:rPr lang="en-US" dirty="0" smtClean="0"/>
-              <a:t>Callback Insanity</a:t>
-            </a:r>
-            <a:endParaRPr lang="en-US" dirty="0"/>
-          </a:p>
-        </p:txBody>
-      </p:sp>
-      <p:sp>
-        <p:nvSpPr>
-          <p:cNvPr id="4" name="Content Placeholder 3"/>
-          <p:cNvSpPr>
-            <a:spLocks noGrp="1"/>
-          </p:cNvSpPr>
-          <p:nvPr>
-            <p:ph idx="1"/>
-          </p:nvPr>
-        </p:nvSpPr>
-        <p:spPr/>
-        <p:txBody>
-          <a:bodyPr/>
-          <a:lstStyle/>
-          <a:p>
-            <a:endParaRPr lang="en-US"/>
-          </a:p>
-        </p:txBody>
-      </p:sp>
-      <p:pic>
-        <p:nvPicPr>
-          <p:cNvPr id="5" name="Picture 4"/>
-          <p:cNvPicPr>
-            <a:picLocks noChangeAspect="1"/>
-          </p:cNvPicPr>
-          <p:nvPr/>
-        </p:nvPicPr>
-        <p:blipFill>
-          <a:blip r:embed="rId2"/>
-          <a:stretch>
-            <a:fillRect/>
-          </a:stretch>
-        </p:blipFill>
-        <p:spPr>
-          <a:xfrm>
-            <a:off x="560798" y="1503280"/>
-            <a:ext cx="10649331" cy="5159855"/>
-          </a:xfrm>
-          <a:prstGeom prst="rect">
-            <a:avLst/>
-          </a:prstGeom>
-        </p:spPr>
-      </p:pic>
-    </p:spTree>
-    <p:extLst>
-      <p:ext uri="{BB962C8B-B14F-4D97-AF65-F5344CB8AC3E}">
-        <p14:creationId xmlns:p14="http://schemas.microsoft.com/office/powerpoint/2010/main" val="1986031114"/>
-      </p:ext>
-    </p:extLst>
-  </p:cSld>
-  <p:clrMapOvr>
-    <a:masterClrMapping/>
-  </p:clrMapOvr>
-  <mc:AlternateContent xmlns:mc="http://schemas.openxmlformats.org/markup-compatibility/2006" xmlns:p14="http://schemas.microsoft.com/office/powerpoint/2010/main">
-    <mc:Choice Requires="p14">
-      <p:transition spd="med" p14:dur="700">
-        <p:fade/>
-      </p:transition>
-    </mc:Choice>
-    <mc:Fallback xmlns="">
-      <p:transition spd="med">
-        <p:fade/>
-      </p:transition>
-    </mc:Fallback>
-  </mc:AlternateContent>
-  <p:timing>
-    <p:tnLst>
-      <p:par>
-        <p:cTn id="1" dur="indefinite" restart="never" nodeType="tmRoot"/>
-      </p:par>
-    </p:tnLst>
-  </p:timing>
-</p:sld>
-</file>
-
-<file path=ppt/slides/slide25.xml><?xml version="1.0" encoding="utf-8"?>
-<p:sld xmlns:a="http://schemas.openxmlformats.org/drawingml/2006/main" xmlns:r="http://schemas.openxmlformats.org/officeDocument/2006/relationships" xmlns:p="http://schemas.openxmlformats.org/presentationml/2006/main">
-  <p:cSld>
-    <p:spTree>
-      <p:nvGrpSpPr>
-        <p:cNvPr id="1" name=""/>
-        <p:cNvGrpSpPr/>
-        <p:nvPr/>
-      </p:nvGrpSpPr>
-      <p:grpSpPr>
-        <a:xfrm>
-          <a:off x="0" y="0"/>
-          <a:ext cx="0" cy="0"/>
-          <a:chOff x="0" y="0"/>
-          <a:chExt cx="0" cy="0"/>
-        </a:xfrm>
-      </p:grpSpPr>
-      <p:sp>
-        <p:nvSpPr>
-          <p:cNvPr id="2" name="Title 1"/>
-          <p:cNvSpPr>
-            <a:spLocks noGrp="1"/>
-          </p:cNvSpPr>
-          <p:nvPr>
-            <p:ph type="title"/>
-          </p:nvPr>
-        </p:nvSpPr>
-        <p:spPr/>
-        <p:txBody>
-          <a:bodyPr/>
-          <a:lstStyle/>
-          <a:p>
-            <a:r>
-              <a:rPr lang="en-US" dirty="0" smtClean="0"/>
               <a:t>Promises </a:t>
             </a:r>
             <a:endParaRPr lang="en-US" dirty="0"/>
@@ -35242,7 +35106,7 @@
 </p:sld>
 </file>
 
-<file path=ppt/slides/slide26.xml><?xml version="1.0" encoding="utf-8"?>
+<file path=ppt/slides/slide25.xml><?xml version="1.0" encoding="utf-8"?>
 <p:sld xmlns:a="http://schemas.openxmlformats.org/drawingml/2006/main" xmlns:r="http://schemas.openxmlformats.org/officeDocument/2006/relationships" xmlns:p="http://schemas.openxmlformats.org/presentationml/2006/main" show="0">
   <p:cSld>
     <p:spTree>
@@ -36330,75 +36194,17 @@
       </p:transition>
     </mc:Fallback>
   </mc:AlternateContent>
+  <p:timing>
+    <p:tnLst>
+      <p:par>
+        <p:cTn id="1" dur="indefinite" restart="never" nodeType="tmRoot"/>
+      </p:par>
+    </p:tnLst>
+  </p:timing>
 </p:sld>
 </file>
 
-<file path=ppt/slides/slide27.xml><?xml version="1.0" encoding="utf-8"?>
-<p:sld xmlns:a="http://schemas.openxmlformats.org/drawingml/2006/main" xmlns:r="http://schemas.openxmlformats.org/officeDocument/2006/relationships" xmlns:p="http://schemas.openxmlformats.org/presentationml/2006/main">
-  <p:cSld>
-    <p:spTree>
-      <p:nvGrpSpPr>
-        <p:cNvPr id="1" name=""/>
-        <p:cNvGrpSpPr/>
-        <p:nvPr/>
-      </p:nvGrpSpPr>
-      <p:grpSpPr>
-        <a:xfrm>
-          <a:off x="0" y="0"/>
-          <a:ext cx="0" cy="0"/>
-          <a:chOff x="0" y="0"/>
-          <a:chExt cx="0" cy="0"/>
-        </a:xfrm>
-      </p:grpSpPr>
-      <p:sp>
-        <p:nvSpPr>
-          <p:cNvPr id="2" name="Title 1"/>
-          <p:cNvSpPr>
-            <a:spLocks noGrp="1"/>
-          </p:cNvSpPr>
-          <p:nvPr>
-            <p:ph type="title"/>
-          </p:nvPr>
-        </p:nvSpPr>
-        <p:spPr/>
-        <p:txBody>
-          <a:bodyPr/>
-          <a:lstStyle/>
-          <a:p>
-            <a:r>
-              <a:rPr lang="en-US" dirty="0" smtClean="0"/>
-              <a:t>Basic TCP Demo</a:t>
-            </a:r>
-            <a:endParaRPr lang="en-US" dirty="0"/>
-          </a:p>
-        </p:txBody>
-      </p:sp>
-    </p:spTree>
-    <p:extLst>
-      <p:ext uri="{BB962C8B-B14F-4D97-AF65-F5344CB8AC3E}">
-        <p14:creationId xmlns:p14="http://schemas.microsoft.com/office/powerpoint/2010/main" val="3454770079"/>
-      </p:ext>
-    </p:extLst>
-  </p:cSld>
-  <p:clrMapOvr>
-    <a:masterClrMapping/>
-  </p:clrMapOvr>
-  <mc:AlternateContent xmlns:mc="http://schemas.openxmlformats.org/markup-compatibility/2006" xmlns:p14="http://schemas.microsoft.com/office/powerpoint/2010/main">
-    <mc:Choice Requires="p14">
-      <p:transition spd="med" p14:dur="700">
-        <p:fade/>
-      </p:transition>
-    </mc:Choice>
-    <mc:Fallback xmlns="">
-      <p:transition spd="med">
-        <p:fade/>
-      </p:transition>
-    </mc:Fallback>
-  </mc:AlternateContent>
-</p:sld>
-</file>
-
-<file path=ppt/slides/slide28.xml><?xml version="1.0" encoding="utf-8"?>
+<file path=ppt/slides/slide26.xml><?xml version="1.0" encoding="utf-8"?>
 <p:sld xmlns:a="http://schemas.openxmlformats.org/drawingml/2006/main" xmlns:r="http://schemas.openxmlformats.org/officeDocument/2006/relationships" xmlns:p="http://schemas.openxmlformats.org/presentationml/2006/main">
   <p:cSld>
     <p:spTree>
@@ -36516,7 +36322,7 @@
 </p:sld>
 </file>
 
-<file path=ppt/slides/slide29.xml><?xml version="1.0" encoding="utf-8"?>
+<file path=ppt/slides/slide27.xml><?xml version="1.0" encoding="utf-8"?>
 <p:sld xmlns:a="http://schemas.openxmlformats.org/drawingml/2006/main" xmlns:r="http://schemas.openxmlformats.org/officeDocument/2006/relationships" xmlns:p="http://schemas.openxmlformats.org/presentationml/2006/main">
   <p:cSld>
     <p:spTree>
@@ -36938,6 +36744,323 @@
     <p:extLst>
       <p:ext uri="{BB962C8B-B14F-4D97-AF65-F5344CB8AC3E}">
         <p14:creationId xmlns:p14="http://schemas.microsoft.com/office/powerpoint/2010/main" val="612772129"/>
+      </p:ext>
+    </p:extLst>
+  </p:cSld>
+  <p:clrMapOvr>
+    <a:masterClrMapping/>
+  </p:clrMapOvr>
+  <mc:AlternateContent xmlns:mc="http://schemas.openxmlformats.org/markup-compatibility/2006" xmlns:p14="http://schemas.microsoft.com/office/powerpoint/2010/main">
+    <mc:Choice Requires="p14">
+      <p:transition spd="med" p14:dur="700">
+        <p:fade/>
+      </p:transition>
+    </mc:Choice>
+    <mc:Fallback xmlns="">
+      <p:transition spd="med">
+        <p:fade/>
+      </p:transition>
+    </mc:Fallback>
+  </mc:AlternateContent>
+  <p:timing>
+    <p:tnLst>
+      <p:par>
+        <p:cTn id="1" dur="indefinite" restart="never" nodeType="tmRoot"/>
+      </p:par>
+    </p:tnLst>
+  </p:timing>
+</p:sld>
+</file>
+
+<file path=ppt/slides/slide28.xml><?xml version="1.0" encoding="utf-8"?>
+<p:sld xmlns:a="http://schemas.openxmlformats.org/drawingml/2006/main" xmlns:r="http://schemas.openxmlformats.org/officeDocument/2006/relationships" xmlns:p="http://schemas.openxmlformats.org/presentationml/2006/main">
+  <p:cSld>
+    <p:spTree>
+      <p:nvGrpSpPr>
+        <p:cNvPr id="1" name=""/>
+        <p:cNvGrpSpPr/>
+        <p:nvPr/>
+      </p:nvGrpSpPr>
+      <p:grpSpPr>
+        <a:xfrm>
+          <a:off x="0" y="0"/>
+          <a:ext cx="0" cy="0"/>
+          <a:chOff x="0" y="0"/>
+          <a:chExt cx="0" cy="0"/>
+        </a:xfrm>
+      </p:grpSpPr>
+      <p:sp>
+        <p:nvSpPr>
+          <p:cNvPr id="2" name="Title 1"/>
+          <p:cNvSpPr>
+            <a:spLocks noGrp="1"/>
+          </p:cNvSpPr>
+          <p:nvPr>
+            <p:ph type="title"/>
+          </p:nvPr>
+        </p:nvSpPr>
+        <p:spPr/>
+        <p:txBody>
+          <a:bodyPr/>
+          <a:lstStyle/>
+          <a:p>
+            <a:r>
+              <a:rPr lang="en-US" dirty="0" smtClean="0"/>
+              <a:t>Modules and Exports</a:t>
+            </a:r>
+            <a:endParaRPr lang="en-US" dirty="0"/>
+          </a:p>
+        </p:txBody>
+      </p:sp>
+      <p:sp>
+        <p:nvSpPr>
+          <p:cNvPr id="3" name="Content Placeholder 2"/>
+          <p:cNvSpPr>
+            <a:spLocks noGrp="1"/>
+          </p:cNvSpPr>
+          <p:nvPr>
+            <p:ph idx="1"/>
+          </p:nvPr>
+        </p:nvSpPr>
+        <p:spPr/>
+        <p:txBody>
+          <a:bodyPr/>
+          <a:lstStyle/>
+          <a:p>
+            <a:r>
+              <a:rPr lang="en-US" dirty="0"/>
+              <a:t>Node.js has a simple module and dependencies loading system. </a:t>
+            </a:r>
+          </a:p>
+          <a:p>
+            <a:r>
+              <a:rPr lang="en-US" dirty="0"/>
+              <a:t>Unix philosophy -&gt; Node philosophy</a:t>
+            </a:r>
+          </a:p>
+          <a:p>
+            <a:pPr lvl="1"/>
+            <a:r>
+              <a:rPr lang="en-US" dirty="0"/>
+              <a:t>Write programs that do one thing and do it well -&gt; Write modules that do one thing and do it well.</a:t>
+            </a:r>
+          </a:p>
+          <a:p>
+            <a:pPr marL="0" indent="0">
+              <a:buNone/>
+            </a:pPr>
+            <a:endParaRPr lang="en-US" dirty="0"/>
+          </a:p>
+        </p:txBody>
+      </p:sp>
+    </p:spTree>
+    <p:extLst>
+      <p:ext uri="{BB962C8B-B14F-4D97-AF65-F5344CB8AC3E}">
+        <p14:creationId xmlns:p14="http://schemas.microsoft.com/office/powerpoint/2010/main" val="1685046158"/>
+      </p:ext>
+    </p:extLst>
+  </p:cSld>
+  <p:clrMapOvr>
+    <a:masterClrMapping/>
+  </p:clrMapOvr>
+  <mc:AlternateContent xmlns:mc="http://schemas.openxmlformats.org/markup-compatibility/2006" xmlns:p14="http://schemas.microsoft.com/office/powerpoint/2010/main">
+    <mc:Choice Requires="p14">
+      <p:transition spd="med" p14:dur="700">
+        <p:fade/>
+      </p:transition>
+    </mc:Choice>
+    <mc:Fallback xmlns="">
+      <p:transition spd="med">
+        <p:fade/>
+      </p:transition>
+    </mc:Fallback>
+  </mc:AlternateContent>
+  <p:timing>
+    <p:tnLst>
+      <p:par>
+        <p:cTn id="1" dur="indefinite" restart="never" nodeType="tmRoot"/>
+      </p:par>
+    </p:tnLst>
+  </p:timing>
+</p:sld>
+</file>
+
+<file path=ppt/slides/slide29.xml><?xml version="1.0" encoding="utf-8"?>
+<p:sld xmlns:a="http://schemas.openxmlformats.org/drawingml/2006/main" xmlns:r="http://schemas.openxmlformats.org/officeDocument/2006/relationships" xmlns:p="http://schemas.openxmlformats.org/presentationml/2006/main">
+  <p:cSld>
+    <p:spTree>
+      <p:nvGrpSpPr>
+        <p:cNvPr id="1" name=""/>
+        <p:cNvGrpSpPr/>
+        <p:nvPr/>
+      </p:nvGrpSpPr>
+      <p:grpSpPr>
+        <a:xfrm>
+          <a:off x="0" y="0"/>
+          <a:ext cx="0" cy="0"/>
+          <a:chOff x="0" y="0"/>
+          <a:chExt cx="0" cy="0"/>
+        </a:xfrm>
+      </p:grpSpPr>
+      <p:sp>
+        <p:nvSpPr>
+          <p:cNvPr id="4" name="Rectangle 3"/>
+          <p:cNvSpPr/>
+          <p:nvPr/>
+        </p:nvSpPr>
+        <p:spPr>
+          <a:xfrm>
+            <a:off x="560798" y="5074276"/>
+            <a:ext cx="4796813" cy="721217"/>
+          </a:xfrm>
+          <a:prstGeom prst="rect">
+            <a:avLst/>
+          </a:prstGeom>
+        </p:spPr>
+        <p:style>
+          <a:lnRef idx="2">
+            <a:schemeClr val="accent1"/>
+          </a:lnRef>
+          <a:fillRef idx="1">
+            <a:schemeClr val="lt1"/>
+          </a:fillRef>
+          <a:effectRef idx="0">
+            <a:schemeClr val="accent1"/>
+          </a:effectRef>
+          <a:fontRef idx="minor">
+            <a:schemeClr val="dk1"/>
+          </a:fontRef>
+        </p:style>
+        <p:txBody>
+          <a:bodyPr rtlCol="0" anchor="ctr"/>
+          <a:lstStyle/>
+          <a:p>
+            <a:pPr algn="ctr"/>
+            <a:endParaRPr lang="en-US"/>
+          </a:p>
+        </p:txBody>
+      </p:sp>
+      <p:sp>
+        <p:nvSpPr>
+          <p:cNvPr id="2" name="Title 1"/>
+          <p:cNvSpPr>
+            <a:spLocks noGrp="1"/>
+          </p:cNvSpPr>
+          <p:nvPr>
+            <p:ph type="title"/>
+          </p:nvPr>
+        </p:nvSpPr>
+        <p:spPr/>
+        <p:txBody>
+          <a:bodyPr/>
+          <a:lstStyle/>
+          <a:p>
+            <a:r>
+              <a:rPr lang="en-US" dirty="0" smtClean="0"/>
+              <a:t>Require() Module Loading System</a:t>
+            </a:r>
+            <a:endParaRPr lang="en-US" dirty="0"/>
+          </a:p>
+        </p:txBody>
+      </p:sp>
+      <p:sp>
+        <p:nvSpPr>
+          <p:cNvPr id="3" name="Content Placeholder 2"/>
+          <p:cNvSpPr>
+            <a:spLocks noGrp="1"/>
+          </p:cNvSpPr>
+          <p:nvPr>
+            <p:ph idx="1"/>
+          </p:nvPr>
+        </p:nvSpPr>
+        <p:spPr/>
+        <p:txBody>
+          <a:bodyPr/>
+          <a:lstStyle/>
+          <a:p>
+            <a:r>
+              <a:rPr lang="en-US" dirty="0"/>
+              <a:t>Call the function “require” with the path of the file or directory containing the module you would like to load.</a:t>
+            </a:r>
+          </a:p>
+          <a:p>
+            <a:r>
+              <a:rPr lang="en-US" dirty="0"/>
+              <a:t>Returns a variable containing all the exported functions.</a:t>
+            </a:r>
+          </a:p>
+          <a:p>
+            <a:pPr marL="0" lvl="0" indent="0">
+              <a:buNone/>
+            </a:pPr>
+            <a:endParaRPr lang="en-US" altLang="en-US" dirty="0" smtClean="0">
+              <a:solidFill>
+                <a:srgbClr val="0000FF"/>
+              </a:solidFill>
+              <a:latin typeface="Consolas" panose="020B0609020204030204" pitchFamily="49" charset="0"/>
+              <a:cs typeface="Consolas" panose="020B0609020204030204" pitchFamily="49" charset="0"/>
+            </a:endParaRPr>
+          </a:p>
+          <a:p>
+            <a:pPr marL="0" lvl="0" indent="0">
+              <a:buNone/>
+            </a:pPr>
+            <a:r>
+              <a:rPr lang="en-US" altLang="en-US" sz="2800" dirty="0" err="1" smtClean="0">
+                <a:solidFill>
+                  <a:srgbClr val="0000FF"/>
+                </a:solidFill>
+                <a:latin typeface="Consolas" panose="020B0609020204030204" pitchFamily="49" charset="0"/>
+                <a:cs typeface="Consolas" panose="020B0609020204030204" pitchFamily="49" charset="0"/>
+              </a:rPr>
+              <a:t>var</a:t>
+            </a:r>
+            <a:r>
+              <a:rPr lang="en-US" altLang="en-US" sz="2800" dirty="0">
+                <a:solidFill>
+                  <a:srgbClr val="000000"/>
+                </a:solidFill>
+                <a:latin typeface="Consolas" panose="020B0609020204030204" pitchFamily="49" charset="0"/>
+                <a:cs typeface="Consolas" panose="020B0609020204030204" pitchFamily="49" charset="0"/>
+              </a:rPr>
+              <a:t> fs = require(</a:t>
+            </a:r>
+            <a:r>
+              <a:rPr lang="en-US" altLang="en-US" sz="2800" dirty="0">
+                <a:solidFill>
+                  <a:srgbClr val="A31515"/>
+                </a:solidFill>
+                <a:latin typeface="Consolas" panose="020B0609020204030204" pitchFamily="49" charset="0"/>
+                <a:cs typeface="Consolas" panose="020B0609020204030204" pitchFamily="49" charset="0"/>
+              </a:rPr>
+              <a:t>"fs"</a:t>
+            </a:r>
+            <a:r>
+              <a:rPr lang="en-US" altLang="en-US" sz="2800" dirty="0">
+                <a:solidFill>
+                  <a:srgbClr val="000000"/>
+                </a:solidFill>
+                <a:latin typeface="Consolas" panose="020B0609020204030204" pitchFamily="49" charset="0"/>
+                <a:cs typeface="Consolas" panose="020B0609020204030204" pitchFamily="49" charset="0"/>
+              </a:rPr>
+              <a:t>); </a:t>
+            </a:r>
+            <a:endParaRPr lang="en-US" altLang="en-US" sz="5400" dirty="0">
+              <a:latin typeface="Arial" panose="020B0604020202020204" pitchFamily="34" charset="0"/>
+            </a:endParaRPr>
+          </a:p>
+          <a:p>
+            <a:pPr marL="0" indent="0">
+              <a:buNone/>
+            </a:pPr>
+            <a:endParaRPr lang="en-US" dirty="0"/>
+          </a:p>
+        </p:txBody>
+      </p:sp>
+    </p:spTree>
+    <p:extLst>
+      <p:ext uri="{BB962C8B-B14F-4D97-AF65-F5344CB8AC3E}">
+        <p14:creationId xmlns:p14="http://schemas.microsoft.com/office/powerpoint/2010/main" val="2310303828"/>
       </p:ext>
     </p:extLst>
   </p:cSld>
@@ -37061,7 +37184,7 @@
             <a:spLocks noGrp="1"/>
           </p:cNvSpPr>
           <p:nvPr>
-            <p:ph type="title"/>
+            <p:ph type="ctrTitle"/>
           </p:nvPr>
         </p:nvSpPr>
         <p:spPr/>
@@ -37070,58 +37193,16 @@
           <a:lstStyle/>
           <a:p>
             <a:r>
-              <a:rPr lang="en-US" dirty="0" smtClean="0"/>
-              <a:t>Modules and Exports</a:t>
-            </a:r>
-            <a:endParaRPr lang="en-US" dirty="0"/>
-          </a:p>
-        </p:txBody>
-      </p:sp>
-      <p:sp>
-        <p:nvSpPr>
-          <p:cNvPr id="3" name="Content Placeholder 2"/>
-          <p:cNvSpPr>
-            <a:spLocks noGrp="1"/>
-          </p:cNvSpPr>
-          <p:nvPr>
-            <p:ph idx="1"/>
-          </p:nvPr>
-        </p:nvSpPr>
-        <p:spPr/>
-        <p:txBody>
-          <a:bodyPr/>
-          <a:lstStyle/>
-          <a:p>
-            <a:r>
               <a:rPr lang="en-US" dirty="0"/>
-              <a:t>Node.js has a simple module and dependencies loading system. </a:t>
-            </a:r>
-          </a:p>
-          <a:p>
-            <a:r>
-              <a:rPr lang="en-US" dirty="0"/>
-              <a:t>Unix philosophy -&gt; Node philosophy</a:t>
-            </a:r>
-          </a:p>
-          <a:p>
-            <a:pPr lvl="1"/>
-            <a:r>
-              <a:rPr lang="en-US" dirty="0"/>
-              <a:t>Write programs that do one thing and do it well -&gt; Write modules that do one thing and do it well.</a:t>
-            </a:r>
-          </a:p>
-          <a:p>
-            <a:pPr marL="0" indent="0">
-              <a:buNone/>
-            </a:pPr>
-            <a:endParaRPr lang="en-US" dirty="0"/>
+              <a:t>Node Package Manager (NPM)</a:t>
+            </a:r>
           </a:p>
         </p:txBody>
       </p:sp>
     </p:spTree>
     <p:extLst>
       <p:ext uri="{BB962C8B-B14F-4D97-AF65-F5344CB8AC3E}">
-        <p14:creationId xmlns:p14="http://schemas.microsoft.com/office/powerpoint/2010/main" val="1685046158"/>
+        <p14:creationId xmlns:p14="http://schemas.microsoft.com/office/powerpoint/2010/main" val="360177016"/>
       </p:ext>
     </p:extLst>
   </p:cSld>
@@ -37140,6 +37221,13 @@
       </p:transition>
     </mc:Fallback>
   </mc:AlternateContent>
+  <p:timing>
+    <p:tnLst>
+      <p:par>
+        <p:cTn id="1" dur="indefinite" restart="never" nodeType="tmRoot"/>
+      </p:par>
+    </p:tnLst>
+  </p:timing>
 </p:sld>
 </file>
 
@@ -37162,44 +37250,6 @@
       </p:grpSpPr>
       <p:sp>
         <p:nvSpPr>
-          <p:cNvPr id="4" name="Rectangle 3"/>
-          <p:cNvSpPr/>
-          <p:nvPr/>
-        </p:nvSpPr>
-        <p:spPr>
-          <a:xfrm>
-            <a:off x="560798" y="5074276"/>
-            <a:ext cx="4796813" cy="721217"/>
-          </a:xfrm>
-          <a:prstGeom prst="rect">
-            <a:avLst/>
-          </a:prstGeom>
-        </p:spPr>
-        <p:style>
-          <a:lnRef idx="2">
-            <a:schemeClr val="accent1"/>
-          </a:lnRef>
-          <a:fillRef idx="1">
-            <a:schemeClr val="lt1"/>
-          </a:fillRef>
-          <a:effectRef idx="0">
-            <a:schemeClr val="accent1"/>
-          </a:effectRef>
-          <a:fontRef idx="minor">
-            <a:schemeClr val="dk1"/>
-          </a:fontRef>
-        </p:style>
-        <p:txBody>
-          <a:bodyPr rtlCol="0" anchor="ctr"/>
-          <a:lstStyle/>
-          <a:p>
-            <a:pPr algn="ctr"/>
-            <a:endParaRPr lang="en-US"/>
-          </a:p>
-        </p:txBody>
-      </p:sp>
-      <p:sp>
-        <p:nvSpPr>
           <p:cNvPr id="2" name="Title 1"/>
           <p:cNvSpPr>
             <a:spLocks noGrp="1"/>
@@ -37215,7 +37265,7 @@
           <a:p>
             <a:r>
               <a:rPr lang="en-US" dirty="0" smtClean="0"/>
-              <a:t>Require() Module Loading System</a:t>
+              <a:t>What is NPM? </a:t>
             </a:r>
             <a:endParaRPr lang="en-US" dirty="0"/>
           </a:p>
@@ -37238,74 +37288,62 @@
           <a:p>
             <a:r>
               <a:rPr lang="en-US" dirty="0"/>
-              <a:t>Call the function “require” with the path of the file or directory containing the module you would like to load.</a:t>
+              <a:t>Official package manager for Node.</a:t>
             </a:r>
           </a:p>
           <a:p>
             <a:r>
               <a:rPr lang="en-US" dirty="0"/>
-              <a:t>Returns a variable containing all the exported functions.</a:t>
-            </a:r>
-          </a:p>
-          <a:p>
-            <a:pPr marL="0" lvl="0" indent="0">
+              <a:t>Bundled and installed automatically with the environment.</a:t>
+            </a:r>
+          </a:p>
+          <a:p>
+            <a:pPr marL="0" indent="0">
               <a:buNone/>
             </a:pPr>
-            <a:endParaRPr lang="en-US" altLang="en-US" dirty="0" smtClean="0">
-              <a:solidFill>
-                <a:srgbClr val="0000FF"/>
-              </a:solidFill>
-              <a:latin typeface="Consolas" panose="020B0609020204030204" pitchFamily="49" charset="0"/>
-              <a:cs typeface="Consolas" panose="020B0609020204030204" pitchFamily="49" charset="0"/>
-            </a:endParaRPr>
-          </a:p>
-          <a:p>
-            <a:pPr marL="0" lvl="0" indent="0">
+            <a:endParaRPr lang="en-US" dirty="0"/>
+          </a:p>
+          <a:p>
+            <a:pPr marL="0" indent="0">
               <a:buNone/>
             </a:pPr>
             <a:r>
-              <a:rPr lang="en-US" altLang="en-US" sz="2800" dirty="0" err="1" smtClean="0">
-                <a:solidFill>
-                  <a:srgbClr val="0000FF"/>
-                </a:solidFill>
-                <a:latin typeface="Consolas" panose="020B0609020204030204" pitchFamily="49" charset="0"/>
-                <a:cs typeface="Consolas" panose="020B0609020204030204" pitchFamily="49" charset="0"/>
-              </a:rPr>
-              <a:t>var</a:t>
-            </a:r>
-            <a:r>
-              <a:rPr lang="en-US" altLang="en-US" sz="2800" dirty="0">
-                <a:solidFill>
-                  <a:srgbClr val="000000"/>
-                </a:solidFill>
-                <a:latin typeface="Consolas" panose="020B0609020204030204" pitchFamily="49" charset="0"/>
-                <a:cs typeface="Consolas" panose="020B0609020204030204" pitchFamily="49" charset="0"/>
-              </a:rPr>
-              <a:t> fs = require(</a:t>
-            </a:r>
-            <a:r>
-              <a:rPr lang="en-US" altLang="en-US" sz="2800" dirty="0">
-                <a:solidFill>
-                  <a:srgbClr val="A31515"/>
-                </a:solidFill>
-                <a:latin typeface="Consolas" panose="020B0609020204030204" pitchFamily="49" charset="0"/>
-                <a:cs typeface="Consolas" panose="020B0609020204030204" pitchFamily="49" charset="0"/>
-              </a:rPr>
-              <a:t>"fs"</a:t>
-            </a:r>
-            <a:r>
-              <a:rPr lang="en-US" altLang="en-US" sz="2800" dirty="0">
-                <a:solidFill>
-                  <a:srgbClr val="000000"/>
-                </a:solidFill>
-                <a:latin typeface="Consolas" panose="020B0609020204030204" pitchFamily="49" charset="0"/>
-                <a:cs typeface="Consolas" panose="020B0609020204030204" pitchFamily="49" charset="0"/>
-              </a:rPr>
-              <a:t>); </a:t>
-            </a:r>
-            <a:endParaRPr lang="en-US" altLang="en-US" sz="5400" dirty="0">
-              <a:latin typeface="Arial" panose="020B0604020202020204" pitchFamily="34" charset="0"/>
-            </a:endParaRPr>
+              <a:rPr lang="en-US" dirty="0"/>
+              <a:t>Frequent Usage:</a:t>
+            </a:r>
+          </a:p>
+          <a:p>
+            <a:r>
+              <a:rPr lang="en-US" dirty="0" err="1"/>
+              <a:t>npm</a:t>
+            </a:r>
+            <a:r>
+              <a:rPr lang="en-US" dirty="0"/>
+              <a:t> install </a:t>
+            </a:r>
+            <a:r>
+              <a:rPr lang="en-US" i="1" dirty="0" err="1" smtClean="0"/>
+              <a:t>package_name</a:t>
+            </a:r>
+            <a:r>
+              <a:rPr lang="en-US" i="1" dirty="0" smtClean="0"/>
+              <a:t> </a:t>
+            </a:r>
+            <a:r>
+              <a:rPr lang="en-US" dirty="0"/>
+              <a:t>--save </a:t>
+            </a:r>
+            <a:endParaRPr lang="en-US" i="1" dirty="0"/>
+          </a:p>
+          <a:p>
+            <a:r>
+              <a:rPr lang="en-US" dirty="0" err="1"/>
+              <a:t>npm</a:t>
+            </a:r>
+            <a:r>
+              <a:rPr lang="en-US" dirty="0"/>
+              <a:t> update</a:t>
+            </a:r>
           </a:p>
           <a:p>
             <a:pPr marL="0" indent="0">
@@ -37318,7 +37356,7 @@
     </p:spTree>
     <p:extLst>
       <p:ext uri="{BB962C8B-B14F-4D97-AF65-F5344CB8AC3E}">
-        <p14:creationId xmlns:p14="http://schemas.microsoft.com/office/powerpoint/2010/main" val="2310303828"/>
+        <p14:creationId xmlns:p14="http://schemas.microsoft.com/office/powerpoint/2010/main" val="387868293"/>
       </p:ext>
     </p:extLst>
   </p:cSld>
@@ -37337,6 +37375,13 @@
       </p:transition>
     </mc:Fallback>
   </mc:AlternateContent>
+  <p:timing>
+    <p:tnLst>
+      <p:par>
+        <p:cTn id="1" dur="indefinite" restart="never" nodeType="tmRoot"/>
+      </p:par>
+    </p:tnLst>
+  </p:timing>
 </p:sld>
 </file>
 
@@ -37364,7 +37409,7 @@
             <a:spLocks noGrp="1"/>
           </p:cNvSpPr>
           <p:nvPr>
-            <p:ph type="ctrTitle"/>
+            <p:ph type="title"/>
           </p:nvPr>
         </p:nvSpPr>
         <p:spPr/>
@@ -37373,16 +37418,759 @@
           <a:lstStyle/>
           <a:p>
             <a:r>
-              <a:rPr lang="en-US" dirty="0"/>
-              <a:t>Node Package Manager (NPM)</a:t>
-            </a:r>
+              <a:rPr lang="en-US" dirty="0" smtClean="0"/>
+              <a:t>What is a </a:t>
+            </a:r>
+            <a:r>
+              <a:rPr lang="en-US" dirty="0" err="1" smtClean="0"/>
+              <a:t>package.json</a:t>
+            </a:r>
+            <a:r>
+              <a:rPr lang="en-US" dirty="0" smtClean="0"/>
+              <a:t>?</a:t>
+            </a:r>
+            <a:endParaRPr lang="en-US" dirty="0"/>
+          </a:p>
+        </p:txBody>
+      </p:sp>
+      <p:sp>
+        <p:nvSpPr>
+          <p:cNvPr id="5" name="Rectangle 2"/>
+          <p:cNvSpPr>
+            <a:spLocks noGrp="1" noChangeArrowheads="1"/>
+          </p:cNvSpPr>
+          <p:nvPr>
+            <p:ph idx="1"/>
+          </p:nvPr>
+        </p:nvSpPr>
+        <p:spPr bwMode="auto">
+          <a:xfrm>
+            <a:off x="560798" y="2091959"/>
+            <a:ext cx="7321235" cy="3785652"/>
+          </a:xfrm>
+          <a:prstGeom prst="rect">
+            <a:avLst/>
+          </a:prstGeom>
+          <a:ln/>
+          <a:extLst/>
+        </p:spPr>
+        <p:style>
+          <a:lnRef idx="2">
+            <a:schemeClr val="accent1"/>
+          </a:lnRef>
+          <a:fillRef idx="1">
+            <a:schemeClr val="lt1"/>
+          </a:fillRef>
+          <a:effectRef idx="0">
+            <a:schemeClr val="accent1"/>
+          </a:effectRef>
+          <a:fontRef idx="minor">
+            <a:schemeClr val="dk1"/>
+          </a:fontRef>
+        </p:style>
+        <p:txBody>
+          <a:bodyPr vert="horz" wrap="none" lIns="91440" tIns="45720" rIns="91440" bIns="45720" numCol="1" anchor="ctr" anchorCtr="0" compatLnSpc="1">
+            <a:prstTxWarp prst="textNoShape">
+              <a:avLst/>
+            </a:prstTxWarp>
+            <a:spAutoFit/>
+          </a:bodyPr>
+          <a:lstStyle/>
+          <a:p>
+            <a:pPr marL="0" marR="0" lvl="0" indent="0" algn="l" defTabSz="914400" rtl="0" eaLnBrk="0" fontAlgn="base" latinLnBrk="0" hangingPunct="0">
+              <a:lnSpc>
+                <a:spcPct val="100000"/>
+              </a:lnSpc>
+              <a:spcBef>
+                <a:spcPct val="0"/>
+              </a:spcBef>
+              <a:spcAft>
+                <a:spcPct val="0"/>
+              </a:spcAft>
+              <a:buClrTx/>
+              <a:buSzTx/>
+              <a:buFontTx/>
+              <a:buNone/>
+              <a:tabLst/>
+            </a:pPr>
+            <a:r>
+              <a:rPr kumimoji="0" lang="en-US" altLang="en-US" sz="2400" b="0" i="0" u="none" strike="noStrike" cap="none" normalizeH="0" baseline="0" dirty="0" smtClean="0">
+                <a:ln>
+                  <a:noFill/>
+                </a:ln>
+                <a:solidFill>
+                  <a:srgbClr val="000000"/>
+                </a:solidFill>
+                <a:effectLst/>
+                <a:latin typeface="Consolas" panose="020B0609020204030204" pitchFamily="49" charset="0"/>
+                <a:cs typeface="Consolas" panose="020B0609020204030204" pitchFamily="49" charset="0"/>
+              </a:rPr>
+              <a:t>{</a:t>
+            </a:r>
+          </a:p>
+          <a:p>
+            <a:pPr marL="0" marR="0" lvl="0" indent="0" algn="l" defTabSz="914400" rtl="0" eaLnBrk="0" fontAlgn="base" latinLnBrk="0" hangingPunct="0">
+              <a:lnSpc>
+                <a:spcPct val="100000"/>
+              </a:lnSpc>
+              <a:spcBef>
+                <a:spcPct val="0"/>
+              </a:spcBef>
+              <a:spcAft>
+                <a:spcPct val="0"/>
+              </a:spcAft>
+              <a:buClrTx/>
+              <a:buSzTx/>
+              <a:buFontTx/>
+              <a:buNone/>
+              <a:tabLst/>
+            </a:pPr>
+            <a:r>
+              <a:rPr kumimoji="0" lang="en-US" altLang="en-US" sz="2400" b="0" i="0" u="none" strike="noStrike" cap="none" normalizeH="0" baseline="0" dirty="0" smtClean="0">
+                <a:ln>
+                  <a:noFill/>
+                </a:ln>
+                <a:solidFill>
+                  <a:srgbClr val="000000"/>
+                </a:solidFill>
+                <a:effectLst/>
+                <a:latin typeface="Consolas" panose="020B0609020204030204" pitchFamily="49" charset="0"/>
+                <a:cs typeface="Consolas" panose="020B0609020204030204" pitchFamily="49" charset="0"/>
+              </a:rPr>
+              <a:t>   </a:t>
+            </a:r>
+            <a:r>
+              <a:rPr kumimoji="0" lang="en-US" altLang="en-US" sz="2400" b="0" i="0" u="none" strike="noStrike" cap="none" normalizeH="0" baseline="0" dirty="0" smtClean="0">
+                <a:ln>
+                  <a:noFill/>
+                </a:ln>
+                <a:solidFill>
+                  <a:srgbClr val="2E75B6"/>
+                </a:solidFill>
+                <a:effectLst/>
+                <a:latin typeface="Consolas" panose="020B0609020204030204" pitchFamily="49" charset="0"/>
+                <a:cs typeface="Consolas" panose="020B0609020204030204" pitchFamily="49" charset="0"/>
+              </a:rPr>
+              <a:t>"name"</a:t>
+            </a:r>
+            <a:r>
+              <a:rPr kumimoji="0" lang="en-US" altLang="en-US" sz="2400" b="0" i="0" u="none" strike="noStrike" cap="none" normalizeH="0" baseline="0" dirty="0" smtClean="0">
+                <a:ln>
+                  <a:noFill/>
+                </a:ln>
+                <a:solidFill>
+                  <a:srgbClr val="000000"/>
+                </a:solidFill>
+                <a:effectLst/>
+                <a:latin typeface="Consolas" panose="020B0609020204030204" pitchFamily="49" charset="0"/>
+                <a:cs typeface="Consolas" panose="020B0609020204030204" pitchFamily="49" charset="0"/>
+              </a:rPr>
+              <a:t>: </a:t>
+            </a:r>
+            <a:r>
+              <a:rPr kumimoji="0" lang="en-US" altLang="en-US" sz="2400" b="0" i="0" u="none" strike="noStrike" cap="none" normalizeH="0" baseline="0" dirty="0" smtClean="0">
+                <a:ln>
+                  <a:noFill/>
+                </a:ln>
+                <a:solidFill>
+                  <a:srgbClr val="A31515"/>
+                </a:solidFill>
+                <a:effectLst/>
+                <a:latin typeface="Consolas" panose="020B0609020204030204" pitchFamily="49" charset="0"/>
+                <a:cs typeface="Consolas" panose="020B0609020204030204" pitchFamily="49" charset="0"/>
+              </a:rPr>
+              <a:t>"Node101"</a:t>
+            </a:r>
+            <a:r>
+              <a:rPr kumimoji="0" lang="en-US" altLang="en-US" sz="2400" b="0" i="0" u="none" strike="noStrike" cap="none" normalizeH="0" baseline="0" dirty="0" smtClean="0">
+                <a:ln>
+                  <a:noFill/>
+                </a:ln>
+                <a:solidFill>
+                  <a:srgbClr val="000000"/>
+                </a:solidFill>
+                <a:effectLst/>
+                <a:latin typeface="Consolas" panose="020B0609020204030204" pitchFamily="49" charset="0"/>
+                <a:cs typeface="Consolas" panose="020B0609020204030204" pitchFamily="49" charset="0"/>
+              </a:rPr>
+              <a:t>,</a:t>
+            </a:r>
+          </a:p>
+          <a:p>
+            <a:pPr marL="0" marR="0" lvl="0" indent="0" algn="l" defTabSz="914400" rtl="0" eaLnBrk="0" fontAlgn="base" latinLnBrk="0" hangingPunct="0">
+              <a:lnSpc>
+                <a:spcPct val="100000"/>
+              </a:lnSpc>
+              <a:spcBef>
+                <a:spcPct val="0"/>
+              </a:spcBef>
+              <a:spcAft>
+                <a:spcPct val="0"/>
+              </a:spcAft>
+              <a:buClrTx/>
+              <a:buSzTx/>
+              <a:buFontTx/>
+              <a:buNone/>
+              <a:tabLst/>
+            </a:pPr>
+            <a:r>
+              <a:rPr kumimoji="0" lang="en-US" altLang="en-US" sz="2400" b="0" i="0" u="none" strike="noStrike" cap="none" normalizeH="0" baseline="0" dirty="0" smtClean="0">
+                <a:ln>
+                  <a:noFill/>
+                </a:ln>
+                <a:solidFill>
+                  <a:srgbClr val="000000"/>
+                </a:solidFill>
+                <a:effectLst/>
+                <a:latin typeface="Consolas" panose="020B0609020204030204" pitchFamily="49" charset="0"/>
+                <a:cs typeface="Consolas" panose="020B0609020204030204" pitchFamily="49" charset="0"/>
+              </a:rPr>
+              <a:t>   </a:t>
+            </a:r>
+            <a:r>
+              <a:rPr kumimoji="0" lang="en-US" altLang="en-US" sz="2400" b="0" i="0" u="none" strike="noStrike" cap="none" normalizeH="0" baseline="0" dirty="0" smtClean="0">
+                <a:ln>
+                  <a:noFill/>
+                </a:ln>
+                <a:solidFill>
+                  <a:srgbClr val="2E75B6"/>
+                </a:solidFill>
+                <a:effectLst/>
+                <a:latin typeface="Consolas" panose="020B0609020204030204" pitchFamily="49" charset="0"/>
+                <a:cs typeface="Consolas" panose="020B0609020204030204" pitchFamily="49" charset="0"/>
+              </a:rPr>
+              <a:t>"version"</a:t>
+            </a:r>
+            <a:r>
+              <a:rPr kumimoji="0" lang="en-US" altLang="en-US" sz="2400" b="0" i="0" u="none" strike="noStrike" cap="none" normalizeH="0" baseline="0" dirty="0" smtClean="0">
+                <a:ln>
+                  <a:noFill/>
+                </a:ln>
+                <a:solidFill>
+                  <a:srgbClr val="000000"/>
+                </a:solidFill>
+                <a:effectLst/>
+                <a:latin typeface="Consolas" panose="020B0609020204030204" pitchFamily="49" charset="0"/>
+                <a:cs typeface="Consolas" panose="020B0609020204030204" pitchFamily="49" charset="0"/>
+              </a:rPr>
+              <a:t>: </a:t>
+            </a:r>
+            <a:r>
+              <a:rPr kumimoji="0" lang="en-US" altLang="en-US" sz="2400" b="0" i="0" u="none" strike="noStrike" cap="none" normalizeH="0" baseline="0" dirty="0" smtClean="0">
+                <a:ln>
+                  <a:noFill/>
+                </a:ln>
+                <a:solidFill>
+                  <a:srgbClr val="A31515"/>
+                </a:solidFill>
+                <a:effectLst/>
+                <a:latin typeface="Consolas" panose="020B0609020204030204" pitchFamily="49" charset="0"/>
+                <a:cs typeface="Consolas" panose="020B0609020204030204" pitchFamily="49" charset="0"/>
+              </a:rPr>
+              <a:t>"0.1.0"</a:t>
+            </a:r>
+            <a:r>
+              <a:rPr kumimoji="0" lang="en-US" altLang="en-US" sz="2400" b="0" i="0" u="none" strike="noStrike" cap="none" normalizeH="0" baseline="0" dirty="0" smtClean="0">
+                <a:ln>
+                  <a:noFill/>
+                </a:ln>
+                <a:solidFill>
+                  <a:srgbClr val="000000"/>
+                </a:solidFill>
+                <a:effectLst/>
+                <a:latin typeface="Consolas" panose="020B0609020204030204" pitchFamily="49" charset="0"/>
+                <a:cs typeface="Consolas" panose="020B0609020204030204" pitchFamily="49" charset="0"/>
+              </a:rPr>
+              <a:t>,</a:t>
+            </a:r>
+          </a:p>
+          <a:p>
+            <a:pPr marL="0" lvl="0" indent="0" eaLnBrk="0" fontAlgn="base" hangingPunct="0">
+              <a:lnSpc>
+                <a:spcPct val="100000"/>
+              </a:lnSpc>
+              <a:spcBef>
+                <a:spcPct val="0"/>
+              </a:spcBef>
+              <a:spcAft>
+                <a:spcPct val="0"/>
+              </a:spcAft>
+              <a:buNone/>
+            </a:pPr>
+            <a:r>
+              <a:rPr kumimoji="0" lang="en-US" altLang="en-US" sz="2400" b="0" i="0" u="none" strike="noStrike" cap="none" normalizeH="0" baseline="0" dirty="0" smtClean="0">
+                <a:ln>
+                  <a:noFill/>
+                </a:ln>
+                <a:solidFill>
+                  <a:srgbClr val="000000"/>
+                </a:solidFill>
+                <a:effectLst/>
+                <a:latin typeface="Consolas" panose="020B0609020204030204" pitchFamily="49" charset="0"/>
+                <a:cs typeface="Consolas" panose="020B0609020204030204" pitchFamily="49" charset="0"/>
+              </a:rPr>
+              <a:t>   </a:t>
+            </a:r>
+            <a:r>
+              <a:rPr kumimoji="0" lang="en-US" altLang="en-US" sz="2400" b="0" i="0" u="none" strike="noStrike" cap="none" normalizeH="0" baseline="0" dirty="0" smtClean="0">
+                <a:ln>
+                  <a:noFill/>
+                </a:ln>
+                <a:solidFill>
+                  <a:srgbClr val="2E75B6"/>
+                </a:solidFill>
+                <a:effectLst/>
+                <a:latin typeface="Consolas" panose="020B0609020204030204" pitchFamily="49" charset="0"/>
+                <a:cs typeface="Consolas" panose="020B0609020204030204" pitchFamily="49" charset="0"/>
+              </a:rPr>
+              <a:t>"description"</a:t>
+            </a:r>
+            <a:r>
+              <a:rPr kumimoji="0" lang="en-US" altLang="en-US" sz="2400" b="0" i="0" u="none" strike="noStrike" cap="none" normalizeH="0" baseline="0" dirty="0" smtClean="0">
+                <a:ln>
+                  <a:noFill/>
+                </a:ln>
+                <a:solidFill>
+                  <a:srgbClr val="000000"/>
+                </a:solidFill>
+                <a:effectLst/>
+                <a:latin typeface="Consolas" panose="020B0609020204030204" pitchFamily="49" charset="0"/>
+                <a:cs typeface="Consolas" panose="020B0609020204030204" pitchFamily="49" charset="0"/>
+              </a:rPr>
+              <a:t>: </a:t>
+            </a:r>
+            <a:r>
+              <a:rPr lang="en-US" altLang="en-US" sz="2400" dirty="0" smtClean="0">
+                <a:solidFill>
+                  <a:srgbClr val="A31515"/>
+                </a:solidFill>
+                <a:latin typeface="Consolas" panose="020B0609020204030204" pitchFamily="49" charset="0"/>
+                <a:cs typeface="Consolas" panose="020B0609020204030204" pitchFamily="49" charset="0"/>
+              </a:rPr>
+              <a:t>“MVA Presentation Code</a:t>
+            </a:r>
+            <a:r>
+              <a:rPr kumimoji="0" lang="en-US" altLang="en-US" sz="2400" b="0" i="0" u="none" strike="noStrike" cap="none" normalizeH="0" baseline="0" dirty="0" smtClean="0">
+                <a:ln>
+                  <a:noFill/>
+                </a:ln>
+                <a:solidFill>
+                  <a:srgbClr val="A31515"/>
+                </a:solidFill>
+                <a:effectLst/>
+                <a:latin typeface="Consolas" panose="020B0609020204030204" pitchFamily="49" charset="0"/>
+                <a:cs typeface="Consolas" panose="020B0609020204030204" pitchFamily="49" charset="0"/>
+              </a:rPr>
+              <a:t>"</a:t>
+            </a:r>
+            <a:r>
+              <a:rPr kumimoji="0" lang="en-US" altLang="en-US" sz="2400" b="0" i="0" u="none" strike="noStrike" cap="none" normalizeH="0" baseline="0" dirty="0" smtClean="0">
+                <a:ln>
+                  <a:noFill/>
+                </a:ln>
+                <a:solidFill>
+                  <a:srgbClr val="000000"/>
+                </a:solidFill>
+                <a:effectLst/>
+                <a:latin typeface="Consolas" panose="020B0609020204030204" pitchFamily="49" charset="0"/>
+                <a:cs typeface="Consolas" panose="020B0609020204030204" pitchFamily="49" charset="0"/>
+              </a:rPr>
+              <a:t>,</a:t>
+            </a:r>
+          </a:p>
+          <a:p>
+            <a:pPr marL="0" marR="0" lvl="0" indent="0" algn="l" defTabSz="914400" rtl="0" eaLnBrk="0" fontAlgn="base" latinLnBrk="0" hangingPunct="0">
+              <a:lnSpc>
+                <a:spcPct val="100000"/>
+              </a:lnSpc>
+              <a:spcBef>
+                <a:spcPct val="0"/>
+              </a:spcBef>
+              <a:spcAft>
+                <a:spcPct val="0"/>
+              </a:spcAft>
+              <a:buClrTx/>
+              <a:buSzTx/>
+              <a:buFontTx/>
+              <a:buNone/>
+              <a:tabLst/>
+            </a:pPr>
+            <a:r>
+              <a:rPr kumimoji="0" lang="en-US" altLang="en-US" sz="2400" b="0" i="0" u="none" strike="noStrike" cap="none" normalizeH="0" baseline="0" dirty="0" smtClean="0">
+                <a:ln>
+                  <a:noFill/>
+                </a:ln>
+                <a:solidFill>
+                  <a:srgbClr val="000000"/>
+                </a:solidFill>
+                <a:effectLst/>
+                <a:latin typeface="Consolas" panose="020B0609020204030204" pitchFamily="49" charset="0"/>
+                <a:cs typeface="Consolas" panose="020B0609020204030204" pitchFamily="49" charset="0"/>
+              </a:rPr>
+              <a:t>   </a:t>
+            </a:r>
+            <a:r>
+              <a:rPr kumimoji="0" lang="en-US" altLang="en-US" sz="2400" b="0" i="0" u="none" strike="noStrike" cap="none" normalizeH="0" baseline="0" dirty="0" smtClean="0">
+                <a:ln>
+                  <a:noFill/>
+                </a:ln>
+                <a:solidFill>
+                  <a:srgbClr val="2E75B6"/>
+                </a:solidFill>
+                <a:effectLst/>
+                <a:latin typeface="Consolas" panose="020B0609020204030204" pitchFamily="49" charset="0"/>
+                <a:cs typeface="Consolas" panose="020B0609020204030204" pitchFamily="49" charset="0"/>
+              </a:rPr>
+              <a:t>"main"</a:t>
+            </a:r>
+            <a:r>
+              <a:rPr kumimoji="0" lang="en-US" altLang="en-US" sz="2400" b="0" i="0" u="none" strike="noStrike" cap="none" normalizeH="0" baseline="0" dirty="0" smtClean="0">
+                <a:ln>
+                  <a:noFill/>
+                </a:ln>
+                <a:solidFill>
+                  <a:srgbClr val="000000"/>
+                </a:solidFill>
+                <a:effectLst/>
+                <a:latin typeface="Consolas" panose="020B0609020204030204" pitchFamily="49" charset="0"/>
+                <a:cs typeface="Consolas" panose="020B0609020204030204" pitchFamily="49" charset="0"/>
+              </a:rPr>
+              <a:t>: </a:t>
+            </a:r>
+            <a:r>
+              <a:rPr kumimoji="0" lang="en-US" altLang="en-US" sz="2400" b="0" i="0" u="none" strike="noStrike" cap="none" normalizeH="0" baseline="0" dirty="0" smtClean="0">
+                <a:ln>
+                  <a:noFill/>
+                </a:ln>
+                <a:solidFill>
+                  <a:srgbClr val="A31515"/>
+                </a:solidFill>
+                <a:effectLst/>
+                <a:latin typeface="Consolas" panose="020B0609020204030204" pitchFamily="49" charset="0"/>
+                <a:cs typeface="Consolas" panose="020B0609020204030204" pitchFamily="49" charset="0"/>
+              </a:rPr>
+              <a:t>"1_hello_world.js"</a:t>
+            </a:r>
+            <a:r>
+              <a:rPr kumimoji="0" lang="en-US" altLang="en-US" sz="2400" b="0" i="0" u="none" strike="noStrike" cap="none" normalizeH="0" baseline="0" dirty="0" smtClean="0">
+                <a:ln>
+                  <a:noFill/>
+                </a:ln>
+                <a:solidFill>
+                  <a:srgbClr val="000000"/>
+                </a:solidFill>
+                <a:effectLst/>
+                <a:latin typeface="Consolas" panose="020B0609020204030204" pitchFamily="49" charset="0"/>
+                <a:cs typeface="Consolas" panose="020B0609020204030204" pitchFamily="49" charset="0"/>
+              </a:rPr>
+              <a:t>,</a:t>
+            </a:r>
+          </a:p>
+          <a:p>
+            <a:pPr marL="0" marR="0" lvl="0" indent="0" algn="l" defTabSz="914400" rtl="0" eaLnBrk="0" fontAlgn="base" latinLnBrk="0" hangingPunct="0">
+              <a:lnSpc>
+                <a:spcPct val="100000"/>
+              </a:lnSpc>
+              <a:spcBef>
+                <a:spcPct val="0"/>
+              </a:spcBef>
+              <a:spcAft>
+                <a:spcPct val="0"/>
+              </a:spcAft>
+              <a:buClrTx/>
+              <a:buSzTx/>
+              <a:buFontTx/>
+              <a:buNone/>
+              <a:tabLst/>
+            </a:pPr>
+            <a:r>
+              <a:rPr kumimoji="0" lang="en-US" altLang="en-US" sz="2400" b="0" i="0" u="none" strike="noStrike" cap="none" normalizeH="0" baseline="0" dirty="0" smtClean="0">
+                <a:ln>
+                  <a:noFill/>
+                </a:ln>
+                <a:solidFill>
+                  <a:srgbClr val="000000"/>
+                </a:solidFill>
+                <a:effectLst/>
+                <a:latin typeface="Consolas" panose="020B0609020204030204" pitchFamily="49" charset="0"/>
+                <a:cs typeface="Consolas" panose="020B0609020204030204" pitchFamily="49" charset="0"/>
+              </a:rPr>
+              <a:t>   </a:t>
+            </a:r>
+            <a:r>
+              <a:rPr kumimoji="0" lang="en-US" altLang="en-US" sz="2400" b="0" i="0" u="none" strike="noStrike" cap="none" normalizeH="0" baseline="0" dirty="0" smtClean="0">
+                <a:ln>
+                  <a:noFill/>
+                </a:ln>
+                <a:solidFill>
+                  <a:srgbClr val="2E75B6"/>
+                </a:solidFill>
+                <a:effectLst/>
+                <a:latin typeface="Consolas" panose="020B0609020204030204" pitchFamily="49" charset="0"/>
+                <a:cs typeface="Consolas" panose="020B0609020204030204" pitchFamily="49" charset="0"/>
+              </a:rPr>
+              <a:t>"author"</a:t>
+            </a:r>
+            <a:r>
+              <a:rPr kumimoji="0" lang="en-US" altLang="en-US" sz="2400" b="0" i="0" u="none" strike="noStrike" cap="none" normalizeH="0" baseline="0" dirty="0" smtClean="0">
+                <a:ln>
+                  <a:noFill/>
+                </a:ln>
+                <a:solidFill>
+                  <a:srgbClr val="000000"/>
+                </a:solidFill>
+                <a:effectLst/>
+                <a:latin typeface="Consolas" panose="020B0609020204030204" pitchFamily="49" charset="0"/>
+                <a:cs typeface="Consolas" panose="020B0609020204030204" pitchFamily="49" charset="0"/>
+              </a:rPr>
+              <a:t>: {</a:t>
+            </a:r>
+          </a:p>
+          <a:p>
+            <a:pPr marL="0" marR="0" lvl="0" indent="0" algn="l" defTabSz="914400" rtl="0" eaLnBrk="0" fontAlgn="base" latinLnBrk="0" hangingPunct="0">
+              <a:lnSpc>
+                <a:spcPct val="100000"/>
+              </a:lnSpc>
+              <a:spcBef>
+                <a:spcPct val="0"/>
+              </a:spcBef>
+              <a:spcAft>
+                <a:spcPct val="0"/>
+              </a:spcAft>
+              <a:buClrTx/>
+              <a:buSzTx/>
+              <a:buFontTx/>
+              <a:buNone/>
+              <a:tabLst/>
+            </a:pPr>
+            <a:r>
+              <a:rPr kumimoji="0" lang="en-US" altLang="en-US" sz="2400" b="0" i="0" u="none" strike="noStrike" cap="none" normalizeH="0" baseline="0" dirty="0" smtClean="0">
+                <a:ln>
+                  <a:noFill/>
+                </a:ln>
+                <a:solidFill>
+                  <a:srgbClr val="000000"/>
+                </a:solidFill>
+                <a:effectLst/>
+                <a:latin typeface="Consolas" panose="020B0609020204030204" pitchFamily="49" charset="0"/>
+                <a:cs typeface="Consolas" panose="020B0609020204030204" pitchFamily="49" charset="0"/>
+              </a:rPr>
+              <a:t>     </a:t>
+            </a:r>
+            <a:r>
+              <a:rPr kumimoji="0" lang="en-US" altLang="en-US" sz="2400" b="0" i="0" u="none" strike="noStrike" cap="none" normalizeH="0" baseline="0" dirty="0" smtClean="0">
+                <a:ln>
+                  <a:noFill/>
+                </a:ln>
+                <a:solidFill>
+                  <a:srgbClr val="2E75B6"/>
+                </a:solidFill>
+                <a:effectLst/>
+                <a:latin typeface="Consolas" panose="020B0609020204030204" pitchFamily="49" charset="0"/>
+                <a:cs typeface="Consolas" panose="020B0609020204030204" pitchFamily="49" charset="0"/>
+              </a:rPr>
+              <a:t>"name"</a:t>
+            </a:r>
+            <a:r>
+              <a:rPr kumimoji="0" lang="en-US" altLang="en-US" sz="2400" b="0" i="0" u="none" strike="noStrike" cap="none" normalizeH="0" baseline="0" dirty="0" smtClean="0">
+                <a:ln>
+                  <a:noFill/>
+                </a:ln>
+                <a:solidFill>
+                  <a:srgbClr val="000000"/>
+                </a:solidFill>
+                <a:effectLst/>
+                <a:latin typeface="Consolas" panose="020B0609020204030204" pitchFamily="49" charset="0"/>
+                <a:cs typeface="Consolas" panose="020B0609020204030204" pitchFamily="49" charset="0"/>
+              </a:rPr>
+              <a:t>: </a:t>
+            </a:r>
+            <a:r>
+              <a:rPr kumimoji="0" lang="en-US" altLang="en-US" sz="2400" b="0" i="0" u="none" strike="noStrike" cap="none" normalizeH="0" baseline="0" dirty="0" smtClean="0">
+                <a:ln>
+                  <a:noFill/>
+                </a:ln>
+                <a:solidFill>
+                  <a:srgbClr val="A31515"/>
+                </a:solidFill>
+                <a:effectLst/>
+                <a:latin typeface="Consolas" panose="020B0609020204030204" pitchFamily="49" charset="0"/>
+                <a:cs typeface="Consolas" panose="020B0609020204030204" pitchFamily="49" charset="0"/>
+              </a:rPr>
+              <a:t>"Rami Sayar"</a:t>
+            </a:r>
+            <a:r>
+              <a:rPr kumimoji="0" lang="en-US" altLang="en-US" sz="2400" b="0" i="0" u="none" strike="noStrike" cap="none" normalizeH="0" baseline="0" dirty="0" smtClean="0">
+                <a:ln>
+                  <a:noFill/>
+                </a:ln>
+                <a:solidFill>
+                  <a:srgbClr val="000000"/>
+                </a:solidFill>
+                <a:effectLst/>
+                <a:latin typeface="Consolas" panose="020B0609020204030204" pitchFamily="49" charset="0"/>
+                <a:cs typeface="Consolas" panose="020B0609020204030204" pitchFamily="49" charset="0"/>
+              </a:rPr>
+              <a:t>,</a:t>
+            </a:r>
+          </a:p>
+          <a:p>
+            <a:pPr marL="0" lvl="0" indent="0" eaLnBrk="0" fontAlgn="base" hangingPunct="0">
+              <a:lnSpc>
+                <a:spcPct val="100000"/>
+              </a:lnSpc>
+              <a:spcBef>
+                <a:spcPct val="0"/>
+              </a:spcBef>
+              <a:spcAft>
+                <a:spcPct val="0"/>
+              </a:spcAft>
+              <a:buNone/>
+            </a:pPr>
+            <a:r>
+              <a:rPr kumimoji="0" lang="en-US" altLang="en-US" sz="2400" b="0" i="0" u="none" strike="noStrike" cap="none" normalizeH="0" baseline="0" dirty="0" smtClean="0">
+                <a:ln>
+                  <a:noFill/>
+                </a:ln>
+                <a:solidFill>
+                  <a:srgbClr val="000000"/>
+                </a:solidFill>
+                <a:effectLst/>
+                <a:latin typeface="Consolas" panose="020B0609020204030204" pitchFamily="49" charset="0"/>
+                <a:cs typeface="Consolas" panose="020B0609020204030204" pitchFamily="49" charset="0"/>
+              </a:rPr>
+              <a:t>     </a:t>
+            </a:r>
+            <a:r>
+              <a:rPr kumimoji="0" lang="en-US" altLang="en-US" sz="2400" b="0" i="0" u="none" strike="noStrike" cap="none" normalizeH="0" baseline="0" dirty="0" smtClean="0">
+                <a:ln>
+                  <a:noFill/>
+                </a:ln>
+                <a:solidFill>
+                  <a:srgbClr val="2E75B6"/>
+                </a:solidFill>
+                <a:effectLst/>
+                <a:latin typeface="Consolas" panose="020B0609020204030204" pitchFamily="49" charset="0"/>
+                <a:cs typeface="Consolas" panose="020B0609020204030204" pitchFamily="49" charset="0"/>
+              </a:rPr>
+              <a:t>"email"</a:t>
+            </a:r>
+            <a:r>
+              <a:rPr kumimoji="0" lang="en-US" altLang="en-US" sz="2400" b="0" i="0" u="none" strike="noStrike" cap="none" normalizeH="0" baseline="0" dirty="0" smtClean="0">
+                <a:ln>
+                  <a:noFill/>
+                </a:ln>
+                <a:solidFill>
+                  <a:srgbClr val="000000"/>
+                </a:solidFill>
+                <a:effectLst/>
+                <a:latin typeface="Consolas" panose="020B0609020204030204" pitchFamily="49" charset="0"/>
+                <a:cs typeface="Consolas" panose="020B0609020204030204" pitchFamily="49" charset="0"/>
+              </a:rPr>
+              <a:t>: </a:t>
+            </a:r>
+            <a:r>
+              <a:rPr lang="en-US" altLang="en-US" sz="2400" dirty="0" smtClean="0">
+                <a:solidFill>
+                  <a:srgbClr val="A31515"/>
+                </a:solidFill>
+                <a:latin typeface="Consolas" panose="020B0609020204030204" pitchFamily="49" charset="0"/>
+                <a:cs typeface="Consolas" panose="020B0609020204030204" pitchFamily="49" charset="0"/>
+              </a:rPr>
+              <a:t>""</a:t>
+            </a:r>
+            <a:endParaRPr kumimoji="0" lang="en-US" altLang="en-US" sz="2400" b="0" i="0" u="none" strike="noStrike" cap="none" normalizeH="0" baseline="0" dirty="0" smtClean="0">
+              <a:ln>
+                <a:noFill/>
+              </a:ln>
+              <a:solidFill>
+                <a:srgbClr val="A31515"/>
+              </a:solidFill>
+              <a:effectLst/>
+              <a:latin typeface="Consolas" panose="020B0609020204030204" pitchFamily="49" charset="0"/>
+              <a:cs typeface="Consolas" panose="020B0609020204030204" pitchFamily="49" charset="0"/>
+            </a:endParaRPr>
+          </a:p>
+          <a:p>
+            <a:pPr marL="0" marR="0" lvl="0" indent="0" algn="l" defTabSz="914400" rtl="0" eaLnBrk="0" fontAlgn="base" latinLnBrk="0" hangingPunct="0">
+              <a:lnSpc>
+                <a:spcPct val="100000"/>
+              </a:lnSpc>
+              <a:spcBef>
+                <a:spcPct val="0"/>
+              </a:spcBef>
+              <a:spcAft>
+                <a:spcPct val="0"/>
+              </a:spcAft>
+              <a:buClrTx/>
+              <a:buSzTx/>
+              <a:buFontTx/>
+              <a:buNone/>
+              <a:tabLst/>
+            </a:pPr>
+            <a:r>
+              <a:rPr kumimoji="0" lang="en-US" altLang="en-US" sz="2400" b="0" i="0" u="none" strike="noStrike" cap="none" normalizeH="0" baseline="0" dirty="0" smtClean="0">
+                <a:ln>
+                  <a:noFill/>
+                </a:ln>
+                <a:solidFill>
+                  <a:srgbClr val="000000"/>
+                </a:solidFill>
+                <a:effectLst/>
+                <a:latin typeface="Consolas" panose="020B0609020204030204" pitchFamily="49" charset="0"/>
+                <a:cs typeface="Consolas" panose="020B0609020204030204" pitchFamily="49" charset="0"/>
+              </a:rPr>
+              <a:t>   }</a:t>
+            </a:r>
+          </a:p>
+          <a:p>
+            <a:pPr marL="0" marR="0" lvl="0" indent="0" algn="l" defTabSz="914400" rtl="0" eaLnBrk="0" fontAlgn="base" latinLnBrk="0" hangingPunct="0">
+              <a:lnSpc>
+                <a:spcPct val="100000"/>
+              </a:lnSpc>
+              <a:spcBef>
+                <a:spcPct val="0"/>
+              </a:spcBef>
+              <a:spcAft>
+                <a:spcPct val="0"/>
+              </a:spcAft>
+              <a:buClrTx/>
+              <a:buSzTx/>
+              <a:buFontTx/>
+              <a:buNone/>
+              <a:tabLst/>
+            </a:pPr>
+            <a:r>
+              <a:rPr kumimoji="0" lang="en-US" altLang="en-US" sz="2400" b="0" i="0" u="none" strike="noStrike" cap="none" normalizeH="0" baseline="0" dirty="0" smtClean="0">
+                <a:ln>
+                  <a:noFill/>
+                </a:ln>
+                <a:solidFill>
+                  <a:srgbClr val="000000"/>
+                </a:solidFill>
+                <a:effectLst/>
+                <a:latin typeface="Consolas" panose="020B0609020204030204" pitchFamily="49" charset="0"/>
+                <a:cs typeface="Consolas" panose="020B0609020204030204" pitchFamily="49" charset="0"/>
+              </a:rPr>
+              <a:t>} </a:t>
+            </a:r>
+            <a:endParaRPr kumimoji="0" lang="en-US" altLang="en-US" sz="4400" b="0" i="0" u="none" strike="noStrike" cap="none" normalizeH="0" baseline="0" dirty="0" smtClean="0">
+              <a:ln>
+                <a:noFill/>
+              </a:ln>
+              <a:solidFill>
+                <a:schemeClr val="tx1"/>
+              </a:solidFill>
+              <a:effectLst/>
+              <a:latin typeface="Arial" panose="020B0604020202020204" pitchFamily="34" charset="0"/>
+            </a:endParaRPr>
           </a:p>
         </p:txBody>
       </p:sp>
     </p:spTree>
     <p:extLst>
       <p:ext uri="{BB962C8B-B14F-4D97-AF65-F5344CB8AC3E}">
-        <p14:creationId xmlns:p14="http://schemas.microsoft.com/office/powerpoint/2010/main" val="360177016"/>
+        <p14:creationId xmlns:p14="http://schemas.microsoft.com/office/powerpoint/2010/main" val="770490445"/>
       </p:ext>
     </p:extLst>
   </p:cSld>
@@ -37445,7 +38233,7 @@
           <a:p>
             <a:r>
               <a:rPr lang="en-US" dirty="0" smtClean="0"/>
-              <a:t>What is NPM? </a:t>
+              <a:t>Popular NPM Modules</a:t>
             </a:r>
             <a:endParaRPr lang="en-US" dirty="0"/>
           </a:p>
@@ -37463,58 +38251,75 @@
         </p:nvSpPr>
         <p:spPr/>
         <p:txBody>
-          <a:bodyPr/>
+          <a:bodyPr>
+            <a:normAutofit lnSpcReduction="10000"/>
+          </a:bodyPr>
           <a:lstStyle/>
-          <a:p>
-            <a:r>
-              <a:rPr lang="en-US" dirty="0"/>
-              <a:t>Official package manager for Node.</a:t>
-            </a:r>
-          </a:p>
-          <a:p>
-            <a:r>
-              <a:rPr lang="en-US" dirty="0"/>
-              <a:t>Bundled and installed automatically with the environment.</a:t>
-            </a:r>
-          </a:p>
           <a:p>
             <a:pPr marL="0" indent="0">
               <a:buNone/>
             </a:pPr>
-            <a:endParaRPr lang="en-US" dirty="0"/>
-          </a:p>
-          <a:p>
-            <a:pPr marL="0" indent="0">
-              <a:buNone/>
-            </a:pPr>
-            <a:r>
-              <a:rPr lang="en-US" dirty="0"/>
-              <a:t>Frequent Usage:</a:t>
-            </a:r>
-          </a:p>
-          <a:p>
-            <a:r>
-              <a:rPr lang="en-US" dirty="0" err="1"/>
-              <a:t>npm</a:t>
-            </a:r>
-            <a:r>
-              <a:rPr lang="en-US" dirty="0"/>
-              <a:t> install --save </a:t>
-            </a:r>
-            <a:r>
-              <a:rPr lang="en-US" i="1" dirty="0" err="1"/>
-              <a:t>package_name</a:t>
-            </a:r>
-            <a:endParaRPr lang="en-US" i="1" dirty="0"/>
-          </a:p>
-          <a:p>
-            <a:r>
-              <a:rPr lang="en-US" dirty="0" err="1"/>
-              <a:t>npm</a:t>
-            </a:r>
-            <a:r>
-              <a:rPr lang="en-US" dirty="0"/>
-              <a:t> update</a:t>
+            <a:r>
+              <a:rPr lang="en-US" sz="2800" b="1" dirty="0"/>
+              <a:t>Most Depended Upon</a:t>
+            </a:r>
+          </a:p>
+          <a:p>
+            <a:r>
+              <a:rPr lang="en-US" sz="2800" dirty="0"/>
+              <a:t>7053 underscore</a:t>
+            </a:r>
+          </a:p>
+          <a:p>
+            <a:r>
+              <a:rPr lang="en-US" sz="2800" dirty="0"/>
+              <a:t>6458 </a:t>
+            </a:r>
+            <a:r>
+              <a:rPr lang="en-US" sz="2800" dirty="0" err="1"/>
+              <a:t>async</a:t>
+            </a:r>
+            <a:endParaRPr lang="en-US" sz="2800" dirty="0"/>
+          </a:p>
+          <a:p>
+            <a:r>
+              <a:rPr lang="en-US" sz="2800" dirty="0"/>
+              <a:t>5591 request</a:t>
+            </a:r>
+          </a:p>
+          <a:p>
+            <a:r>
+              <a:rPr lang="en-US" sz="2800" dirty="0"/>
+              <a:t>4931 </a:t>
+            </a:r>
+            <a:r>
+              <a:rPr lang="en-US" sz="2800" dirty="0" err="1"/>
+              <a:t>lodash</a:t>
+            </a:r>
+            <a:endParaRPr lang="en-US" sz="2800" dirty="0"/>
+          </a:p>
+          <a:p>
+            <a:r>
+              <a:rPr lang="en-US" sz="2800" dirty="0"/>
+              <a:t>3630 commander</a:t>
+            </a:r>
+          </a:p>
+          <a:p>
+            <a:r>
+              <a:rPr lang="en-US" sz="2800" dirty="0"/>
+              <a:t>3543 express</a:t>
+            </a:r>
+          </a:p>
+          <a:p>
+            <a:r>
+              <a:rPr lang="en-US" sz="2800" dirty="0"/>
+              <a:t>2708 optimist</a:t>
+            </a:r>
+          </a:p>
+          <a:p>
+            <a:r>
+              <a:rPr lang="en-US" sz="2800" dirty="0"/>
+              <a:t>2634 coffee-script</a:t>
             </a:r>
           </a:p>
           <a:p>
@@ -37528,7 +38333,7 @@
     </p:spTree>
     <p:extLst>
       <p:ext uri="{BB962C8B-B14F-4D97-AF65-F5344CB8AC3E}">
-        <p14:creationId xmlns:p14="http://schemas.microsoft.com/office/powerpoint/2010/main" val="387868293"/>
+        <p14:creationId xmlns:p14="http://schemas.microsoft.com/office/powerpoint/2010/main" val="1474797870"/>
       </p:ext>
     </p:extLst>
   </p:cSld>
@@ -37547,6 +38352,13 @@
       </p:transition>
     </mc:Fallback>
   </mc:AlternateContent>
+  <p:timing>
+    <p:tnLst>
+      <p:par>
+        <p:cTn id="1" dur="indefinite" restart="never" nodeType="tmRoot"/>
+      </p:par>
+    </p:tnLst>
+  </p:timing>
 </p:sld>
 </file>
 
@@ -37584,969 +38396,6 @@
           <a:p>
             <a:r>
               <a:rPr lang="en-US" dirty="0" smtClean="0"/>
-              <a:t>What is a </a:t>
-            </a:r>
-            <a:r>
-              <a:rPr lang="en-US" dirty="0" err="1" smtClean="0"/>
-              <a:t>package.json</a:t>
-            </a:r>
-            <a:r>
-              <a:rPr lang="en-US" dirty="0" smtClean="0"/>
-              <a:t>?</a:t>
-            </a:r>
-            <a:endParaRPr lang="en-US" dirty="0"/>
-          </a:p>
-        </p:txBody>
-      </p:sp>
-      <p:sp>
-        <p:nvSpPr>
-          <p:cNvPr id="5" name="Rectangle 2"/>
-          <p:cNvSpPr>
-            <a:spLocks noGrp="1" noChangeArrowheads="1"/>
-          </p:cNvSpPr>
-          <p:nvPr>
-            <p:ph idx="1"/>
-          </p:nvPr>
-        </p:nvSpPr>
-        <p:spPr bwMode="auto">
-          <a:xfrm>
-            <a:off x="560798" y="2091959"/>
-            <a:ext cx="7321235" cy="3785652"/>
-          </a:xfrm>
-          <a:prstGeom prst="rect">
-            <a:avLst/>
-          </a:prstGeom>
-          <a:ln/>
-          <a:extLst/>
-        </p:spPr>
-        <p:style>
-          <a:lnRef idx="2">
-            <a:schemeClr val="accent1"/>
-          </a:lnRef>
-          <a:fillRef idx="1">
-            <a:schemeClr val="lt1"/>
-          </a:fillRef>
-          <a:effectRef idx="0">
-            <a:schemeClr val="accent1"/>
-          </a:effectRef>
-          <a:fontRef idx="minor">
-            <a:schemeClr val="dk1"/>
-          </a:fontRef>
-        </p:style>
-        <p:txBody>
-          <a:bodyPr vert="horz" wrap="none" lIns="91440" tIns="45720" rIns="91440" bIns="45720" numCol="1" anchor="ctr" anchorCtr="0" compatLnSpc="1">
-            <a:prstTxWarp prst="textNoShape">
-              <a:avLst/>
-            </a:prstTxWarp>
-            <a:spAutoFit/>
-          </a:bodyPr>
-          <a:lstStyle/>
-          <a:p>
-            <a:pPr marL="0" marR="0" lvl="0" indent="0" algn="l" defTabSz="914400" rtl="0" eaLnBrk="0" fontAlgn="base" latinLnBrk="0" hangingPunct="0">
-              <a:lnSpc>
-                <a:spcPct val="100000"/>
-              </a:lnSpc>
-              <a:spcBef>
-                <a:spcPct val="0"/>
-              </a:spcBef>
-              <a:spcAft>
-                <a:spcPct val="0"/>
-              </a:spcAft>
-              <a:buClrTx/>
-              <a:buSzTx/>
-              <a:buFontTx/>
-              <a:buNone/>
-              <a:tabLst/>
-            </a:pPr>
-            <a:r>
-              <a:rPr kumimoji="0" lang="en-US" altLang="en-US" sz="2400" b="0" i="0" u="none" strike="noStrike" cap="none" normalizeH="0" baseline="0" dirty="0" smtClean="0">
-                <a:ln>
-                  <a:noFill/>
-                </a:ln>
-                <a:solidFill>
-                  <a:srgbClr val="000000"/>
-                </a:solidFill>
-                <a:effectLst/>
-                <a:latin typeface="Consolas" panose="020B0609020204030204" pitchFamily="49" charset="0"/>
-                <a:cs typeface="Consolas" panose="020B0609020204030204" pitchFamily="49" charset="0"/>
-              </a:rPr>
-              <a:t>{</a:t>
-            </a:r>
-          </a:p>
-          <a:p>
-            <a:pPr marL="0" marR="0" lvl="0" indent="0" algn="l" defTabSz="914400" rtl="0" eaLnBrk="0" fontAlgn="base" latinLnBrk="0" hangingPunct="0">
-              <a:lnSpc>
-                <a:spcPct val="100000"/>
-              </a:lnSpc>
-              <a:spcBef>
-                <a:spcPct val="0"/>
-              </a:spcBef>
-              <a:spcAft>
-                <a:spcPct val="0"/>
-              </a:spcAft>
-              <a:buClrTx/>
-              <a:buSzTx/>
-              <a:buFontTx/>
-              <a:buNone/>
-              <a:tabLst/>
-            </a:pPr>
-            <a:r>
-              <a:rPr kumimoji="0" lang="en-US" altLang="en-US" sz="2400" b="0" i="0" u="none" strike="noStrike" cap="none" normalizeH="0" baseline="0" dirty="0" smtClean="0">
-                <a:ln>
-                  <a:noFill/>
-                </a:ln>
-                <a:solidFill>
-                  <a:srgbClr val="000000"/>
-                </a:solidFill>
-                <a:effectLst/>
-                <a:latin typeface="Consolas" panose="020B0609020204030204" pitchFamily="49" charset="0"/>
-                <a:cs typeface="Consolas" panose="020B0609020204030204" pitchFamily="49" charset="0"/>
-              </a:rPr>
-              <a:t>   </a:t>
-            </a:r>
-            <a:r>
-              <a:rPr kumimoji="0" lang="en-US" altLang="en-US" sz="2400" b="0" i="0" u="none" strike="noStrike" cap="none" normalizeH="0" baseline="0" dirty="0" smtClean="0">
-                <a:ln>
-                  <a:noFill/>
-                </a:ln>
-                <a:solidFill>
-                  <a:srgbClr val="2E75B6"/>
-                </a:solidFill>
-                <a:effectLst/>
-                <a:latin typeface="Consolas" panose="020B0609020204030204" pitchFamily="49" charset="0"/>
-                <a:cs typeface="Consolas" panose="020B0609020204030204" pitchFamily="49" charset="0"/>
-              </a:rPr>
-              <a:t>"name"</a:t>
-            </a:r>
-            <a:r>
-              <a:rPr kumimoji="0" lang="en-US" altLang="en-US" sz="2400" b="0" i="0" u="none" strike="noStrike" cap="none" normalizeH="0" baseline="0" dirty="0" smtClean="0">
-                <a:ln>
-                  <a:noFill/>
-                </a:ln>
-                <a:solidFill>
-                  <a:srgbClr val="000000"/>
-                </a:solidFill>
-                <a:effectLst/>
-                <a:latin typeface="Consolas" panose="020B0609020204030204" pitchFamily="49" charset="0"/>
-                <a:cs typeface="Consolas" panose="020B0609020204030204" pitchFamily="49" charset="0"/>
-              </a:rPr>
-              <a:t>: </a:t>
-            </a:r>
-            <a:r>
-              <a:rPr kumimoji="0" lang="en-US" altLang="en-US" sz="2400" b="0" i="0" u="none" strike="noStrike" cap="none" normalizeH="0" baseline="0" dirty="0" smtClean="0">
-                <a:ln>
-                  <a:noFill/>
-                </a:ln>
-                <a:solidFill>
-                  <a:srgbClr val="A31515"/>
-                </a:solidFill>
-                <a:effectLst/>
-                <a:latin typeface="Consolas" panose="020B0609020204030204" pitchFamily="49" charset="0"/>
-                <a:cs typeface="Consolas" panose="020B0609020204030204" pitchFamily="49" charset="0"/>
-              </a:rPr>
-              <a:t>"Node101"</a:t>
-            </a:r>
-            <a:r>
-              <a:rPr kumimoji="0" lang="en-US" altLang="en-US" sz="2400" b="0" i="0" u="none" strike="noStrike" cap="none" normalizeH="0" baseline="0" dirty="0" smtClean="0">
-                <a:ln>
-                  <a:noFill/>
-                </a:ln>
-                <a:solidFill>
-                  <a:srgbClr val="000000"/>
-                </a:solidFill>
-                <a:effectLst/>
-                <a:latin typeface="Consolas" panose="020B0609020204030204" pitchFamily="49" charset="0"/>
-                <a:cs typeface="Consolas" panose="020B0609020204030204" pitchFamily="49" charset="0"/>
-              </a:rPr>
-              <a:t>,</a:t>
-            </a:r>
-          </a:p>
-          <a:p>
-            <a:pPr marL="0" marR="0" lvl="0" indent="0" algn="l" defTabSz="914400" rtl="0" eaLnBrk="0" fontAlgn="base" latinLnBrk="0" hangingPunct="0">
-              <a:lnSpc>
-                <a:spcPct val="100000"/>
-              </a:lnSpc>
-              <a:spcBef>
-                <a:spcPct val="0"/>
-              </a:spcBef>
-              <a:spcAft>
-                <a:spcPct val="0"/>
-              </a:spcAft>
-              <a:buClrTx/>
-              <a:buSzTx/>
-              <a:buFontTx/>
-              <a:buNone/>
-              <a:tabLst/>
-            </a:pPr>
-            <a:r>
-              <a:rPr kumimoji="0" lang="en-US" altLang="en-US" sz="2400" b="0" i="0" u="none" strike="noStrike" cap="none" normalizeH="0" baseline="0" dirty="0" smtClean="0">
-                <a:ln>
-                  <a:noFill/>
-                </a:ln>
-                <a:solidFill>
-                  <a:srgbClr val="000000"/>
-                </a:solidFill>
-                <a:effectLst/>
-                <a:latin typeface="Consolas" panose="020B0609020204030204" pitchFamily="49" charset="0"/>
-                <a:cs typeface="Consolas" panose="020B0609020204030204" pitchFamily="49" charset="0"/>
-              </a:rPr>
-              <a:t>   </a:t>
-            </a:r>
-            <a:r>
-              <a:rPr kumimoji="0" lang="en-US" altLang="en-US" sz="2400" b="0" i="0" u="none" strike="noStrike" cap="none" normalizeH="0" baseline="0" dirty="0" smtClean="0">
-                <a:ln>
-                  <a:noFill/>
-                </a:ln>
-                <a:solidFill>
-                  <a:srgbClr val="2E75B6"/>
-                </a:solidFill>
-                <a:effectLst/>
-                <a:latin typeface="Consolas" panose="020B0609020204030204" pitchFamily="49" charset="0"/>
-                <a:cs typeface="Consolas" panose="020B0609020204030204" pitchFamily="49" charset="0"/>
-              </a:rPr>
-              <a:t>"version"</a:t>
-            </a:r>
-            <a:r>
-              <a:rPr kumimoji="0" lang="en-US" altLang="en-US" sz="2400" b="0" i="0" u="none" strike="noStrike" cap="none" normalizeH="0" baseline="0" dirty="0" smtClean="0">
-                <a:ln>
-                  <a:noFill/>
-                </a:ln>
-                <a:solidFill>
-                  <a:srgbClr val="000000"/>
-                </a:solidFill>
-                <a:effectLst/>
-                <a:latin typeface="Consolas" panose="020B0609020204030204" pitchFamily="49" charset="0"/>
-                <a:cs typeface="Consolas" panose="020B0609020204030204" pitchFamily="49" charset="0"/>
-              </a:rPr>
-              <a:t>: </a:t>
-            </a:r>
-            <a:r>
-              <a:rPr kumimoji="0" lang="en-US" altLang="en-US" sz="2400" b="0" i="0" u="none" strike="noStrike" cap="none" normalizeH="0" baseline="0" dirty="0" smtClean="0">
-                <a:ln>
-                  <a:noFill/>
-                </a:ln>
-                <a:solidFill>
-                  <a:srgbClr val="A31515"/>
-                </a:solidFill>
-                <a:effectLst/>
-                <a:latin typeface="Consolas" panose="020B0609020204030204" pitchFamily="49" charset="0"/>
-                <a:cs typeface="Consolas" panose="020B0609020204030204" pitchFamily="49" charset="0"/>
-              </a:rPr>
-              <a:t>"0.1.0"</a:t>
-            </a:r>
-            <a:r>
-              <a:rPr kumimoji="0" lang="en-US" altLang="en-US" sz="2400" b="0" i="0" u="none" strike="noStrike" cap="none" normalizeH="0" baseline="0" dirty="0" smtClean="0">
-                <a:ln>
-                  <a:noFill/>
-                </a:ln>
-                <a:solidFill>
-                  <a:srgbClr val="000000"/>
-                </a:solidFill>
-                <a:effectLst/>
-                <a:latin typeface="Consolas" panose="020B0609020204030204" pitchFamily="49" charset="0"/>
-                <a:cs typeface="Consolas" panose="020B0609020204030204" pitchFamily="49" charset="0"/>
-              </a:rPr>
-              <a:t>,</a:t>
-            </a:r>
-          </a:p>
-          <a:p>
-            <a:pPr marL="0" lvl="0" indent="0" eaLnBrk="0" fontAlgn="base" hangingPunct="0">
-              <a:lnSpc>
-                <a:spcPct val="100000"/>
-              </a:lnSpc>
-              <a:spcBef>
-                <a:spcPct val="0"/>
-              </a:spcBef>
-              <a:spcAft>
-                <a:spcPct val="0"/>
-              </a:spcAft>
-              <a:buNone/>
-            </a:pPr>
-            <a:r>
-              <a:rPr kumimoji="0" lang="en-US" altLang="en-US" sz="2400" b="0" i="0" u="none" strike="noStrike" cap="none" normalizeH="0" baseline="0" dirty="0" smtClean="0">
-                <a:ln>
-                  <a:noFill/>
-                </a:ln>
-                <a:solidFill>
-                  <a:srgbClr val="000000"/>
-                </a:solidFill>
-                <a:effectLst/>
-                <a:latin typeface="Consolas" panose="020B0609020204030204" pitchFamily="49" charset="0"/>
-                <a:cs typeface="Consolas" panose="020B0609020204030204" pitchFamily="49" charset="0"/>
-              </a:rPr>
-              <a:t>   </a:t>
-            </a:r>
-            <a:r>
-              <a:rPr kumimoji="0" lang="en-US" altLang="en-US" sz="2400" b="0" i="0" u="none" strike="noStrike" cap="none" normalizeH="0" baseline="0" dirty="0" smtClean="0">
-                <a:ln>
-                  <a:noFill/>
-                </a:ln>
-                <a:solidFill>
-                  <a:srgbClr val="2E75B6"/>
-                </a:solidFill>
-                <a:effectLst/>
-                <a:latin typeface="Consolas" panose="020B0609020204030204" pitchFamily="49" charset="0"/>
-                <a:cs typeface="Consolas" panose="020B0609020204030204" pitchFamily="49" charset="0"/>
-              </a:rPr>
-              <a:t>"description"</a:t>
-            </a:r>
-            <a:r>
-              <a:rPr kumimoji="0" lang="en-US" altLang="en-US" sz="2400" b="0" i="0" u="none" strike="noStrike" cap="none" normalizeH="0" baseline="0" dirty="0" smtClean="0">
-                <a:ln>
-                  <a:noFill/>
-                </a:ln>
-                <a:solidFill>
-                  <a:srgbClr val="000000"/>
-                </a:solidFill>
-                <a:effectLst/>
-                <a:latin typeface="Consolas" panose="020B0609020204030204" pitchFamily="49" charset="0"/>
-                <a:cs typeface="Consolas" panose="020B0609020204030204" pitchFamily="49" charset="0"/>
-              </a:rPr>
-              <a:t>: </a:t>
-            </a:r>
-            <a:r>
-              <a:rPr lang="en-US" altLang="en-US" sz="2400" dirty="0" smtClean="0">
-                <a:solidFill>
-                  <a:srgbClr val="A31515"/>
-                </a:solidFill>
-                <a:latin typeface="Consolas" panose="020B0609020204030204" pitchFamily="49" charset="0"/>
-                <a:cs typeface="Consolas" panose="020B0609020204030204" pitchFamily="49" charset="0"/>
-              </a:rPr>
-              <a:t>“MVA Presentation Code</a:t>
-            </a:r>
-            <a:r>
-              <a:rPr kumimoji="0" lang="en-US" altLang="en-US" sz="2400" b="0" i="0" u="none" strike="noStrike" cap="none" normalizeH="0" baseline="0" dirty="0" smtClean="0">
-                <a:ln>
-                  <a:noFill/>
-                </a:ln>
-                <a:solidFill>
-                  <a:srgbClr val="A31515"/>
-                </a:solidFill>
-                <a:effectLst/>
-                <a:latin typeface="Consolas" panose="020B0609020204030204" pitchFamily="49" charset="0"/>
-                <a:cs typeface="Consolas" panose="020B0609020204030204" pitchFamily="49" charset="0"/>
-              </a:rPr>
-              <a:t>"</a:t>
-            </a:r>
-            <a:r>
-              <a:rPr kumimoji="0" lang="en-US" altLang="en-US" sz="2400" b="0" i="0" u="none" strike="noStrike" cap="none" normalizeH="0" baseline="0" dirty="0" smtClean="0">
-                <a:ln>
-                  <a:noFill/>
-                </a:ln>
-                <a:solidFill>
-                  <a:srgbClr val="000000"/>
-                </a:solidFill>
-                <a:effectLst/>
-                <a:latin typeface="Consolas" panose="020B0609020204030204" pitchFamily="49" charset="0"/>
-                <a:cs typeface="Consolas" panose="020B0609020204030204" pitchFamily="49" charset="0"/>
-              </a:rPr>
-              <a:t>,</a:t>
-            </a:r>
-          </a:p>
-          <a:p>
-            <a:pPr marL="0" marR="0" lvl="0" indent="0" algn="l" defTabSz="914400" rtl="0" eaLnBrk="0" fontAlgn="base" latinLnBrk="0" hangingPunct="0">
-              <a:lnSpc>
-                <a:spcPct val="100000"/>
-              </a:lnSpc>
-              <a:spcBef>
-                <a:spcPct val="0"/>
-              </a:spcBef>
-              <a:spcAft>
-                <a:spcPct val="0"/>
-              </a:spcAft>
-              <a:buClrTx/>
-              <a:buSzTx/>
-              <a:buFontTx/>
-              <a:buNone/>
-              <a:tabLst/>
-            </a:pPr>
-            <a:r>
-              <a:rPr kumimoji="0" lang="en-US" altLang="en-US" sz="2400" b="0" i="0" u="none" strike="noStrike" cap="none" normalizeH="0" baseline="0" dirty="0" smtClean="0">
-                <a:ln>
-                  <a:noFill/>
-                </a:ln>
-                <a:solidFill>
-                  <a:srgbClr val="000000"/>
-                </a:solidFill>
-                <a:effectLst/>
-                <a:latin typeface="Consolas" panose="020B0609020204030204" pitchFamily="49" charset="0"/>
-                <a:cs typeface="Consolas" panose="020B0609020204030204" pitchFamily="49" charset="0"/>
-              </a:rPr>
-              <a:t>   </a:t>
-            </a:r>
-            <a:r>
-              <a:rPr kumimoji="0" lang="en-US" altLang="en-US" sz="2400" b="0" i="0" u="none" strike="noStrike" cap="none" normalizeH="0" baseline="0" dirty="0" smtClean="0">
-                <a:ln>
-                  <a:noFill/>
-                </a:ln>
-                <a:solidFill>
-                  <a:srgbClr val="2E75B6"/>
-                </a:solidFill>
-                <a:effectLst/>
-                <a:latin typeface="Consolas" panose="020B0609020204030204" pitchFamily="49" charset="0"/>
-                <a:cs typeface="Consolas" panose="020B0609020204030204" pitchFamily="49" charset="0"/>
-              </a:rPr>
-              <a:t>"main"</a:t>
-            </a:r>
-            <a:r>
-              <a:rPr kumimoji="0" lang="en-US" altLang="en-US" sz="2400" b="0" i="0" u="none" strike="noStrike" cap="none" normalizeH="0" baseline="0" dirty="0" smtClean="0">
-                <a:ln>
-                  <a:noFill/>
-                </a:ln>
-                <a:solidFill>
-                  <a:srgbClr val="000000"/>
-                </a:solidFill>
-                <a:effectLst/>
-                <a:latin typeface="Consolas" panose="020B0609020204030204" pitchFamily="49" charset="0"/>
-                <a:cs typeface="Consolas" panose="020B0609020204030204" pitchFamily="49" charset="0"/>
-              </a:rPr>
-              <a:t>: </a:t>
-            </a:r>
-            <a:r>
-              <a:rPr kumimoji="0" lang="en-US" altLang="en-US" sz="2400" b="0" i="0" u="none" strike="noStrike" cap="none" normalizeH="0" baseline="0" dirty="0" smtClean="0">
-                <a:ln>
-                  <a:noFill/>
-                </a:ln>
-                <a:solidFill>
-                  <a:srgbClr val="A31515"/>
-                </a:solidFill>
-                <a:effectLst/>
-                <a:latin typeface="Consolas" panose="020B0609020204030204" pitchFamily="49" charset="0"/>
-                <a:cs typeface="Consolas" panose="020B0609020204030204" pitchFamily="49" charset="0"/>
-              </a:rPr>
-              <a:t>"1_hello_world.js"</a:t>
-            </a:r>
-            <a:r>
-              <a:rPr kumimoji="0" lang="en-US" altLang="en-US" sz="2400" b="0" i="0" u="none" strike="noStrike" cap="none" normalizeH="0" baseline="0" dirty="0" smtClean="0">
-                <a:ln>
-                  <a:noFill/>
-                </a:ln>
-                <a:solidFill>
-                  <a:srgbClr val="000000"/>
-                </a:solidFill>
-                <a:effectLst/>
-                <a:latin typeface="Consolas" panose="020B0609020204030204" pitchFamily="49" charset="0"/>
-                <a:cs typeface="Consolas" panose="020B0609020204030204" pitchFamily="49" charset="0"/>
-              </a:rPr>
-              <a:t>,</a:t>
-            </a:r>
-          </a:p>
-          <a:p>
-            <a:pPr marL="0" marR="0" lvl="0" indent="0" algn="l" defTabSz="914400" rtl="0" eaLnBrk="0" fontAlgn="base" latinLnBrk="0" hangingPunct="0">
-              <a:lnSpc>
-                <a:spcPct val="100000"/>
-              </a:lnSpc>
-              <a:spcBef>
-                <a:spcPct val="0"/>
-              </a:spcBef>
-              <a:spcAft>
-                <a:spcPct val="0"/>
-              </a:spcAft>
-              <a:buClrTx/>
-              <a:buSzTx/>
-              <a:buFontTx/>
-              <a:buNone/>
-              <a:tabLst/>
-            </a:pPr>
-            <a:r>
-              <a:rPr kumimoji="0" lang="en-US" altLang="en-US" sz="2400" b="0" i="0" u="none" strike="noStrike" cap="none" normalizeH="0" baseline="0" dirty="0" smtClean="0">
-                <a:ln>
-                  <a:noFill/>
-                </a:ln>
-                <a:solidFill>
-                  <a:srgbClr val="000000"/>
-                </a:solidFill>
-                <a:effectLst/>
-                <a:latin typeface="Consolas" panose="020B0609020204030204" pitchFamily="49" charset="0"/>
-                <a:cs typeface="Consolas" panose="020B0609020204030204" pitchFamily="49" charset="0"/>
-              </a:rPr>
-              <a:t>   </a:t>
-            </a:r>
-            <a:r>
-              <a:rPr kumimoji="0" lang="en-US" altLang="en-US" sz="2400" b="0" i="0" u="none" strike="noStrike" cap="none" normalizeH="0" baseline="0" dirty="0" smtClean="0">
-                <a:ln>
-                  <a:noFill/>
-                </a:ln>
-                <a:solidFill>
-                  <a:srgbClr val="2E75B6"/>
-                </a:solidFill>
-                <a:effectLst/>
-                <a:latin typeface="Consolas" panose="020B0609020204030204" pitchFamily="49" charset="0"/>
-                <a:cs typeface="Consolas" panose="020B0609020204030204" pitchFamily="49" charset="0"/>
-              </a:rPr>
-              <a:t>"author"</a:t>
-            </a:r>
-            <a:r>
-              <a:rPr kumimoji="0" lang="en-US" altLang="en-US" sz="2400" b="0" i="0" u="none" strike="noStrike" cap="none" normalizeH="0" baseline="0" dirty="0" smtClean="0">
-                <a:ln>
-                  <a:noFill/>
-                </a:ln>
-                <a:solidFill>
-                  <a:srgbClr val="000000"/>
-                </a:solidFill>
-                <a:effectLst/>
-                <a:latin typeface="Consolas" panose="020B0609020204030204" pitchFamily="49" charset="0"/>
-                <a:cs typeface="Consolas" panose="020B0609020204030204" pitchFamily="49" charset="0"/>
-              </a:rPr>
-              <a:t>: {</a:t>
-            </a:r>
-          </a:p>
-          <a:p>
-            <a:pPr marL="0" marR="0" lvl="0" indent="0" algn="l" defTabSz="914400" rtl="0" eaLnBrk="0" fontAlgn="base" latinLnBrk="0" hangingPunct="0">
-              <a:lnSpc>
-                <a:spcPct val="100000"/>
-              </a:lnSpc>
-              <a:spcBef>
-                <a:spcPct val="0"/>
-              </a:spcBef>
-              <a:spcAft>
-                <a:spcPct val="0"/>
-              </a:spcAft>
-              <a:buClrTx/>
-              <a:buSzTx/>
-              <a:buFontTx/>
-              <a:buNone/>
-              <a:tabLst/>
-            </a:pPr>
-            <a:r>
-              <a:rPr kumimoji="0" lang="en-US" altLang="en-US" sz="2400" b="0" i="0" u="none" strike="noStrike" cap="none" normalizeH="0" baseline="0" dirty="0" smtClean="0">
-                <a:ln>
-                  <a:noFill/>
-                </a:ln>
-                <a:solidFill>
-                  <a:srgbClr val="000000"/>
-                </a:solidFill>
-                <a:effectLst/>
-                <a:latin typeface="Consolas" panose="020B0609020204030204" pitchFamily="49" charset="0"/>
-                <a:cs typeface="Consolas" panose="020B0609020204030204" pitchFamily="49" charset="0"/>
-              </a:rPr>
-              <a:t>     </a:t>
-            </a:r>
-            <a:r>
-              <a:rPr kumimoji="0" lang="en-US" altLang="en-US" sz="2400" b="0" i="0" u="none" strike="noStrike" cap="none" normalizeH="0" baseline="0" dirty="0" smtClean="0">
-                <a:ln>
-                  <a:noFill/>
-                </a:ln>
-                <a:solidFill>
-                  <a:srgbClr val="2E75B6"/>
-                </a:solidFill>
-                <a:effectLst/>
-                <a:latin typeface="Consolas" panose="020B0609020204030204" pitchFamily="49" charset="0"/>
-                <a:cs typeface="Consolas" panose="020B0609020204030204" pitchFamily="49" charset="0"/>
-              </a:rPr>
-              <a:t>"name"</a:t>
-            </a:r>
-            <a:r>
-              <a:rPr kumimoji="0" lang="en-US" altLang="en-US" sz="2400" b="0" i="0" u="none" strike="noStrike" cap="none" normalizeH="0" baseline="0" dirty="0" smtClean="0">
-                <a:ln>
-                  <a:noFill/>
-                </a:ln>
-                <a:solidFill>
-                  <a:srgbClr val="000000"/>
-                </a:solidFill>
-                <a:effectLst/>
-                <a:latin typeface="Consolas" panose="020B0609020204030204" pitchFamily="49" charset="0"/>
-                <a:cs typeface="Consolas" panose="020B0609020204030204" pitchFamily="49" charset="0"/>
-              </a:rPr>
-              <a:t>: </a:t>
-            </a:r>
-            <a:r>
-              <a:rPr kumimoji="0" lang="en-US" altLang="en-US" sz="2400" b="0" i="0" u="none" strike="noStrike" cap="none" normalizeH="0" baseline="0" dirty="0" smtClean="0">
-                <a:ln>
-                  <a:noFill/>
-                </a:ln>
-                <a:solidFill>
-                  <a:srgbClr val="A31515"/>
-                </a:solidFill>
-                <a:effectLst/>
-                <a:latin typeface="Consolas" panose="020B0609020204030204" pitchFamily="49" charset="0"/>
-                <a:cs typeface="Consolas" panose="020B0609020204030204" pitchFamily="49" charset="0"/>
-              </a:rPr>
-              <a:t>"Rami Sayar"</a:t>
-            </a:r>
-            <a:r>
-              <a:rPr kumimoji="0" lang="en-US" altLang="en-US" sz="2400" b="0" i="0" u="none" strike="noStrike" cap="none" normalizeH="0" baseline="0" dirty="0" smtClean="0">
-                <a:ln>
-                  <a:noFill/>
-                </a:ln>
-                <a:solidFill>
-                  <a:srgbClr val="000000"/>
-                </a:solidFill>
-                <a:effectLst/>
-                <a:latin typeface="Consolas" panose="020B0609020204030204" pitchFamily="49" charset="0"/>
-                <a:cs typeface="Consolas" panose="020B0609020204030204" pitchFamily="49" charset="0"/>
-              </a:rPr>
-              <a:t>,</a:t>
-            </a:r>
-          </a:p>
-          <a:p>
-            <a:pPr marL="0" lvl="0" indent="0" eaLnBrk="0" fontAlgn="base" hangingPunct="0">
-              <a:lnSpc>
-                <a:spcPct val="100000"/>
-              </a:lnSpc>
-              <a:spcBef>
-                <a:spcPct val="0"/>
-              </a:spcBef>
-              <a:spcAft>
-                <a:spcPct val="0"/>
-              </a:spcAft>
-              <a:buNone/>
-            </a:pPr>
-            <a:r>
-              <a:rPr kumimoji="0" lang="en-US" altLang="en-US" sz="2400" b="0" i="0" u="none" strike="noStrike" cap="none" normalizeH="0" baseline="0" dirty="0" smtClean="0">
-                <a:ln>
-                  <a:noFill/>
-                </a:ln>
-                <a:solidFill>
-                  <a:srgbClr val="000000"/>
-                </a:solidFill>
-                <a:effectLst/>
-                <a:latin typeface="Consolas" panose="020B0609020204030204" pitchFamily="49" charset="0"/>
-                <a:cs typeface="Consolas" panose="020B0609020204030204" pitchFamily="49" charset="0"/>
-              </a:rPr>
-              <a:t>     </a:t>
-            </a:r>
-            <a:r>
-              <a:rPr kumimoji="0" lang="en-US" altLang="en-US" sz="2400" b="0" i="0" u="none" strike="noStrike" cap="none" normalizeH="0" baseline="0" dirty="0" smtClean="0">
-                <a:ln>
-                  <a:noFill/>
-                </a:ln>
-                <a:solidFill>
-                  <a:srgbClr val="2E75B6"/>
-                </a:solidFill>
-                <a:effectLst/>
-                <a:latin typeface="Consolas" panose="020B0609020204030204" pitchFamily="49" charset="0"/>
-                <a:cs typeface="Consolas" panose="020B0609020204030204" pitchFamily="49" charset="0"/>
-              </a:rPr>
-              <a:t>"email"</a:t>
-            </a:r>
-            <a:r>
-              <a:rPr kumimoji="0" lang="en-US" altLang="en-US" sz="2400" b="0" i="0" u="none" strike="noStrike" cap="none" normalizeH="0" baseline="0" dirty="0" smtClean="0">
-                <a:ln>
-                  <a:noFill/>
-                </a:ln>
-                <a:solidFill>
-                  <a:srgbClr val="000000"/>
-                </a:solidFill>
-                <a:effectLst/>
-                <a:latin typeface="Consolas" panose="020B0609020204030204" pitchFamily="49" charset="0"/>
-                <a:cs typeface="Consolas" panose="020B0609020204030204" pitchFamily="49" charset="0"/>
-              </a:rPr>
-              <a:t>: </a:t>
-            </a:r>
-            <a:r>
-              <a:rPr lang="en-US" altLang="en-US" sz="2400" dirty="0" smtClean="0">
-                <a:solidFill>
-                  <a:srgbClr val="A31515"/>
-                </a:solidFill>
-                <a:latin typeface="Consolas" panose="020B0609020204030204" pitchFamily="49" charset="0"/>
-                <a:cs typeface="Consolas" panose="020B0609020204030204" pitchFamily="49" charset="0"/>
-              </a:rPr>
-              <a:t>""</a:t>
-            </a:r>
-            <a:endParaRPr kumimoji="0" lang="en-US" altLang="en-US" sz="2400" b="0" i="0" u="none" strike="noStrike" cap="none" normalizeH="0" baseline="0" dirty="0" smtClean="0">
-              <a:ln>
-                <a:noFill/>
-              </a:ln>
-              <a:solidFill>
-                <a:srgbClr val="A31515"/>
-              </a:solidFill>
-              <a:effectLst/>
-              <a:latin typeface="Consolas" panose="020B0609020204030204" pitchFamily="49" charset="0"/>
-              <a:cs typeface="Consolas" panose="020B0609020204030204" pitchFamily="49" charset="0"/>
-            </a:endParaRPr>
-          </a:p>
-          <a:p>
-            <a:pPr marL="0" marR="0" lvl="0" indent="0" algn="l" defTabSz="914400" rtl="0" eaLnBrk="0" fontAlgn="base" latinLnBrk="0" hangingPunct="0">
-              <a:lnSpc>
-                <a:spcPct val="100000"/>
-              </a:lnSpc>
-              <a:spcBef>
-                <a:spcPct val="0"/>
-              </a:spcBef>
-              <a:spcAft>
-                <a:spcPct val="0"/>
-              </a:spcAft>
-              <a:buClrTx/>
-              <a:buSzTx/>
-              <a:buFontTx/>
-              <a:buNone/>
-              <a:tabLst/>
-            </a:pPr>
-            <a:r>
-              <a:rPr kumimoji="0" lang="en-US" altLang="en-US" sz="2400" b="0" i="0" u="none" strike="noStrike" cap="none" normalizeH="0" baseline="0" dirty="0" smtClean="0">
-                <a:ln>
-                  <a:noFill/>
-                </a:ln>
-                <a:solidFill>
-                  <a:srgbClr val="000000"/>
-                </a:solidFill>
-                <a:effectLst/>
-                <a:latin typeface="Consolas" panose="020B0609020204030204" pitchFamily="49" charset="0"/>
-                <a:cs typeface="Consolas" panose="020B0609020204030204" pitchFamily="49" charset="0"/>
-              </a:rPr>
-              <a:t>   }</a:t>
-            </a:r>
-          </a:p>
-          <a:p>
-            <a:pPr marL="0" marR="0" lvl="0" indent="0" algn="l" defTabSz="914400" rtl="0" eaLnBrk="0" fontAlgn="base" latinLnBrk="0" hangingPunct="0">
-              <a:lnSpc>
-                <a:spcPct val="100000"/>
-              </a:lnSpc>
-              <a:spcBef>
-                <a:spcPct val="0"/>
-              </a:spcBef>
-              <a:spcAft>
-                <a:spcPct val="0"/>
-              </a:spcAft>
-              <a:buClrTx/>
-              <a:buSzTx/>
-              <a:buFontTx/>
-              <a:buNone/>
-              <a:tabLst/>
-            </a:pPr>
-            <a:r>
-              <a:rPr kumimoji="0" lang="en-US" altLang="en-US" sz="2400" b="0" i="0" u="none" strike="noStrike" cap="none" normalizeH="0" baseline="0" dirty="0" smtClean="0">
-                <a:ln>
-                  <a:noFill/>
-                </a:ln>
-                <a:solidFill>
-                  <a:srgbClr val="000000"/>
-                </a:solidFill>
-                <a:effectLst/>
-                <a:latin typeface="Consolas" panose="020B0609020204030204" pitchFamily="49" charset="0"/>
-                <a:cs typeface="Consolas" panose="020B0609020204030204" pitchFamily="49" charset="0"/>
-              </a:rPr>
-              <a:t>} </a:t>
-            </a:r>
-            <a:endParaRPr kumimoji="0" lang="en-US" altLang="en-US" sz="4400" b="0" i="0" u="none" strike="noStrike" cap="none" normalizeH="0" baseline="0" dirty="0" smtClean="0">
-              <a:ln>
-                <a:noFill/>
-              </a:ln>
-              <a:solidFill>
-                <a:schemeClr val="tx1"/>
-              </a:solidFill>
-              <a:effectLst/>
-              <a:latin typeface="Arial" panose="020B0604020202020204" pitchFamily="34" charset="0"/>
-            </a:endParaRPr>
-          </a:p>
-        </p:txBody>
-      </p:sp>
-    </p:spTree>
-    <p:extLst>
-      <p:ext uri="{BB962C8B-B14F-4D97-AF65-F5344CB8AC3E}">
-        <p14:creationId xmlns:p14="http://schemas.microsoft.com/office/powerpoint/2010/main" val="770490445"/>
-      </p:ext>
-    </p:extLst>
-  </p:cSld>
-  <p:clrMapOvr>
-    <a:masterClrMapping/>
-  </p:clrMapOvr>
-  <mc:AlternateContent xmlns:mc="http://schemas.openxmlformats.org/markup-compatibility/2006" xmlns:p14="http://schemas.microsoft.com/office/powerpoint/2010/main">
-    <mc:Choice Requires="p14">
-      <p:transition spd="med" p14:dur="700">
-        <p:fade/>
-      </p:transition>
-    </mc:Choice>
-    <mc:Fallback xmlns="">
-      <p:transition spd="med">
-        <p:fade/>
-      </p:transition>
-    </mc:Fallback>
-  </mc:AlternateContent>
-</p:sld>
-</file>
-
-<file path=ppt/slides/slide35.xml><?xml version="1.0" encoding="utf-8"?>
-<p:sld xmlns:a="http://schemas.openxmlformats.org/drawingml/2006/main" xmlns:r="http://schemas.openxmlformats.org/officeDocument/2006/relationships" xmlns:p="http://schemas.openxmlformats.org/presentationml/2006/main">
-  <p:cSld>
-    <p:spTree>
-      <p:nvGrpSpPr>
-        <p:cNvPr id="1" name=""/>
-        <p:cNvGrpSpPr/>
-        <p:nvPr/>
-      </p:nvGrpSpPr>
-      <p:grpSpPr>
-        <a:xfrm>
-          <a:off x="0" y="0"/>
-          <a:ext cx="0" cy="0"/>
-          <a:chOff x="0" y="0"/>
-          <a:chExt cx="0" cy="0"/>
-        </a:xfrm>
-      </p:grpSpPr>
-      <p:sp>
-        <p:nvSpPr>
-          <p:cNvPr id="2" name="Title 1"/>
-          <p:cNvSpPr>
-            <a:spLocks noGrp="1"/>
-          </p:cNvSpPr>
-          <p:nvPr>
-            <p:ph type="title"/>
-          </p:nvPr>
-        </p:nvSpPr>
-        <p:spPr/>
-        <p:txBody>
-          <a:bodyPr/>
-          <a:lstStyle/>
-          <a:p>
-            <a:r>
-              <a:rPr lang="en-US" dirty="0" smtClean="0"/>
-              <a:t>Popular NPM Modules</a:t>
-            </a:r>
-            <a:endParaRPr lang="en-US" dirty="0"/>
-          </a:p>
-        </p:txBody>
-      </p:sp>
-      <p:sp>
-        <p:nvSpPr>
-          <p:cNvPr id="3" name="Content Placeholder 2"/>
-          <p:cNvSpPr>
-            <a:spLocks noGrp="1"/>
-          </p:cNvSpPr>
-          <p:nvPr>
-            <p:ph idx="1"/>
-          </p:nvPr>
-        </p:nvSpPr>
-        <p:spPr/>
-        <p:txBody>
-          <a:bodyPr>
-            <a:normAutofit lnSpcReduction="10000"/>
-          </a:bodyPr>
-          <a:lstStyle/>
-          <a:p>
-            <a:pPr marL="0" indent="0">
-              <a:buNone/>
-            </a:pPr>
-            <a:r>
-              <a:rPr lang="en-US" sz="2800" b="1" dirty="0"/>
-              <a:t>Most Depended Upon</a:t>
-            </a:r>
-          </a:p>
-          <a:p>
-            <a:r>
-              <a:rPr lang="en-US" sz="2800" dirty="0"/>
-              <a:t>7053 underscore</a:t>
-            </a:r>
-          </a:p>
-          <a:p>
-            <a:r>
-              <a:rPr lang="en-US" sz="2800" dirty="0"/>
-              <a:t>6458 </a:t>
-            </a:r>
-            <a:r>
-              <a:rPr lang="en-US" sz="2800" dirty="0" err="1"/>
-              <a:t>async</a:t>
-            </a:r>
-            <a:endParaRPr lang="en-US" sz="2800" dirty="0"/>
-          </a:p>
-          <a:p>
-            <a:r>
-              <a:rPr lang="en-US" sz="2800" dirty="0"/>
-              <a:t>5591 request</a:t>
-            </a:r>
-          </a:p>
-          <a:p>
-            <a:r>
-              <a:rPr lang="en-US" sz="2800" dirty="0"/>
-              <a:t>4931 </a:t>
-            </a:r>
-            <a:r>
-              <a:rPr lang="en-US" sz="2800" dirty="0" err="1"/>
-              <a:t>lodash</a:t>
-            </a:r>
-            <a:endParaRPr lang="en-US" sz="2800" dirty="0"/>
-          </a:p>
-          <a:p>
-            <a:r>
-              <a:rPr lang="en-US" sz="2800" dirty="0"/>
-              <a:t>3630 commander</a:t>
-            </a:r>
-          </a:p>
-          <a:p>
-            <a:r>
-              <a:rPr lang="en-US" sz="2800" dirty="0"/>
-              <a:t>3543 express</a:t>
-            </a:r>
-          </a:p>
-          <a:p>
-            <a:r>
-              <a:rPr lang="en-US" sz="2800" dirty="0"/>
-              <a:t>2708 optimist</a:t>
-            </a:r>
-          </a:p>
-          <a:p>
-            <a:r>
-              <a:rPr lang="en-US" sz="2800" dirty="0"/>
-              <a:t>2634 coffee-script</a:t>
-            </a:r>
-          </a:p>
-          <a:p>
-            <a:pPr marL="0" indent="0">
-              <a:buNone/>
-            </a:pPr>
-            <a:endParaRPr lang="en-US" dirty="0"/>
-          </a:p>
-        </p:txBody>
-      </p:sp>
-    </p:spTree>
-    <p:extLst>
-      <p:ext uri="{BB962C8B-B14F-4D97-AF65-F5344CB8AC3E}">
-        <p14:creationId xmlns:p14="http://schemas.microsoft.com/office/powerpoint/2010/main" val="1474797870"/>
-      </p:ext>
-    </p:extLst>
-  </p:cSld>
-  <p:clrMapOvr>
-    <a:masterClrMapping/>
-  </p:clrMapOvr>
-  <mc:AlternateContent xmlns:mc="http://schemas.openxmlformats.org/markup-compatibility/2006" xmlns:p14="http://schemas.microsoft.com/office/powerpoint/2010/main">
-    <mc:Choice Requires="p14">
-      <p:transition spd="med" p14:dur="700">
-        <p:fade/>
-      </p:transition>
-    </mc:Choice>
-    <mc:Fallback xmlns="">
-      <p:transition spd="med">
-        <p:fade/>
-      </p:transition>
-    </mc:Fallback>
-  </mc:AlternateContent>
-</p:sld>
-</file>
-
-<file path=ppt/slides/slide36.xml><?xml version="1.0" encoding="utf-8"?>
-<p:sld xmlns:a="http://schemas.openxmlformats.org/drawingml/2006/main" xmlns:r="http://schemas.openxmlformats.org/officeDocument/2006/relationships" xmlns:p="http://schemas.openxmlformats.org/presentationml/2006/main">
-  <p:cSld>
-    <p:spTree>
-      <p:nvGrpSpPr>
-        <p:cNvPr id="1" name=""/>
-        <p:cNvGrpSpPr/>
-        <p:nvPr/>
-      </p:nvGrpSpPr>
-      <p:grpSpPr>
-        <a:xfrm>
-          <a:off x="0" y="0"/>
-          <a:ext cx="0" cy="0"/>
-          <a:chOff x="0" y="0"/>
-          <a:chExt cx="0" cy="0"/>
-        </a:xfrm>
-      </p:grpSpPr>
-      <p:sp>
-        <p:nvSpPr>
-          <p:cNvPr id="2" name="Title 1"/>
-          <p:cNvSpPr>
-            <a:spLocks noGrp="1"/>
-          </p:cNvSpPr>
-          <p:nvPr>
-            <p:ph type="title"/>
-          </p:nvPr>
-        </p:nvSpPr>
-        <p:spPr/>
-        <p:txBody>
-          <a:bodyPr/>
-          <a:lstStyle/>
-          <a:p>
-            <a:r>
-              <a:rPr lang="en-US" dirty="0" smtClean="0"/>
               <a:t>How does it work? </a:t>
             </a:r>
             <a:endParaRPr lang="en-US" dirty="0"/>
@@ -38661,10 +38510,17 @@
       </p:transition>
     </mc:Fallback>
   </mc:AlternateContent>
+  <p:timing>
+    <p:tnLst>
+      <p:par>
+        <p:cTn id="1" dur="indefinite" restart="never" nodeType="tmRoot"/>
+      </p:par>
+    </p:tnLst>
+  </p:timing>
 </p:sld>
 </file>
 
-<file path=ppt/slides/slide37.xml><?xml version="1.0" encoding="utf-8"?>
+<file path=ppt/slides/slide35.xml><?xml version="1.0" encoding="utf-8"?>
 <p:sld xmlns:a="http://schemas.openxmlformats.org/drawingml/2006/main" xmlns:r="http://schemas.openxmlformats.org/officeDocument/2006/relationships" xmlns:p="http://schemas.openxmlformats.org/presentationml/2006/main">
   <p:cSld>
     <p:spTree>
@@ -39479,10 +39335,17 @@
       </p:transition>
     </mc:Fallback>
   </mc:AlternateContent>
+  <p:timing>
+    <p:tnLst>
+      <p:par>
+        <p:cTn id="1" dur="indefinite" restart="never" nodeType="tmRoot"/>
+      </p:par>
+    </p:tnLst>
+  </p:timing>
 </p:sld>
 </file>
 
-<file path=ppt/slides/slide38.xml><?xml version="1.0" encoding="utf-8"?>
+<file path=ppt/slides/slide36.xml><?xml version="1.0" encoding="utf-8"?>
 <p:sld xmlns:a="http://schemas.openxmlformats.org/drawingml/2006/main" xmlns:r="http://schemas.openxmlformats.org/officeDocument/2006/relationships" xmlns:p="http://schemas.openxmlformats.org/presentationml/2006/main">
   <p:cSld>
     <p:spTree>
@@ -39839,10 +39702,17 @@
       </p:transition>
     </mc:Fallback>
   </mc:AlternateContent>
+  <p:timing>
+    <p:tnLst>
+      <p:par>
+        <p:cTn id="1" dur="indefinite" restart="never" nodeType="tmRoot"/>
+      </p:par>
+    </p:tnLst>
+  </p:timing>
 </p:sld>
 </file>
 
-<file path=ppt/slides/slide39.xml><?xml version="1.0" encoding="utf-8"?>
+<file path=ppt/slides/slide37.xml><?xml version="1.0" encoding="utf-8"?>
 <p:sld xmlns:a="http://schemas.openxmlformats.org/drawingml/2006/main" xmlns:r="http://schemas.openxmlformats.org/officeDocument/2006/relationships" xmlns:p="http://schemas.openxmlformats.org/presentationml/2006/main">
   <p:cSld>
     <p:spTree>
@@ -39956,6 +39826,62 @@
       </p:transition>
     </mc:Fallback>
   </mc:AlternateContent>
+  <p:timing>
+    <p:tnLst>
+      <p:par>
+        <p:cTn id="1" dur="indefinite" restart="never" nodeType="tmRoot"/>
+      </p:par>
+    </p:tnLst>
+  </p:timing>
+</p:sld>
+</file>
+
+<file path=ppt/slides/slide38.xml><?xml version="1.0" encoding="utf-8"?>
+<p:sld xmlns:a="http://schemas.openxmlformats.org/drawingml/2006/main" xmlns:r="http://schemas.openxmlformats.org/officeDocument/2006/relationships" xmlns:p="http://schemas.openxmlformats.org/presentationml/2006/main">
+  <p:cSld>
+    <p:spTree>
+      <p:nvGrpSpPr>
+        <p:cNvPr id="1" name=""/>
+        <p:cNvGrpSpPr/>
+        <p:nvPr/>
+      </p:nvGrpSpPr>
+      <p:grpSpPr>
+        <a:xfrm>
+          <a:off x="0" y="0"/>
+          <a:ext cx="0" cy="0"/>
+          <a:chOff x="0" y="0"/>
+          <a:chExt cx="0" cy="0"/>
+        </a:xfrm>
+      </p:grpSpPr>
+    </p:spTree>
+    <p:extLst>
+      <p:ext uri="{BB962C8B-B14F-4D97-AF65-F5344CB8AC3E}">
+        <p14:creationId xmlns:p14="http://schemas.microsoft.com/office/powerpoint/2010/main" val="898363405"/>
+      </p:ext>
+    </p:extLst>
+  </p:cSld>
+  <p:clrMapOvr>
+    <a:masterClrMapping/>
+  </p:clrMapOvr>
+  <mc:AlternateContent xmlns:mc="http://schemas.openxmlformats.org/markup-compatibility/2006" xmlns:p14="http://schemas.microsoft.com/office/powerpoint/2010/main">
+    <mc:Choice Requires="p14">
+      <p:transition spd="med" p14:dur="700">
+        <p:fade/>
+      </p:transition>
+    </mc:Choice>
+    <mc:Fallback xmlns="">
+      <p:transition spd="med">
+        <p:fade/>
+      </p:transition>
+    </mc:Fallback>
+  </mc:AlternateContent>
+  <p:timing>
+    <p:tnLst>
+      <p:par>
+        <p:cTn id="1" dur="indefinite" restart="never" nodeType="tmRoot"/>
+      </p:par>
+    </p:tnLst>
+  </p:timing>
 </p:sld>
 </file>
 
@@ -40041,55 +39967,6 @@
     <p:extLst>
       <p:ext uri="{BB962C8B-B14F-4D97-AF65-F5344CB8AC3E}">
         <p14:creationId xmlns:p14="http://schemas.microsoft.com/office/powerpoint/2010/main" val="2305175148"/>
-      </p:ext>
-    </p:extLst>
-  </p:cSld>
-  <p:clrMapOvr>
-    <a:masterClrMapping/>
-  </p:clrMapOvr>
-  <mc:AlternateContent xmlns:mc="http://schemas.openxmlformats.org/markup-compatibility/2006" xmlns:p14="http://schemas.microsoft.com/office/powerpoint/2010/main">
-    <mc:Choice Requires="p14">
-      <p:transition spd="med" p14:dur="700">
-        <p:fade/>
-      </p:transition>
-    </mc:Choice>
-    <mc:Fallback xmlns="">
-      <p:transition spd="med">
-        <p:fade/>
-      </p:transition>
-    </mc:Fallback>
-  </mc:AlternateContent>
-  <p:timing>
-    <p:tnLst>
-      <p:par>
-        <p:cTn id="1" dur="indefinite" restart="never" nodeType="tmRoot"/>
-      </p:par>
-    </p:tnLst>
-  </p:timing>
-</p:sld>
-</file>
-
-<file path=ppt/slides/slide40.xml><?xml version="1.0" encoding="utf-8"?>
-<p:sld xmlns:a="http://schemas.openxmlformats.org/drawingml/2006/main" xmlns:r="http://schemas.openxmlformats.org/officeDocument/2006/relationships" xmlns:p="http://schemas.openxmlformats.org/presentationml/2006/main">
-  <p:cSld>
-    <p:spTree>
-      <p:nvGrpSpPr>
-        <p:cNvPr id="1" name=""/>
-        <p:cNvGrpSpPr/>
-        <p:nvPr/>
-      </p:nvGrpSpPr>
-      <p:grpSpPr>
-        <a:xfrm>
-          <a:off x="0" y="0"/>
-          <a:ext cx="0" cy="0"/>
-          <a:chOff x="0" y="0"/>
-          <a:chExt cx="0" cy="0"/>
-        </a:xfrm>
-      </p:grpSpPr>
-    </p:spTree>
-    <p:extLst>
-      <p:ext uri="{BB962C8B-B14F-4D97-AF65-F5344CB8AC3E}">
-        <p14:creationId xmlns:p14="http://schemas.microsoft.com/office/powerpoint/2010/main" val="898363405"/>
       </p:ext>
     </p:extLst>
   </p:cSld>
@@ -43998,6 +43875,15 @@
 </file>
 
 <file path=customXml/item1.xml><?xml version="1.0" encoding="utf-8"?>
+<?mso-contentType ?>
+<FormTemplates xmlns="http://schemas.microsoft.com/sharepoint/v3/contenttype/forms">
+  <Display>DocumentLibraryForm</Display>
+  <Edit>DocumentLibraryForm</Edit>
+  <New>DocumentLibraryForm</New>
+</FormTemplates>
+</file>
+
+<file path=customXml/item2.xml><?xml version="1.0" encoding="utf-8"?>
 <p:properties xmlns:p="http://schemas.microsoft.com/office/2006/metadata/properties" xmlns:xsi="http://www.w3.org/2001/XMLSchema-instance" xmlns:pc="http://schemas.microsoft.com/office/infopath/2007/PartnerControls">
   <documentManagement>
     <SharedWithUsers xmlns="636b0322-90fb-440c-9cbc-22749e7231e9">
@@ -44011,7 +43897,7 @@
 </p:properties>
 </file>
 
-<file path=customXml/item2.xml><?xml version="1.0" encoding="utf-8"?>
+<file path=customXml/item3.xml><?xml version="1.0" encoding="utf-8"?>
 <ct:contentTypeSchema xmlns:ct="http://schemas.microsoft.com/office/2006/metadata/contentType" xmlns:ma="http://schemas.microsoft.com/office/2006/metadata/properties/metaAttributes" ct:_="" ma:_="" ma:contentTypeName="Document" ma:contentTypeID="0x010100391E57C78B9F604FB8BAD296D1460E2A" ma:contentTypeVersion="1" ma:contentTypeDescription="Create a new document." ma:contentTypeScope="" ma:versionID="fb382fe2362acd2155f454904f478e4d">
   <xsd:schema xmlns:xsd="http://www.w3.org/2001/XMLSchema" xmlns:xs="http://www.w3.org/2001/XMLSchema" xmlns:p="http://schemas.microsoft.com/office/2006/metadata/properties" xmlns:ns3="636b0322-90fb-440c-9cbc-22749e7231e9" targetNamespace="http://schemas.microsoft.com/office/2006/metadata/properties" ma:root="true" ma:fieldsID="b9887c63ce4710c1aeb75a5f03aecb69" ns3:_="">
     <xsd:import namespace="636b0322-90fb-440c-9cbc-22749e7231e9"/>
@@ -44151,32 +44037,31 @@
 </ct:contentTypeSchema>
 </file>
 
-<file path=customXml/item3.xml><?xml version="1.0" encoding="utf-8"?>
-<?mso-contentType ?>
-<FormTemplates xmlns="http://schemas.microsoft.com/sharepoint/v3/contenttype/forms">
-  <Display>DocumentLibraryForm</Display>
-  <Edit>DocumentLibraryForm</Edit>
-  <New>DocumentLibraryForm</New>
-</FormTemplates>
-</file>
-
 <file path=customXml/itemProps1.xml><?xml version="1.0" encoding="utf-8"?>
-<ds:datastoreItem xmlns:ds="http://schemas.openxmlformats.org/officeDocument/2006/customXml" ds:itemID="{7025FDD9-4C58-4084-9F89-0E6ADD6FFF55}">
+<ds:datastoreItem xmlns:ds="http://schemas.openxmlformats.org/officeDocument/2006/customXml" ds:itemID="{B0CA13EC-1D3C-4D6F-8D1C-E8A452CFC79A}">
   <ds:schemaRefs>
-    <ds:schemaRef ds:uri="http://purl.org/dc/dcmitype/"/>
-    <ds:schemaRef ds:uri="http://schemas.microsoft.com/office/infopath/2007/PartnerControls"/>
-    <ds:schemaRef ds:uri="http://purl.org/dc/elements/1.1/"/>
-    <ds:schemaRef ds:uri="http://schemas.microsoft.com/office/2006/metadata/properties"/>
-    <ds:schemaRef ds:uri="http://schemas.microsoft.com/office/2006/documentManagement/types"/>
-    <ds:schemaRef ds:uri="636b0322-90fb-440c-9cbc-22749e7231e9"/>
-    <ds:schemaRef ds:uri="http://purl.org/dc/terms/"/>
-    <ds:schemaRef ds:uri="http://schemas.openxmlformats.org/package/2006/metadata/core-properties"/>
-    <ds:schemaRef ds:uri="http://www.w3.org/XML/1998/namespace"/>
+    <ds:schemaRef ds:uri="http://schemas.microsoft.com/sharepoint/v3/contenttype/forms"/>
   </ds:schemaRefs>
 </ds:datastoreItem>
 </file>
 
 <file path=customXml/itemProps2.xml><?xml version="1.0" encoding="utf-8"?>
+<ds:datastoreItem xmlns:ds="http://schemas.openxmlformats.org/officeDocument/2006/customXml" ds:itemID="{7025FDD9-4C58-4084-9F89-0E6ADD6FFF55}">
+  <ds:schemaRefs>
+    <ds:schemaRef ds:uri="http://purl.org/dc/terms/"/>
+    <ds:schemaRef ds:uri="636b0322-90fb-440c-9cbc-22749e7231e9"/>
+    <ds:schemaRef ds:uri="http://schemas.microsoft.com/office/infopath/2007/PartnerControls"/>
+    <ds:schemaRef ds:uri="http://www.w3.org/XML/1998/namespace"/>
+    <ds:schemaRef ds:uri="http://schemas.microsoft.com/office/2006/documentManagement/types"/>
+    <ds:schemaRef ds:uri="http://schemas.openxmlformats.org/package/2006/metadata/core-properties"/>
+    <ds:schemaRef ds:uri="http://schemas.microsoft.com/office/2006/metadata/properties"/>
+    <ds:schemaRef ds:uri="http://purl.org/dc/dcmitype/"/>
+    <ds:schemaRef ds:uri="http://purl.org/dc/elements/1.1/"/>
+  </ds:schemaRefs>
+</ds:datastoreItem>
+</file>
+
+<file path=customXml/itemProps3.xml><?xml version="1.0" encoding="utf-8"?>
 <ds:datastoreItem xmlns:ds="http://schemas.openxmlformats.org/officeDocument/2006/customXml" ds:itemID="{7B70CE0C-0988-423A-BF66-B40F6A1061FF}">
   <ds:schemaRefs>
     <ds:schemaRef ds:uri="http://schemas.microsoft.com/office/2006/metadata/contentType"/>
@@ -44192,12 +44077,4 @@
     <ds:schemaRef ds:uri="http://schemas.microsoft.com/internal/obd"/>
   </ds:schemaRefs>
 </ds:datastoreItem>
-</file>
-
-<file path=customXml/itemProps3.xml><?xml version="1.0" encoding="utf-8"?>
-<ds:datastoreItem xmlns:ds="http://schemas.openxmlformats.org/officeDocument/2006/customXml" ds:itemID="{B0CA13EC-1D3C-4D6F-8D1C-E8A452CFC79A}">
-  <ds:schemaRefs>
-    <ds:schemaRef ds:uri="http://schemas.microsoft.com/sharepoint/v3/contenttype/forms"/>
-  </ds:schemaRefs>
-</ds:datastoreItem>
 </file>
--- a/Presentation/IntroToNodeJS/IntroToNodeJS.pptx
+++ b/Presentation/IntroToNodeJS/IntroToNodeJS.pptx
@@ -17,10 +17,10 @@
     <p:sldMasterId id="2147483782" r:id="rId16"/>
   </p:sldMasterIdLst>
   <p:notesMasterIdLst>
-    <p:notesMasterId r:id="rId55"/>
+    <p:notesMasterId r:id="rId56"/>
   </p:notesMasterIdLst>
   <p:handoutMasterIdLst>
-    <p:handoutMasterId r:id="rId56"/>
+    <p:handoutMasterId r:id="rId57"/>
   </p:handoutMasterIdLst>
   <p:sldIdLst>
     <p:sldId id="330" r:id="rId17"/>
@@ -59,8 +59,9 @@
     <p:sldId id="317" r:id="rId50"/>
     <p:sldId id="318" r:id="rId51"/>
     <p:sldId id="319" r:id="rId52"/>
-    <p:sldId id="311" r:id="rId53"/>
-    <p:sldId id="269" r:id="rId54"/>
+    <p:sldId id="334" r:id="rId53"/>
+    <p:sldId id="311" r:id="rId54"/>
+    <p:sldId id="269" r:id="rId55"/>
   </p:sldIdLst>
   <p:sldSz cx="12192000" cy="6858000"/>
   <p:notesSz cx="9144000" cy="6858000"/>
@@ -264,7 +265,7 @@
           <a:p>
             <a:fld id="{312E7B4A-039C-48A2-9B2C-AF16AA3873D8}" type="datetimeFigureOut">
               <a:rPr lang="en-US" smtClean="0"/>
-              <a:t>7/21/2015</a:t>
+              <a:t>7/22/2015</a:t>
             </a:fld>
             <a:endParaRPr lang="en-US"/>
           </a:p>
@@ -429,7 +430,7 @@
           <a:p>
             <a:fld id="{DA005A0C-54D9-45AA-87D4-C551D08DFCE1}" type="datetimeFigureOut">
               <a:rPr lang="en-US" smtClean="0"/>
-              <a:t>7/21/2015</a:t>
+              <a:t>7/22/2015</a:t>
             </a:fld>
             <a:endParaRPr lang="en-US"/>
           </a:p>
@@ -2238,6 +2239,247 @@
     <p:extLst>
       <p:ext uri="{BB962C8B-B14F-4D97-AF65-F5344CB8AC3E}">
         <p14:creationId xmlns:p14="http://schemas.microsoft.com/office/powerpoint/2010/main" val="1050790002"/>
+      </p:ext>
+    </p:extLst>
+  </p:cSld>
+  <p:clrMapOvr>
+    <a:masterClrMapping/>
+  </p:clrMapOvr>
+  <p:timing>
+    <p:tnLst>
+      <p:par>
+        <p:cTn id="1" dur="indefinite" restart="never" nodeType="tmRoot"/>
+      </p:par>
+    </p:tnLst>
+  </p:timing>
+</p:sldLayout>
+</file>
+
+<file path=ppt/slideLayouts/slideLayout100.xml><?xml version="1.0" encoding="utf-8"?>
+<p:sldLayout xmlns:a="http://schemas.openxmlformats.org/drawingml/2006/main" xmlns:r="http://schemas.openxmlformats.org/officeDocument/2006/relationships" xmlns:p="http://schemas.openxmlformats.org/presentationml/2006/main" type="objTx" preserve="1">
+  <p:cSld name="Content with Caption">
+    <p:bg>
+      <p:bgPr>
+        <a:solidFill>
+          <a:schemeClr val="tx1"/>
+        </a:solidFill>
+        <a:effectLst/>
+      </p:bgPr>
+    </p:bg>
+    <p:spTree>
+      <p:nvGrpSpPr>
+        <p:cNvPr id="1" name=""/>
+        <p:cNvGrpSpPr/>
+        <p:nvPr/>
+      </p:nvGrpSpPr>
+      <p:grpSpPr>
+        <a:xfrm>
+          <a:off x="0" y="0"/>
+          <a:ext cx="0" cy="0"/>
+          <a:chOff x="0" y="0"/>
+          <a:chExt cx="0" cy="0"/>
+        </a:xfrm>
+      </p:grpSpPr>
+      <p:sp>
+        <p:nvSpPr>
+          <p:cNvPr id="2" name="Title 1"/>
+          <p:cNvSpPr>
+            <a:spLocks noGrp="1"/>
+          </p:cNvSpPr>
+          <p:nvPr>
+            <p:ph type="title"/>
+          </p:nvPr>
+        </p:nvSpPr>
+        <p:spPr>
+          <a:xfrm>
+            <a:off x="560798" y="457199"/>
+            <a:ext cx="4211227" cy="1936679"/>
+          </a:xfrm>
+        </p:spPr>
+        <p:txBody>
+          <a:bodyPr anchor="b">
+            <a:noAutofit/>
+          </a:bodyPr>
+          <a:lstStyle>
+            <a:lvl1pPr>
+              <a:defRPr sz="4000"/>
+            </a:lvl1pPr>
+          </a:lstStyle>
+          <a:p>
+            <a:r>
+              <a:rPr lang="en-US" smtClean="0"/>
+              <a:t>Click to edit Master title style</a:t>
+            </a:r>
+            <a:endParaRPr lang="en-US"/>
+          </a:p>
+        </p:txBody>
+      </p:sp>
+      <p:sp>
+        <p:nvSpPr>
+          <p:cNvPr id="3" name="Content Placeholder 2"/>
+          <p:cNvSpPr>
+            <a:spLocks noGrp="1"/>
+          </p:cNvSpPr>
+          <p:nvPr>
+            <p:ph idx="1"/>
+          </p:nvPr>
+        </p:nvSpPr>
+        <p:spPr>
+          <a:xfrm>
+            <a:off x="5183188" y="987425"/>
+            <a:ext cx="6457432" cy="4873625"/>
+          </a:xfrm>
+        </p:spPr>
+        <p:txBody>
+          <a:bodyPr/>
+          <a:lstStyle>
+            <a:lvl1pPr>
+              <a:defRPr sz="3200">
+                <a:latin typeface="+mj-lt"/>
+              </a:defRPr>
+            </a:lvl1pPr>
+            <a:lvl2pPr>
+              <a:defRPr sz="2800">
+                <a:latin typeface="+mj-lt"/>
+              </a:defRPr>
+            </a:lvl2pPr>
+            <a:lvl3pPr>
+              <a:defRPr sz="2400">
+                <a:latin typeface="+mj-lt"/>
+              </a:defRPr>
+            </a:lvl3pPr>
+            <a:lvl4pPr>
+              <a:defRPr sz="2000">
+                <a:latin typeface="+mj-lt"/>
+              </a:defRPr>
+            </a:lvl4pPr>
+            <a:lvl5pPr>
+              <a:defRPr sz="2000">
+                <a:latin typeface="+mj-lt"/>
+              </a:defRPr>
+            </a:lvl5pPr>
+            <a:lvl6pPr>
+              <a:defRPr sz="2000"/>
+            </a:lvl6pPr>
+            <a:lvl7pPr>
+              <a:defRPr sz="2000"/>
+            </a:lvl7pPr>
+            <a:lvl8pPr>
+              <a:defRPr sz="2000"/>
+            </a:lvl8pPr>
+            <a:lvl9pPr>
+              <a:defRPr sz="2000"/>
+            </a:lvl9pPr>
+          </a:lstStyle>
+          <a:p>
+            <a:pPr lvl="0"/>
+            <a:r>
+              <a:rPr lang="en-US" smtClean="0"/>
+              <a:t>Click to edit Master text styles</a:t>
+            </a:r>
+          </a:p>
+          <a:p>
+            <a:pPr lvl="1"/>
+            <a:r>
+              <a:rPr lang="en-US" smtClean="0"/>
+              <a:t>Second level</a:t>
+            </a:r>
+          </a:p>
+          <a:p>
+            <a:pPr lvl="2"/>
+            <a:r>
+              <a:rPr lang="en-US" smtClean="0"/>
+              <a:t>Third level</a:t>
+            </a:r>
+          </a:p>
+          <a:p>
+            <a:pPr lvl="3"/>
+            <a:r>
+              <a:rPr lang="en-US" smtClean="0"/>
+              <a:t>Fourth level</a:t>
+            </a:r>
+          </a:p>
+          <a:p>
+            <a:pPr lvl="4"/>
+            <a:r>
+              <a:rPr lang="en-US" smtClean="0"/>
+              <a:t>Fifth level</a:t>
+            </a:r>
+            <a:endParaRPr lang="en-US"/>
+          </a:p>
+        </p:txBody>
+      </p:sp>
+      <p:sp>
+        <p:nvSpPr>
+          <p:cNvPr id="4" name="Text Placeholder 3"/>
+          <p:cNvSpPr>
+            <a:spLocks noGrp="1"/>
+          </p:cNvSpPr>
+          <p:nvPr>
+            <p:ph type="body" sz="half" idx="2"/>
+          </p:nvPr>
+        </p:nvSpPr>
+        <p:spPr>
+          <a:xfrm>
+            <a:off x="560798" y="2604070"/>
+            <a:ext cx="4211227" cy="3264917"/>
+          </a:xfrm>
+        </p:spPr>
+        <p:txBody>
+          <a:bodyPr>
+            <a:normAutofit/>
+          </a:bodyPr>
+          <a:lstStyle>
+            <a:lvl1pPr marL="0" indent="0">
+              <a:buNone/>
+              <a:defRPr sz="2000"/>
+            </a:lvl1pPr>
+            <a:lvl2pPr marL="457200" indent="0">
+              <a:buNone/>
+              <a:defRPr sz="1400"/>
+            </a:lvl2pPr>
+            <a:lvl3pPr marL="914400" indent="0">
+              <a:buNone/>
+              <a:defRPr sz="1200"/>
+            </a:lvl3pPr>
+            <a:lvl4pPr marL="1371600" indent="0">
+              <a:buNone/>
+              <a:defRPr sz="1000"/>
+            </a:lvl4pPr>
+            <a:lvl5pPr marL="1828800" indent="0">
+              <a:buNone/>
+              <a:defRPr sz="1000"/>
+            </a:lvl5pPr>
+            <a:lvl6pPr marL="2286000" indent="0">
+              <a:buNone/>
+              <a:defRPr sz="1000"/>
+            </a:lvl6pPr>
+            <a:lvl7pPr marL="2743200" indent="0">
+              <a:buNone/>
+              <a:defRPr sz="1000"/>
+            </a:lvl7pPr>
+            <a:lvl8pPr marL="3200400" indent="0">
+              <a:buNone/>
+              <a:defRPr sz="1000"/>
+            </a:lvl8pPr>
+            <a:lvl9pPr marL="3657600" indent="0">
+              <a:buNone/>
+              <a:defRPr sz="1000"/>
+            </a:lvl9pPr>
+          </a:lstStyle>
+          <a:p>
+            <a:pPr lvl="0"/>
+            <a:r>
+              <a:rPr lang="en-US" smtClean="0"/>
+              <a:t>Click to edit Master text styles</a:t>
+            </a:r>
+          </a:p>
+        </p:txBody>
+      </p:sp>
+    </p:spTree>
+    <p:extLst>
+      <p:ext uri="{BB962C8B-B14F-4D97-AF65-F5344CB8AC3E}">
+        <p14:creationId xmlns:p14="http://schemas.microsoft.com/office/powerpoint/2010/main" val="3579493188"/>
       </p:ext>
     </p:extLst>
   </p:cSld>
@@ -14777,6 +15019,134 @@
 </file>
 
 <file path=ppt/slideLayouts/slideLayout65.xml><?xml version="1.0" encoding="utf-8"?>
+<p:sldLayout xmlns:a="http://schemas.openxmlformats.org/drawingml/2006/main" xmlns:r="http://schemas.openxmlformats.org/officeDocument/2006/relationships" xmlns:p="http://schemas.openxmlformats.org/presentationml/2006/main" userDrawn="1">
+  <p:cSld name="1_Demo">
+    <p:bg>
+      <p:bgPr>
+        <a:solidFill>
+          <a:srgbClr val="3C454F"/>
+        </a:solidFill>
+        <a:effectLst/>
+      </p:bgPr>
+    </p:bg>
+    <p:spTree>
+      <p:nvGrpSpPr>
+        <p:cNvPr id="1" name=""/>
+        <p:cNvGrpSpPr/>
+        <p:nvPr/>
+      </p:nvGrpSpPr>
+      <p:grpSpPr>
+        <a:xfrm>
+          <a:off x="0" y="0"/>
+          <a:ext cx="0" cy="0"/>
+          <a:chOff x="0" y="0"/>
+          <a:chExt cx="0" cy="0"/>
+        </a:xfrm>
+      </p:grpSpPr>
+      <p:sp>
+        <p:nvSpPr>
+          <p:cNvPr id="4" name="TextBox 3"/>
+          <p:cNvSpPr txBox="1"/>
+          <p:nvPr/>
+        </p:nvSpPr>
+        <p:spPr>
+          <a:xfrm>
+            <a:off x="606174" y="2586375"/>
+            <a:ext cx="11034445" cy="1015663"/>
+          </a:xfrm>
+          <a:prstGeom prst="rect">
+            <a:avLst/>
+          </a:prstGeom>
+          <a:noFill/>
+        </p:spPr>
+        <p:txBody>
+          <a:bodyPr wrap="square" rtlCol="0">
+            <a:spAutoFit/>
+          </a:bodyPr>
+          <a:lstStyle/>
+          <a:p>
+            <a:r>
+              <a:rPr lang="en-US" sz="6000" kern="1200" dirty="0" smtClean="0">
+                <a:solidFill>
+                  <a:srgbClr val="289FD7"/>
+                </a:solidFill>
+                <a:latin typeface="+mj-lt"/>
+                <a:ea typeface="+mj-ea"/>
+                <a:cs typeface="+mj-cs"/>
+              </a:rPr>
+              <a:t>Demo</a:t>
+            </a:r>
+            <a:endParaRPr lang="en-US" sz="6000" kern="1200" dirty="0">
+              <a:solidFill>
+                <a:srgbClr val="289FD7"/>
+              </a:solidFill>
+              <a:latin typeface="+mj-lt"/>
+              <a:ea typeface="+mj-ea"/>
+              <a:cs typeface="+mj-cs"/>
+            </a:endParaRPr>
+          </a:p>
+        </p:txBody>
+      </p:sp>
+      <p:sp>
+        <p:nvSpPr>
+          <p:cNvPr id="2" name="Title 1"/>
+          <p:cNvSpPr>
+            <a:spLocks noGrp="1"/>
+          </p:cNvSpPr>
+          <p:nvPr>
+            <p:ph type="title"/>
+          </p:nvPr>
+        </p:nvSpPr>
+        <p:spPr>
+          <a:xfrm>
+            <a:off x="606173" y="3602038"/>
+            <a:ext cx="11034445" cy="1643062"/>
+          </a:xfrm>
+        </p:spPr>
+        <p:txBody>
+          <a:bodyPr anchor="t"/>
+          <a:lstStyle>
+            <a:lvl1pPr>
+              <a:defRPr lang="en-US" sz="3600" kern="1200" smtClean="0">
+                <a:solidFill>
+                  <a:schemeClr val="bg1"/>
+                </a:solidFill>
+                <a:latin typeface="+mn-lt"/>
+                <a:ea typeface="+mn-ea"/>
+                <a:cs typeface="+mn-cs"/>
+              </a:defRPr>
+            </a:lvl1pPr>
+          </a:lstStyle>
+          <a:p>
+            <a:r>
+              <a:rPr lang="en-US" dirty="0" smtClean="0"/>
+              <a:t>Click to edit Master title style</a:t>
+            </a:r>
+            <a:endParaRPr lang="en-US" dirty="0"/>
+          </a:p>
+        </p:txBody>
+      </p:sp>
+    </p:spTree>
+    <p:extLst>
+      <p:ext uri="{BB962C8B-B14F-4D97-AF65-F5344CB8AC3E}">
+        <p14:creationId xmlns:p14="http://schemas.microsoft.com/office/powerpoint/2010/main" val="1711270620"/>
+      </p:ext>
+    </p:extLst>
+  </p:cSld>
+  <p:clrMapOvr>
+    <a:masterClrMapping/>
+  </p:clrMapOvr>
+  <p:timing>
+    <p:tnLst>
+      <p:par>
+        <p:cTn id="1" dur="indefinite" restart="never" nodeType="tmRoot"/>
+      </p:par>
+    </p:tnLst>
+  </p:timing>
+</p:sldLayout>
+</file>
+
+<file path=ppt/slideLayouts/slideLayout66.xml><?xml version="1.0" encoding="utf-8"?>
 <p:sldLayout xmlns:a="http://schemas.openxmlformats.org/drawingml/2006/main" xmlns:r="http://schemas.openxmlformats.org/officeDocument/2006/relationships" xmlns:p="http://schemas.openxmlformats.org/presentationml/2006/main" type="title" preserve="1">
   <p:cSld name="Title Slide">
     <p:bg>
@@ -14920,7 +15290,7 @@
 </p:sldLayout>
 </file>
 
-<file path=ppt/slideLayouts/slideLayout66.xml><?xml version="1.0" encoding="utf-8"?>
+<file path=ppt/slideLayouts/slideLayout67.xml><?xml version="1.0" encoding="utf-8"?>
 <p:sldLayout xmlns:a="http://schemas.openxmlformats.org/drawingml/2006/main" xmlns:r="http://schemas.openxmlformats.org/officeDocument/2006/relationships" xmlns:p="http://schemas.openxmlformats.org/presentationml/2006/main" type="obj" preserve="1">
   <p:cSld name="Title and Content">
     <p:bg>
@@ -15040,7 +15410,7 @@
 </p:sldLayout>
 </file>
 
-<file path=ppt/slideLayouts/slideLayout67.xml><?xml version="1.0" encoding="utf-8"?>
+<file path=ppt/slideLayouts/slideLayout68.xml><?xml version="1.0" encoding="utf-8"?>
 <p:sldLayout xmlns:a="http://schemas.openxmlformats.org/drawingml/2006/main" xmlns:r="http://schemas.openxmlformats.org/officeDocument/2006/relationships" xmlns:p="http://schemas.openxmlformats.org/presentationml/2006/main" preserve="1">
   <p:cSld name="1_Title and Content">
     <p:spTree>
@@ -15197,7 +15567,7 @@
 </p:sldLayout>
 </file>
 
-<file path=ppt/slideLayouts/slideLayout68.xml><?xml version="1.0" encoding="utf-8"?>
+<file path=ppt/slideLayouts/slideLayout69.xml><?xml version="1.0" encoding="utf-8"?>
 <p:sldLayout xmlns:a="http://schemas.openxmlformats.org/drawingml/2006/main" xmlns:r="http://schemas.openxmlformats.org/officeDocument/2006/relationships" xmlns:p="http://schemas.openxmlformats.org/presentationml/2006/main" type="titleOnly" preserve="1">
   <p:cSld name="Title Only">
     <p:bg>
@@ -15265,7 +15635,119 @@
 </p:sldLayout>
 </file>
 
-<file path=ppt/slideLayouts/slideLayout69.xml><?xml version="1.0" encoding="utf-8"?>
+<file path=ppt/slideLayouts/slideLayout7.xml><?xml version="1.0" encoding="utf-8"?>
+<p:sldLayout xmlns:a="http://schemas.openxmlformats.org/drawingml/2006/main" xmlns:r="http://schemas.openxmlformats.org/officeDocument/2006/relationships" xmlns:p="http://schemas.openxmlformats.org/presentationml/2006/main" type="obj" preserve="1">
+  <p:cSld name="Title and Content">
+    <p:spTree>
+      <p:nvGrpSpPr>
+        <p:cNvPr id="1" name=""/>
+        <p:cNvGrpSpPr/>
+        <p:nvPr/>
+      </p:nvGrpSpPr>
+      <p:grpSpPr>
+        <a:xfrm>
+          <a:off x="0" y="0"/>
+          <a:ext cx="0" cy="0"/>
+          <a:chOff x="0" y="0"/>
+          <a:chExt cx="0" cy="0"/>
+        </a:xfrm>
+      </p:grpSpPr>
+      <p:sp>
+        <p:nvSpPr>
+          <p:cNvPr id="2" name="Title 1"/>
+          <p:cNvSpPr>
+            <a:spLocks noGrp="1"/>
+          </p:cNvSpPr>
+          <p:nvPr>
+            <p:ph type="title"/>
+          </p:nvPr>
+        </p:nvSpPr>
+        <p:spPr/>
+        <p:txBody>
+          <a:bodyPr/>
+          <a:lstStyle/>
+          <a:p>
+            <a:r>
+              <a:rPr lang="en-US" smtClean="0"/>
+              <a:t>Click to edit Master title style</a:t>
+            </a:r>
+            <a:endParaRPr lang="en-US"/>
+          </a:p>
+        </p:txBody>
+      </p:sp>
+      <p:sp>
+        <p:nvSpPr>
+          <p:cNvPr id="3" name="Content Placeholder 2"/>
+          <p:cNvSpPr>
+            <a:spLocks noGrp="1"/>
+          </p:cNvSpPr>
+          <p:nvPr>
+            <p:ph idx="1"/>
+          </p:nvPr>
+        </p:nvSpPr>
+        <p:spPr/>
+        <p:txBody>
+          <a:bodyPr/>
+          <a:lstStyle/>
+          <a:p>
+            <a:pPr lvl="0"/>
+            <a:r>
+              <a:rPr lang="en-US" smtClean="0"/>
+              <a:t>Click to edit Master text styles</a:t>
+            </a:r>
+          </a:p>
+          <a:p>
+            <a:pPr lvl="1"/>
+            <a:r>
+              <a:rPr lang="en-US" smtClean="0"/>
+              <a:t>Second level</a:t>
+            </a:r>
+          </a:p>
+          <a:p>
+            <a:pPr lvl="2"/>
+            <a:r>
+              <a:rPr lang="en-US" smtClean="0"/>
+              <a:t>Third level</a:t>
+            </a:r>
+          </a:p>
+          <a:p>
+            <a:pPr lvl="3"/>
+            <a:r>
+              <a:rPr lang="en-US" smtClean="0"/>
+              <a:t>Fourth level</a:t>
+            </a:r>
+          </a:p>
+          <a:p>
+            <a:pPr lvl="4"/>
+            <a:r>
+              <a:rPr lang="en-US" smtClean="0"/>
+              <a:t>Fifth level</a:t>
+            </a:r>
+            <a:endParaRPr lang="en-US"/>
+          </a:p>
+        </p:txBody>
+      </p:sp>
+    </p:spTree>
+    <p:extLst>
+      <p:ext uri="{BB962C8B-B14F-4D97-AF65-F5344CB8AC3E}">
+        <p14:creationId xmlns:p14="http://schemas.microsoft.com/office/powerpoint/2010/main" val="367927830"/>
+      </p:ext>
+    </p:extLst>
+  </p:cSld>
+  <p:clrMapOvr>
+    <a:masterClrMapping/>
+  </p:clrMapOvr>
+  <p:timing>
+    <p:tnLst>
+      <p:par>
+        <p:cTn id="1" dur="indefinite" restart="never" nodeType="tmRoot"/>
+      </p:par>
+    </p:tnLst>
+  </p:timing>
+</p:sldLayout>
+</file>
+
+<file path=ppt/slideLayouts/slideLayout70.xml><?xml version="1.0" encoding="utf-8"?>
 <p:sldLayout xmlns:a="http://schemas.openxmlformats.org/drawingml/2006/main" xmlns:r="http://schemas.openxmlformats.org/officeDocument/2006/relationships" xmlns:p="http://schemas.openxmlformats.org/presentationml/2006/main" preserve="1">
   <p:cSld name="1_Title Only">
     <p:spTree>
@@ -16207,119 +16689,7 @@
 </p:sldLayout>
 </file>
 
-<file path=ppt/slideLayouts/slideLayout7.xml><?xml version="1.0" encoding="utf-8"?>
-<p:sldLayout xmlns:a="http://schemas.openxmlformats.org/drawingml/2006/main" xmlns:r="http://schemas.openxmlformats.org/officeDocument/2006/relationships" xmlns:p="http://schemas.openxmlformats.org/presentationml/2006/main" type="obj" preserve="1">
-  <p:cSld name="Title and Content">
-    <p:spTree>
-      <p:nvGrpSpPr>
-        <p:cNvPr id="1" name=""/>
-        <p:cNvGrpSpPr/>
-        <p:nvPr/>
-      </p:nvGrpSpPr>
-      <p:grpSpPr>
-        <a:xfrm>
-          <a:off x="0" y="0"/>
-          <a:ext cx="0" cy="0"/>
-          <a:chOff x="0" y="0"/>
-          <a:chExt cx="0" cy="0"/>
-        </a:xfrm>
-      </p:grpSpPr>
-      <p:sp>
-        <p:nvSpPr>
-          <p:cNvPr id="2" name="Title 1"/>
-          <p:cNvSpPr>
-            <a:spLocks noGrp="1"/>
-          </p:cNvSpPr>
-          <p:nvPr>
-            <p:ph type="title"/>
-          </p:nvPr>
-        </p:nvSpPr>
-        <p:spPr/>
-        <p:txBody>
-          <a:bodyPr/>
-          <a:lstStyle/>
-          <a:p>
-            <a:r>
-              <a:rPr lang="en-US" smtClean="0"/>
-              <a:t>Click to edit Master title style</a:t>
-            </a:r>
-            <a:endParaRPr lang="en-US"/>
-          </a:p>
-        </p:txBody>
-      </p:sp>
-      <p:sp>
-        <p:nvSpPr>
-          <p:cNvPr id="3" name="Content Placeholder 2"/>
-          <p:cNvSpPr>
-            <a:spLocks noGrp="1"/>
-          </p:cNvSpPr>
-          <p:nvPr>
-            <p:ph idx="1"/>
-          </p:nvPr>
-        </p:nvSpPr>
-        <p:spPr/>
-        <p:txBody>
-          <a:bodyPr/>
-          <a:lstStyle/>
-          <a:p>
-            <a:pPr lvl="0"/>
-            <a:r>
-              <a:rPr lang="en-US" smtClean="0"/>
-              <a:t>Click to edit Master text styles</a:t>
-            </a:r>
-          </a:p>
-          <a:p>
-            <a:pPr lvl="1"/>
-            <a:r>
-              <a:rPr lang="en-US" smtClean="0"/>
-              <a:t>Second level</a:t>
-            </a:r>
-          </a:p>
-          <a:p>
-            <a:pPr lvl="2"/>
-            <a:r>
-              <a:rPr lang="en-US" smtClean="0"/>
-              <a:t>Third level</a:t>
-            </a:r>
-          </a:p>
-          <a:p>
-            <a:pPr lvl="3"/>
-            <a:r>
-              <a:rPr lang="en-US" smtClean="0"/>
-              <a:t>Fourth level</a:t>
-            </a:r>
-          </a:p>
-          <a:p>
-            <a:pPr lvl="4"/>
-            <a:r>
-              <a:rPr lang="en-US" smtClean="0"/>
-              <a:t>Fifth level</a:t>
-            </a:r>
-            <a:endParaRPr lang="en-US"/>
-          </a:p>
-        </p:txBody>
-      </p:sp>
-    </p:spTree>
-    <p:extLst>
-      <p:ext uri="{BB962C8B-B14F-4D97-AF65-F5344CB8AC3E}">
-        <p14:creationId xmlns:p14="http://schemas.microsoft.com/office/powerpoint/2010/main" val="367927830"/>
-      </p:ext>
-    </p:extLst>
-  </p:cSld>
-  <p:clrMapOvr>
-    <a:masterClrMapping/>
-  </p:clrMapOvr>
-  <p:timing>
-    <p:tnLst>
-      <p:par>
-        <p:cTn id="1" dur="indefinite" restart="never" nodeType="tmRoot"/>
-      </p:par>
-    </p:tnLst>
-  </p:timing>
-</p:sldLayout>
-</file>
-
-<file path=ppt/slideLayouts/slideLayout70.xml><?xml version="1.0" encoding="utf-8"?>
+<file path=ppt/slideLayouts/slideLayout71.xml><?xml version="1.0" encoding="utf-8"?>
 <p:sldLayout xmlns:a="http://schemas.openxmlformats.org/drawingml/2006/main" xmlns:r="http://schemas.openxmlformats.org/officeDocument/2006/relationships" xmlns:p="http://schemas.openxmlformats.org/presentationml/2006/main" type="blank" preserve="1">
   <p:cSld name="1_Blank">
     <p:bg>
@@ -16364,7 +16734,7 @@
 </p:sldLayout>
 </file>
 
-<file path=ppt/slideLayouts/slideLayout71.xml><?xml version="1.0" encoding="utf-8"?>
+<file path=ppt/slideLayouts/slideLayout72.xml><?xml version="1.0" encoding="utf-8"?>
 <p:sldLayout xmlns:a="http://schemas.openxmlformats.org/drawingml/2006/main" xmlns:r="http://schemas.openxmlformats.org/officeDocument/2006/relationships" xmlns:p="http://schemas.openxmlformats.org/presentationml/2006/main" type="objTx" preserve="1">
   <p:cSld name="Content with Caption">
     <p:bg>
@@ -16605,7 +16975,7 @@
 </p:sldLayout>
 </file>
 
-<file path=ppt/slideLayouts/slideLayout72.xml><?xml version="1.0" encoding="utf-8"?>
+<file path=ppt/slideLayouts/slideLayout73.xml><?xml version="1.0" encoding="utf-8"?>
 <p:sldLayout xmlns:a="http://schemas.openxmlformats.org/drawingml/2006/main" xmlns:r="http://schemas.openxmlformats.org/officeDocument/2006/relationships" xmlns:p="http://schemas.openxmlformats.org/presentationml/2006/main" type="title" preserve="1">
   <p:cSld name="Title Slide">
     <p:bg>
@@ -16749,7 +17119,7 @@
 </p:sldLayout>
 </file>
 
-<file path=ppt/slideLayouts/slideLayout73.xml><?xml version="1.0" encoding="utf-8"?>
+<file path=ppt/slideLayouts/slideLayout74.xml><?xml version="1.0" encoding="utf-8"?>
 <p:sldLayout xmlns:a="http://schemas.openxmlformats.org/drawingml/2006/main" xmlns:r="http://schemas.openxmlformats.org/officeDocument/2006/relationships" xmlns:p="http://schemas.openxmlformats.org/presentationml/2006/main" type="obj" preserve="1">
   <p:cSld name="Title and Content">
     <p:bg>
@@ -16869,7 +17239,7 @@
 </p:sldLayout>
 </file>
 
-<file path=ppt/slideLayouts/slideLayout74.xml><?xml version="1.0" encoding="utf-8"?>
+<file path=ppt/slideLayouts/slideLayout75.xml><?xml version="1.0" encoding="utf-8"?>
 <p:sldLayout xmlns:a="http://schemas.openxmlformats.org/drawingml/2006/main" xmlns:r="http://schemas.openxmlformats.org/officeDocument/2006/relationships" xmlns:p="http://schemas.openxmlformats.org/presentationml/2006/main" preserve="1">
   <p:cSld name="1_Title and Content">
     <p:spTree>
@@ -17026,7 +17396,7 @@
 </p:sldLayout>
 </file>
 
-<file path=ppt/slideLayouts/slideLayout75.xml><?xml version="1.0" encoding="utf-8"?>
+<file path=ppt/slideLayouts/slideLayout76.xml><?xml version="1.0" encoding="utf-8"?>
 <p:sldLayout xmlns:a="http://schemas.openxmlformats.org/drawingml/2006/main" xmlns:r="http://schemas.openxmlformats.org/officeDocument/2006/relationships" xmlns:p="http://schemas.openxmlformats.org/presentationml/2006/main" type="titleOnly" preserve="1">
   <p:cSld name="Title Only">
     <p:bg>
@@ -17094,7 +17464,7 @@
 </p:sldLayout>
 </file>
 
-<file path=ppt/slideLayouts/slideLayout76.xml><?xml version="1.0" encoding="utf-8"?>
+<file path=ppt/slideLayouts/slideLayout77.xml><?xml version="1.0" encoding="utf-8"?>
 <p:sldLayout xmlns:a="http://schemas.openxmlformats.org/drawingml/2006/main" xmlns:r="http://schemas.openxmlformats.org/officeDocument/2006/relationships" xmlns:p="http://schemas.openxmlformats.org/presentationml/2006/main" preserve="1">
   <p:cSld name="1_Title Only">
     <p:spTree>
@@ -18092,7 +18462,7 @@
 </p:sldLayout>
 </file>
 
-<file path=ppt/slideLayouts/slideLayout77.xml><?xml version="1.0" encoding="utf-8"?>
+<file path=ppt/slideLayouts/slideLayout78.xml><?xml version="1.0" encoding="utf-8"?>
 <p:sldLayout xmlns:a="http://schemas.openxmlformats.org/drawingml/2006/main" xmlns:r="http://schemas.openxmlformats.org/officeDocument/2006/relationships" xmlns:p="http://schemas.openxmlformats.org/presentationml/2006/main" type="blank" preserve="1">
   <p:cSld name="1_Blank">
     <p:bg>
@@ -18137,7 +18507,7 @@
 </p:sldLayout>
 </file>
 
-<file path=ppt/slideLayouts/slideLayout78.xml><?xml version="1.0" encoding="utf-8"?>
+<file path=ppt/slideLayouts/slideLayout79.xml><?xml version="1.0" encoding="utf-8"?>
 <p:sldLayout xmlns:a="http://schemas.openxmlformats.org/drawingml/2006/main" xmlns:r="http://schemas.openxmlformats.org/officeDocument/2006/relationships" xmlns:p="http://schemas.openxmlformats.org/presentationml/2006/main" type="objTx" preserve="1">
   <p:cSld name="Content with Caption">
     <p:bg>
@@ -18378,7 +18748,164 @@
 </p:sldLayout>
 </file>
 
-<file path=ppt/slideLayouts/slideLayout79.xml><?xml version="1.0" encoding="utf-8"?>
+<file path=ppt/slideLayouts/slideLayout8.xml><?xml version="1.0" encoding="utf-8"?>
+<p:sldLayout xmlns:a="http://schemas.openxmlformats.org/drawingml/2006/main" xmlns:r="http://schemas.openxmlformats.org/officeDocument/2006/relationships" xmlns:p="http://schemas.openxmlformats.org/presentationml/2006/main" preserve="1">
+  <p:cSld name="1_Title and Content">
+    <p:spTree>
+      <p:nvGrpSpPr>
+        <p:cNvPr id="1" name=""/>
+        <p:cNvGrpSpPr/>
+        <p:nvPr/>
+      </p:nvGrpSpPr>
+      <p:grpSpPr>
+        <a:xfrm>
+          <a:off x="0" y="0"/>
+          <a:ext cx="0" cy="0"/>
+          <a:chOff x="0" y="0"/>
+          <a:chExt cx="0" cy="0"/>
+        </a:xfrm>
+      </p:grpSpPr>
+      <p:sp>
+        <p:nvSpPr>
+          <p:cNvPr id="2" name="Title 1"/>
+          <p:cNvSpPr>
+            <a:spLocks noGrp="1"/>
+          </p:cNvSpPr>
+          <p:nvPr>
+            <p:ph type="title"/>
+          </p:nvPr>
+        </p:nvSpPr>
+        <p:spPr/>
+        <p:txBody>
+          <a:bodyPr/>
+          <a:lstStyle/>
+          <a:p>
+            <a:r>
+              <a:rPr lang="en-US" smtClean="0"/>
+              <a:t>Click to edit Master title style</a:t>
+            </a:r>
+            <a:endParaRPr lang="en-US"/>
+          </a:p>
+        </p:txBody>
+      </p:sp>
+      <p:sp>
+        <p:nvSpPr>
+          <p:cNvPr id="3" name="Content Placeholder 2"/>
+          <p:cNvSpPr>
+            <a:spLocks noGrp="1"/>
+          </p:cNvSpPr>
+          <p:nvPr>
+            <p:ph idx="1"/>
+          </p:nvPr>
+        </p:nvSpPr>
+        <p:spPr>
+          <a:xfrm>
+            <a:off x="560798" y="2111604"/>
+            <a:ext cx="11079822" cy="3980971"/>
+          </a:xfrm>
+        </p:spPr>
+        <p:txBody>
+          <a:bodyPr/>
+          <a:lstStyle/>
+          <a:p>
+            <a:pPr lvl="0"/>
+            <a:r>
+              <a:rPr lang="en-US" smtClean="0"/>
+              <a:t>Click to edit Master text styles</a:t>
+            </a:r>
+          </a:p>
+          <a:p>
+            <a:pPr lvl="1"/>
+            <a:r>
+              <a:rPr lang="en-US" smtClean="0"/>
+              <a:t>Second level</a:t>
+            </a:r>
+          </a:p>
+          <a:p>
+            <a:pPr lvl="2"/>
+            <a:r>
+              <a:rPr lang="en-US" smtClean="0"/>
+              <a:t>Third level</a:t>
+            </a:r>
+          </a:p>
+          <a:p>
+            <a:pPr lvl="3"/>
+            <a:r>
+              <a:rPr lang="en-US" smtClean="0"/>
+              <a:t>Fourth level</a:t>
+            </a:r>
+          </a:p>
+          <a:p>
+            <a:pPr lvl="4"/>
+            <a:r>
+              <a:rPr lang="en-US" smtClean="0"/>
+              <a:t>Fifth level</a:t>
+            </a:r>
+            <a:endParaRPr lang="en-US"/>
+          </a:p>
+        </p:txBody>
+      </p:sp>
+      <p:sp>
+        <p:nvSpPr>
+          <p:cNvPr id="5" name="Text Placeholder 4"/>
+          <p:cNvSpPr>
+            <a:spLocks noGrp="1"/>
+          </p:cNvSpPr>
+          <p:nvPr>
+            <p:ph type="body" sz="quarter" idx="13" hasCustomPrompt="1"/>
+          </p:nvPr>
+        </p:nvSpPr>
+        <p:spPr>
+          <a:xfrm>
+            <a:off x="560388" y="1534096"/>
+            <a:ext cx="11080750" cy="437594"/>
+          </a:xfrm>
+        </p:spPr>
+        <p:txBody>
+          <a:bodyPr>
+            <a:normAutofit/>
+          </a:bodyPr>
+          <a:lstStyle>
+            <a:lvl1pPr marL="0" indent="0">
+              <a:buFontTx/>
+              <a:buNone/>
+              <a:defRPr sz="2000" cap="all" baseline="0"/>
+            </a:lvl1pPr>
+            <a:lvl5pPr>
+              <a:defRPr/>
+            </a:lvl5pPr>
+          </a:lstStyle>
+          <a:p>
+            <a:pPr lvl="0"/>
+            <a:r>
+              <a:rPr lang="en-US" dirty="0" smtClean="0"/>
+              <a:t>Secondary refining headline</a:t>
+            </a:r>
+            <a:endParaRPr lang="en-US" dirty="0"/>
+          </a:p>
+        </p:txBody>
+      </p:sp>
+    </p:spTree>
+    <p:extLst>
+      <p:ext uri="{BB962C8B-B14F-4D97-AF65-F5344CB8AC3E}">
+        <p14:creationId xmlns:p14="http://schemas.microsoft.com/office/powerpoint/2010/main" val="1958454734"/>
+      </p:ext>
+    </p:extLst>
+  </p:cSld>
+  <p:clrMapOvr>
+    <a:masterClrMapping/>
+  </p:clrMapOvr>
+  <p:timing>
+    <p:tnLst>
+      <p:par>
+        <p:cTn id="1" dur="indefinite" restart="never" nodeType="tmRoot"/>
+      </p:par>
+    </p:tnLst>
+  </p:timing>
+</p:sldLayout>
+</file>
+
+<file path=ppt/slideLayouts/slideLayout80.xml><?xml version="1.0" encoding="utf-8"?>
 <p:sldLayout xmlns:a="http://schemas.openxmlformats.org/drawingml/2006/main" xmlns:r="http://schemas.openxmlformats.org/officeDocument/2006/relationships" xmlns:p="http://schemas.openxmlformats.org/presentationml/2006/main" type="title" preserve="1">
   <p:cSld name="Title Slide">
     <p:bg>
@@ -18522,164 +19049,7 @@
 </p:sldLayout>
 </file>
 
-<file path=ppt/slideLayouts/slideLayout8.xml><?xml version="1.0" encoding="utf-8"?>
-<p:sldLayout xmlns:a="http://schemas.openxmlformats.org/drawingml/2006/main" xmlns:r="http://schemas.openxmlformats.org/officeDocument/2006/relationships" xmlns:p="http://schemas.openxmlformats.org/presentationml/2006/main" preserve="1">
-  <p:cSld name="1_Title and Content">
-    <p:spTree>
-      <p:nvGrpSpPr>
-        <p:cNvPr id="1" name=""/>
-        <p:cNvGrpSpPr/>
-        <p:nvPr/>
-      </p:nvGrpSpPr>
-      <p:grpSpPr>
-        <a:xfrm>
-          <a:off x="0" y="0"/>
-          <a:ext cx="0" cy="0"/>
-          <a:chOff x="0" y="0"/>
-          <a:chExt cx="0" cy="0"/>
-        </a:xfrm>
-      </p:grpSpPr>
-      <p:sp>
-        <p:nvSpPr>
-          <p:cNvPr id="2" name="Title 1"/>
-          <p:cNvSpPr>
-            <a:spLocks noGrp="1"/>
-          </p:cNvSpPr>
-          <p:nvPr>
-            <p:ph type="title"/>
-          </p:nvPr>
-        </p:nvSpPr>
-        <p:spPr/>
-        <p:txBody>
-          <a:bodyPr/>
-          <a:lstStyle/>
-          <a:p>
-            <a:r>
-              <a:rPr lang="en-US" smtClean="0"/>
-              <a:t>Click to edit Master title style</a:t>
-            </a:r>
-            <a:endParaRPr lang="en-US"/>
-          </a:p>
-        </p:txBody>
-      </p:sp>
-      <p:sp>
-        <p:nvSpPr>
-          <p:cNvPr id="3" name="Content Placeholder 2"/>
-          <p:cNvSpPr>
-            <a:spLocks noGrp="1"/>
-          </p:cNvSpPr>
-          <p:nvPr>
-            <p:ph idx="1"/>
-          </p:nvPr>
-        </p:nvSpPr>
-        <p:spPr>
-          <a:xfrm>
-            <a:off x="560798" y="2111604"/>
-            <a:ext cx="11079822" cy="3980971"/>
-          </a:xfrm>
-        </p:spPr>
-        <p:txBody>
-          <a:bodyPr/>
-          <a:lstStyle/>
-          <a:p>
-            <a:pPr lvl="0"/>
-            <a:r>
-              <a:rPr lang="en-US" smtClean="0"/>
-              <a:t>Click to edit Master text styles</a:t>
-            </a:r>
-          </a:p>
-          <a:p>
-            <a:pPr lvl="1"/>
-            <a:r>
-              <a:rPr lang="en-US" smtClean="0"/>
-              <a:t>Second level</a:t>
-            </a:r>
-          </a:p>
-          <a:p>
-            <a:pPr lvl="2"/>
-            <a:r>
-              <a:rPr lang="en-US" smtClean="0"/>
-              <a:t>Third level</a:t>
-            </a:r>
-          </a:p>
-          <a:p>
-            <a:pPr lvl="3"/>
-            <a:r>
-              <a:rPr lang="en-US" smtClean="0"/>
-              <a:t>Fourth level</a:t>
-            </a:r>
-          </a:p>
-          <a:p>
-            <a:pPr lvl="4"/>
-            <a:r>
-              <a:rPr lang="en-US" smtClean="0"/>
-              <a:t>Fifth level</a:t>
-            </a:r>
-            <a:endParaRPr lang="en-US"/>
-          </a:p>
-        </p:txBody>
-      </p:sp>
-      <p:sp>
-        <p:nvSpPr>
-          <p:cNvPr id="5" name="Text Placeholder 4"/>
-          <p:cNvSpPr>
-            <a:spLocks noGrp="1"/>
-          </p:cNvSpPr>
-          <p:nvPr>
-            <p:ph type="body" sz="quarter" idx="13" hasCustomPrompt="1"/>
-          </p:nvPr>
-        </p:nvSpPr>
-        <p:spPr>
-          <a:xfrm>
-            <a:off x="560388" y="1534096"/>
-            <a:ext cx="11080750" cy="437594"/>
-          </a:xfrm>
-        </p:spPr>
-        <p:txBody>
-          <a:bodyPr>
-            <a:normAutofit/>
-          </a:bodyPr>
-          <a:lstStyle>
-            <a:lvl1pPr marL="0" indent="0">
-              <a:buFontTx/>
-              <a:buNone/>
-              <a:defRPr sz="2000" cap="all" baseline="0"/>
-            </a:lvl1pPr>
-            <a:lvl5pPr>
-              <a:defRPr/>
-            </a:lvl5pPr>
-          </a:lstStyle>
-          <a:p>
-            <a:pPr lvl="0"/>
-            <a:r>
-              <a:rPr lang="en-US" dirty="0" smtClean="0"/>
-              <a:t>Secondary refining headline</a:t>
-            </a:r>
-            <a:endParaRPr lang="en-US" dirty="0"/>
-          </a:p>
-        </p:txBody>
-      </p:sp>
-    </p:spTree>
-    <p:extLst>
-      <p:ext uri="{BB962C8B-B14F-4D97-AF65-F5344CB8AC3E}">
-        <p14:creationId xmlns:p14="http://schemas.microsoft.com/office/powerpoint/2010/main" val="1958454734"/>
-      </p:ext>
-    </p:extLst>
-  </p:cSld>
-  <p:clrMapOvr>
-    <a:masterClrMapping/>
-  </p:clrMapOvr>
-  <p:timing>
-    <p:tnLst>
-      <p:par>
-        <p:cTn id="1" dur="indefinite" restart="never" nodeType="tmRoot"/>
-      </p:par>
-    </p:tnLst>
-  </p:timing>
-</p:sldLayout>
-</file>
-
-<file path=ppt/slideLayouts/slideLayout80.xml><?xml version="1.0" encoding="utf-8"?>
+<file path=ppt/slideLayouts/slideLayout81.xml><?xml version="1.0" encoding="utf-8"?>
 <p:sldLayout xmlns:a="http://schemas.openxmlformats.org/drawingml/2006/main" xmlns:r="http://schemas.openxmlformats.org/officeDocument/2006/relationships" xmlns:p="http://schemas.openxmlformats.org/presentationml/2006/main" type="obj" preserve="1">
   <p:cSld name="Title and Content">
     <p:bg>
@@ -18799,7 +19169,7 @@
 </p:sldLayout>
 </file>
 
-<file path=ppt/slideLayouts/slideLayout81.xml><?xml version="1.0" encoding="utf-8"?>
+<file path=ppt/slideLayouts/slideLayout82.xml><?xml version="1.0" encoding="utf-8"?>
 <p:sldLayout xmlns:a="http://schemas.openxmlformats.org/drawingml/2006/main" xmlns:r="http://schemas.openxmlformats.org/officeDocument/2006/relationships" xmlns:p="http://schemas.openxmlformats.org/presentationml/2006/main" preserve="1">
   <p:cSld name="1_Title and Content">
     <p:spTree>
@@ -18956,7 +19326,7 @@
 </p:sldLayout>
 </file>
 
-<file path=ppt/slideLayouts/slideLayout82.xml><?xml version="1.0" encoding="utf-8"?>
+<file path=ppt/slideLayouts/slideLayout83.xml><?xml version="1.0" encoding="utf-8"?>
 <p:sldLayout xmlns:a="http://schemas.openxmlformats.org/drawingml/2006/main" xmlns:r="http://schemas.openxmlformats.org/officeDocument/2006/relationships" xmlns:p="http://schemas.openxmlformats.org/presentationml/2006/main" type="titleOnly" preserve="1">
   <p:cSld name="Title Only">
     <p:bg>
@@ -19024,7 +19394,7 @@
 </p:sldLayout>
 </file>
 
-<file path=ppt/slideLayouts/slideLayout83.xml><?xml version="1.0" encoding="utf-8"?>
+<file path=ppt/slideLayouts/slideLayout84.xml><?xml version="1.0" encoding="utf-8"?>
 <p:sldLayout xmlns:a="http://schemas.openxmlformats.org/drawingml/2006/main" xmlns:r="http://schemas.openxmlformats.org/officeDocument/2006/relationships" xmlns:p="http://schemas.openxmlformats.org/presentationml/2006/main" preserve="1">
   <p:cSld name="1_Title Only">
     <p:spTree>
@@ -20028,7 +20398,7 @@
 </p:sldLayout>
 </file>
 
-<file path=ppt/slideLayouts/slideLayout84.xml><?xml version="1.0" encoding="utf-8"?>
+<file path=ppt/slideLayouts/slideLayout85.xml><?xml version="1.0" encoding="utf-8"?>
 <p:sldLayout xmlns:a="http://schemas.openxmlformats.org/drawingml/2006/main" xmlns:r="http://schemas.openxmlformats.org/officeDocument/2006/relationships" xmlns:p="http://schemas.openxmlformats.org/presentationml/2006/main" type="blank" preserve="1">
   <p:cSld name="1_Blank">
     <p:bg>
@@ -20073,7 +20443,7 @@
 </p:sldLayout>
 </file>
 
-<file path=ppt/slideLayouts/slideLayout85.xml><?xml version="1.0" encoding="utf-8"?>
+<file path=ppt/slideLayouts/slideLayout86.xml><?xml version="1.0" encoding="utf-8"?>
 <p:sldLayout xmlns:a="http://schemas.openxmlformats.org/drawingml/2006/main" xmlns:r="http://schemas.openxmlformats.org/officeDocument/2006/relationships" xmlns:p="http://schemas.openxmlformats.org/presentationml/2006/main" type="objTx" preserve="1">
   <p:cSld name="Content with Caption">
     <p:bg>
@@ -20314,7 +20684,7 @@
 </p:sldLayout>
 </file>
 
-<file path=ppt/slideLayouts/slideLayout86.xml><?xml version="1.0" encoding="utf-8"?>
+<file path=ppt/slideLayouts/slideLayout87.xml><?xml version="1.0" encoding="utf-8"?>
 <p:sldLayout xmlns:a="http://schemas.openxmlformats.org/drawingml/2006/main" xmlns:r="http://schemas.openxmlformats.org/officeDocument/2006/relationships" xmlns:p="http://schemas.openxmlformats.org/presentationml/2006/main" type="title" preserve="1">
   <p:cSld name="Title Slide">
     <p:bg>
@@ -20458,7 +20828,7 @@
 </p:sldLayout>
 </file>
 
-<file path=ppt/slideLayouts/slideLayout87.xml><?xml version="1.0" encoding="utf-8"?>
+<file path=ppt/slideLayouts/slideLayout88.xml><?xml version="1.0" encoding="utf-8"?>
 <p:sldLayout xmlns:a="http://schemas.openxmlformats.org/drawingml/2006/main" xmlns:r="http://schemas.openxmlformats.org/officeDocument/2006/relationships" xmlns:p="http://schemas.openxmlformats.org/presentationml/2006/main" type="obj" preserve="1">
   <p:cSld name="Title and Content">
     <p:bg>
@@ -20578,7 +20948,7 @@
 </p:sldLayout>
 </file>
 
-<file path=ppt/slideLayouts/slideLayout88.xml><?xml version="1.0" encoding="utf-8"?>
+<file path=ppt/slideLayouts/slideLayout89.xml><?xml version="1.0" encoding="utf-8"?>
 <p:sldLayout xmlns:a="http://schemas.openxmlformats.org/drawingml/2006/main" xmlns:r="http://schemas.openxmlformats.org/officeDocument/2006/relationships" xmlns:p="http://schemas.openxmlformats.org/presentationml/2006/main" preserve="1">
   <p:cSld name="1_Title and Content">
     <p:spTree>
@@ -20719,74 +21089,6 @@
     <p:extLst>
       <p:ext uri="{BB962C8B-B14F-4D97-AF65-F5344CB8AC3E}">
         <p14:creationId xmlns:p14="http://schemas.microsoft.com/office/powerpoint/2010/main" val="3993138325"/>
-      </p:ext>
-    </p:extLst>
-  </p:cSld>
-  <p:clrMapOvr>
-    <a:masterClrMapping/>
-  </p:clrMapOvr>
-  <p:timing>
-    <p:tnLst>
-      <p:par>
-        <p:cTn id="1" dur="indefinite" restart="never" nodeType="tmRoot"/>
-      </p:par>
-    </p:tnLst>
-  </p:timing>
-</p:sldLayout>
-</file>
-
-<file path=ppt/slideLayouts/slideLayout89.xml><?xml version="1.0" encoding="utf-8"?>
-<p:sldLayout xmlns:a="http://schemas.openxmlformats.org/drawingml/2006/main" xmlns:r="http://schemas.openxmlformats.org/officeDocument/2006/relationships" xmlns:p="http://schemas.openxmlformats.org/presentationml/2006/main" type="titleOnly" preserve="1">
-  <p:cSld name="Title Only">
-    <p:bg>
-      <p:bgPr>
-        <a:solidFill>
-          <a:schemeClr val="bg1"/>
-        </a:solidFill>
-        <a:effectLst/>
-      </p:bgPr>
-    </p:bg>
-    <p:spTree>
-      <p:nvGrpSpPr>
-        <p:cNvPr id="1" name=""/>
-        <p:cNvGrpSpPr/>
-        <p:nvPr/>
-      </p:nvGrpSpPr>
-      <p:grpSpPr>
-        <a:xfrm>
-          <a:off x="0" y="0"/>
-          <a:ext cx="0" cy="0"/>
-          <a:chOff x="0" y="0"/>
-          <a:chExt cx="0" cy="0"/>
-        </a:xfrm>
-      </p:grpSpPr>
-      <p:sp>
-        <p:nvSpPr>
-          <p:cNvPr id="2" name="Title 1"/>
-          <p:cNvSpPr>
-            <a:spLocks noGrp="1"/>
-          </p:cNvSpPr>
-          <p:nvPr>
-            <p:ph type="title"/>
-          </p:nvPr>
-        </p:nvSpPr>
-        <p:spPr/>
-        <p:txBody>
-          <a:bodyPr/>
-          <a:lstStyle/>
-          <a:p>
-            <a:r>
-              <a:rPr lang="en-US" smtClean="0"/>
-              <a:t>Click to edit Master title style</a:t>
-            </a:r>
-            <a:endParaRPr lang="en-US"/>
-          </a:p>
-        </p:txBody>
-      </p:sp>
-    </p:spTree>
-    <p:extLst>
-      <p:ext uri="{BB962C8B-B14F-4D97-AF65-F5344CB8AC3E}">
-        <p14:creationId xmlns:p14="http://schemas.microsoft.com/office/powerpoint/2010/main" val="674644901"/>
       </p:ext>
     </p:extLst>
   </p:cSld>
@@ -20864,6 +21166,74 @@
 </file>
 
 <file path=ppt/slideLayouts/slideLayout90.xml><?xml version="1.0" encoding="utf-8"?>
+<p:sldLayout xmlns:a="http://schemas.openxmlformats.org/drawingml/2006/main" xmlns:r="http://schemas.openxmlformats.org/officeDocument/2006/relationships" xmlns:p="http://schemas.openxmlformats.org/presentationml/2006/main" type="titleOnly" preserve="1">
+  <p:cSld name="Title Only">
+    <p:bg>
+      <p:bgPr>
+        <a:solidFill>
+          <a:schemeClr val="bg1"/>
+        </a:solidFill>
+        <a:effectLst/>
+      </p:bgPr>
+    </p:bg>
+    <p:spTree>
+      <p:nvGrpSpPr>
+        <p:cNvPr id="1" name=""/>
+        <p:cNvGrpSpPr/>
+        <p:nvPr/>
+      </p:nvGrpSpPr>
+      <p:grpSpPr>
+        <a:xfrm>
+          <a:off x="0" y="0"/>
+          <a:ext cx="0" cy="0"/>
+          <a:chOff x="0" y="0"/>
+          <a:chExt cx="0" cy="0"/>
+        </a:xfrm>
+      </p:grpSpPr>
+      <p:sp>
+        <p:nvSpPr>
+          <p:cNvPr id="2" name="Title 1"/>
+          <p:cNvSpPr>
+            <a:spLocks noGrp="1"/>
+          </p:cNvSpPr>
+          <p:nvPr>
+            <p:ph type="title"/>
+          </p:nvPr>
+        </p:nvSpPr>
+        <p:spPr/>
+        <p:txBody>
+          <a:bodyPr/>
+          <a:lstStyle/>
+          <a:p>
+            <a:r>
+              <a:rPr lang="en-US" smtClean="0"/>
+              <a:t>Click to edit Master title style</a:t>
+            </a:r>
+            <a:endParaRPr lang="en-US"/>
+          </a:p>
+        </p:txBody>
+      </p:sp>
+    </p:spTree>
+    <p:extLst>
+      <p:ext uri="{BB962C8B-B14F-4D97-AF65-F5344CB8AC3E}">
+        <p14:creationId xmlns:p14="http://schemas.microsoft.com/office/powerpoint/2010/main" val="674644901"/>
+      </p:ext>
+    </p:extLst>
+  </p:cSld>
+  <p:clrMapOvr>
+    <a:masterClrMapping/>
+  </p:clrMapOvr>
+  <p:timing>
+    <p:tnLst>
+      <p:par>
+        <p:cTn id="1" dur="indefinite" restart="never" nodeType="tmRoot"/>
+      </p:par>
+    </p:tnLst>
+  </p:timing>
+</p:sldLayout>
+</file>
+
+<file path=ppt/slideLayouts/slideLayout91.xml><?xml version="1.0" encoding="utf-8"?>
 <p:sldLayout xmlns:a="http://schemas.openxmlformats.org/drawingml/2006/main" xmlns:r="http://schemas.openxmlformats.org/officeDocument/2006/relationships" xmlns:p="http://schemas.openxmlformats.org/presentationml/2006/main" preserve="1">
   <p:cSld name="1_Title Only">
     <p:spTree>
@@ -21867,7 +22237,7 @@
 </p:sldLayout>
 </file>
 
-<file path=ppt/slideLayouts/slideLayout91.xml><?xml version="1.0" encoding="utf-8"?>
+<file path=ppt/slideLayouts/slideLayout92.xml><?xml version="1.0" encoding="utf-8"?>
 <p:sldLayout xmlns:a="http://schemas.openxmlformats.org/drawingml/2006/main" xmlns:r="http://schemas.openxmlformats.org/officeDocument/2006/relationships" xmlns:p="http://schemas.openxmlformats.org/presentationml/2006/main" type="blank" preserve="1">
   <p:cSld name="Blank">
     <p:bg>
@@ -21912,7 +22282,7 @@
 </p:sldLayout>
 </file>
 
-<file path=ppt/slideLayouts/slideLayout92.xml><?xml version="1.0" encoding="utf-8"?>
+<file path=ppt/slideLayouts/slideLayout93.xml><?xml version="1.0" encoding="utf-8"?>
 <p:sldLayout xmlns:a="http://schemas.openxmlformats.org/drawingml/2006/main" xmlns:r="http://schemas.openxmlformats.org/officeDocument/2006/relationships" xmlns:p="http://schemas.openxmlformats.org/presentationml/2006/main" type="objTx" preserve="1">
   <p:cSld name="Content with Caption">
     <p:bg>
@@ -22153,7 +22523,7 @@
 </p:sldLayout>
 </file>
 
-<file path=ppt/slideLayouts/slideLayout93.xml><?xml version="1.0" encoding="utf-8"?>
+<file path=ppt/slideLayouts/slideLayout94.xml><?xml version="1.0" encoding="utf-8"?>
 <p:sldLayout xmlns:a="http://schemas.openxmlformats.org/drawingml/2006/main" xmlns:r="http://schemas.openxmlformats.org/officeDocument/2006/relationships" xmlns:p="http://schemas.openxmlformats.org/presentationml/2006/main" type="title" preserve="1">
   <p:cSld name="Title Slide">
     <p:bg>
@@ -22297,7 +22667,7 @@
 </p:sldLayout>
 </file>
 
-<file path=ppt/slideLayouts/slideLayout94.xml><?xml version="1.0" encoding="utf-8"?>
+<file path=ppt/slideLayouts/slideLayout95.xml><?xml version="1.0" encoding="utf-8"?>
 <p:sldLayout xmlns:a="http://schemas.openxmlformats.org/drawingml/2006/main" xmlns:r="http://schemas.openxmlformats.org/officeDocument/2006/relationships" xmlns:p="http://schemas.openxmlformats.org/presentationml/2006/main" type="obj" preserve="1">
   <p:cSld name="Title and Content">
     <p:bg>
@@ -22417,7 +22787,7 @@
 </p:sldLayout>
 </file>
 
-<file path=ppt/slideLayouts/slideLayout95.xml><?xml version="1.0" encoding="utf-8"?>
+<file path=ppt/slideLayouts/slideLayout96.xml><?xml version="1.0" encoding="utf-8"?>
 <p:sldLayout xmlns:a="http://schemas.openxmlformats.org/drawingml/2006/main" xmlns:r="http://schemas.openxmlformats.org/officeDocument/2006/relationships" xmlns:p="http://schemas.openxmlformats.org/presentationml/2006/main" preserve="1">
   <p:cSld name="1_Title and Content">
     <p:spTree>
@@ -22605,7 +22975,7 @@
 </p:sldLayout>
 </file>
 
-<file path=ppt/slideLayouts/slideLayout96.xml><?xml version="1.0" encoding="utf-8"?>
+<file path=ppt/slideLayouts/slideLayout97.xml><?xml version="1.0" encoding="utf-8"?>
 <p:sldLayout xmlns:a="http://schemas.openxmlformats.org/drawingml/2006/main" xmlns:r="http://schemas.openxmlformats.org/officeDocument/2006/relationships" xmlns:p="http://schemas.openxmlformats.org/presentationml/2006/main" type="titleOnly" preserve="1">
   <p:cSld name="Title Only">
     <p:bg>
@@ -22673,7 +23043,7 @@
 </p:sldLayout>
 </file>
 
-<file path=ppt/slideLayouts/slideLayout97.xml><?xml version="1.0" encoding="utf-8"?>
+<file path=ppt/slideLayouts/slideLayout98.xml><?xml version="1.0" encoding="utf-8"?>
 <p:sldLayout xmlns:a="http://schemas.openxmlformats.org/drawingml/2006/main" xmlns:r="http://schemas.openxmlformats.org/officeDocument/2006/relationships" xmlns:p="http://schemas.openxmlformats.org/presentationml/2006/main" type="blank" preserve="1">
   <p:cSld name="Blank">
     <p:bg>
@@ -22718,7 +23088,7 @@
 </p:sldLayout>
 </file>
 
-<file path=ppt/slideLayouts/slideLayout98.xml><?xml version="1.0" encoding="utf-8"?>
+<file path=ppt/slideLayouts/slideLayout99.xml><?xml version="1.0" encoding="utf-8"?>
 <p:sldLayout xmlns:a="http://schemas.openxmlformats.org/drawingml/2006/main" xmlns:r="http://schemas.openxmlformats.org/officeDocument/2006/relationships" xmlns:p="http://schemas.openxmlformats.org/presentationml/2006/main" type="blank" preserve="1">
   <p:cSld name="1_Blank">
     <p:bg>
@@ -22747,247 +23117,6 @@
     <p:extLst>
       <p:ext uri="{BB962C8B-B14F-4D97-AF65-F5344CB8AC3E}">
         <p14:creationId xmlns:p14="http://schemas.microsoft.com/office/powerpoint/2010/main" val="112153625"/>
-      </p:ext>
-    </p:extLst>
-  </p:cSld>
-  <p:clrMapOvr>
-    <a:masterClrMapping/>
-  </p:clrMapOvr>
-  <p:timing>
-    <p:tnLst>
-      <p:par>
-        <p:cTn id="1" dur="indefinite" restart="never" nodeType="tmRoot"/>
-      </p:par>
-    </p:tnLst>
-  </p:timing>
-</p:sldLayout>
-</file>
-
-<file path=ppt/slideLayouts/slideLayout99.xml><?xml version="1.0" encoding="utf-8"?>
-<p:sldLayout xmlns:a="http://schemas.openxmlformats.org/drawingml/2006/main" xmlns:r="http://schemas.openxmlformats.org/officeDocument/2006/relationships" xmlns:p="http://schemas.openxmlformats.org/presentationml/2006/main" type="objTx" preserve="1">
-  <p:cSld name="Content with Caption">
-    <p:bg>
-      <p:bgPr>
-        <a:solidFill>
-          <a:schemeClr val="tx1"/>
-        </a:solidFill>
-        <a:effectLst/>
-      </p:bgPr>
-    </p:bg>
-    <p:spTree>
-      <p:nvGrpSpPr>
-        <p:cNvPr id="1" name=""/>
-        <p:cNvGrpSpPr/>
-        <p:nvPr/>
-      </p:nvGrpSpPr>
-      <p:grpSpPr>
-        <a:xfrm>
-          <a:off x="0" y="0"/>
-          <a:ext cx="0" cy="0"/>
-          <a:chOff x="0" y="0"/>
-          <a:chExt cx="0" cy="0"/>
-        </a:xfrm>
-      </p:grpSpPr>
-      <p:sp>
-        <p:nvSpPr>
-          <p:cNvPr id="2" name="Title 1"/>
-          <p:cNvSpPr>
-            <a:spLocks noGrp="1"/>
-          </p:cNvSpPr>
-          <p:nvPr>
-            <p:ph type="title"/>
-          </p:nvPr>
-        </p:nvSpPr>
-        <p:spPr>
-          <a:xfrm>
-            <a:off x="560798" y="457199"/>
-            <a:ext cx="4211227" cy="1936679"/>
-          </a:xfrm>
-        </p:spPr>
-        <p:txBody>
-          <a:bodyPr anchor="b">
-            <a:noAutofit/>
-          </a:bodyPr>
-          <a:lstStyle>
-            <a:lvl1pPr>
-              <a:defRPr sz="4000"/>
-            </a:lvl1pPr>
-          </a:lstStyle>
-          <a:p>
-            <a:r>
-              <a:rPr lang="en-US" smtClean="0"/>
-              <a:t>Click to edit Master title style</a:t>
-            </a:r>
-            <a:endParaRPr lang="en-US"/>
-          </a:p>
-        </p:txBody>
-      </p:sp>
-      <p:sp>
-        <p:nvSpPr>
-          <p:cNvPr id="3" name="Content Placeholder 2"/>
-          <p:cNvSpPr>
-            <a:spLocks noGrp="1"/>
-          </p:cNvSpPr>
-          <p:nvPr>
-            <p:ph idx="1"/>
-          </p:nvPr>
-        </p:nvSpPr>
-        <p:spPr>
-          <a:xfrm>
-            <a:off x="5183188" y="987425"/>
-            <a:ext cx="6457432" cy="4873625"/>
-          </a:xfrm>
-        </p:spPr>
-        <p:txBody>
-          <a:bodyPr/>
-          <a:lstStyle>
-            <a:lvl1pPr>
-              <a:defRPr sz="3200">
-                <a:latin typeface="+mj-lt"/>
-              </a:defRPr>
-            </a:lvl1pPr>
-            <a:lvl2pPr>
-              <a:defRPr sz="2800">
-                <a:latin typeface="+mj-lt"/>
-              </a:defRPr>
-            </a:lvl2pPr>
-            <a:lvl3pPr>
-              <a:defRPr sz="2400">
-                <a:latin typeface="+mj-lt"/>
-              </a:defRPr>
-            </a:lvl3pPr>
-            <a:lvl4pPr>
-              <a:defRPr sz="2000">
-                <a:latin typeface="+mj-lt"/>
-              </a:defRPr>
-            </a:lvl4pPr>
-            <a:lvl5pPr>
-              <a:defRPr sz="2000">
-                <a:latin typeface="+mj-lt"/>
-              </a:defRPr>
-            </a:lvl5pPr>
-            <a:lvl6pPr>
-              <a:defRPr sz="2000"/>
-            </a:lvl6pPr>
-            <a:lvl7pPr>
-              <a:defRPr sz="2000"/>
-            </a:lvl7pPr>
-            <a:lvl8pPr>
-              <a:defRPr sz="2000"/>
-            </a:lvl8pPr>
-            <a:lvl9pPr>
-              <a:defRPr sz="2000"/>
-            </a:lvl9pPr>
-          </a:lstStyle>
-          <a:p>
-            <a:pPr lvl="0"/>
-            <a:r>
-              <a:rPr lang="en-US" smtClean="0"/>
-              <a:t>Click to edit Master text styles</a:t>
-            </a:r>
-          </a:p>
-          <a:p>
-            <a:pPr lvl="1"/>
-            <a:r>
-              <a:rPr lang="en-US" smtClean="0"/>
-              <a:t>Second level</a:t>
-            </a:r>
-          </a:p>
-          <a:p>
-            <a:pPr lvl="2"/>
-            <a:r>
-              <a:rPr lang="en-US" smtClean="0"/>
-              <a:t>Third level</a:t>
-            </a:r>
-          </a:p>
-          <a:p>
-            <a:pPr lvl="3"/>
-            <a:r>
-              <a:rPr lang="en-US" smtClean="0"/>
-              <a:t>Fourth level</a:t>
-            </a:r>
-          </a:p>
-          <a:p>
-            <a:pPr lvl="4"/>
-            <a:r>
-              <a:rPr lang="en-US" smtClean="0"/>
-              <a:t>Fifth level</a:t>
-            </a:r>
-            <a:endParaRPr lang="en-US"/>
-          </a:p>
-        </p:txBody>
-      </p:sp>
-      <p:sp>
-        <p:nvSpPr>
-          <p:cNvPr id="4" name="Text Placeholder 3"/>
-          <p:cNvSpPr>
-            <a:spLocks noGrp="1"/>
-          </p:cNvSpPr>
-          <p:nvPr>
-            <p:ph type="body" sz="half" idx="2"/>
-          </p:nvPr>
-        </p:nvSpPr>
-        <p:spPr>
-          <a:xfrm>
-            <a:off x="560798" y="2604070"/>
-            <a:ext cx="4211227" cy="3264917"/>
-          </a:xfrm>
-        </p:spPr>
-        <p:txBody>
-          <a:bodyPr>
-            <a:normAutofit/>
-          </a:bodyPr>
-          <a:lstStyle>
-            <a:lvl1pPr marL="0" indent="0">
-              <a:buNone/>
-              <a:defRPr sz="2000"/>
-            </a:lvl1pPr>
-            <a:lvl2pPr marL="457200" indent="0">
-              <a:buNone/>
-              <a:defRPr sz="1400"/>
-            </a:lvl2pPr>
-            <a:lvl3pPr marL="914400" indent="0">
-              <a:buNone/>
-              <a:defRPr sz="1200"/>
-            </a:lvl3pPr>
-            <a:lvl4pPr marL="1371600" indent="0">
-              <a:buNone/>
-              <a:defRPr sz="1000"/>
-            </a:lvl4pPr>
-            <a:lvl5pPr marL="1828800" indent="0">
-              <a:buNone/>
-              <a:defRPr sz="1000"/>
-            </a:lvl5pPr>
-            <a:lvl6pPr marL="2286000" indent="0">
-              <a:buNone/>
-              <a:defRPr sz="1000"/>
-            </a:lvl6pPr>
-            <a:lvl7pPr marL="2743200" indent="0">
-              <a:buNone/>
-              <a:defRPr sz="1000"/>
-            </a:lvl7pPr>
-            <a:lvl8pPr marL="3200400" indent="0">
-              <a:buNone/>
-              <a:defRPr sz="1000"/>
-            </a:lvl8pPr>
-            <a:lvl9pPr marL="3657600" indent="0">
-              <a:buNone/>
-              <a:defRPr sz="1000"/>
-            </a:lvl9pPr>
-          </a:lstStyle>
-          <a:p>
-            <a:pPr lvl="0"/>
-            <a:r>
-              <a:rPr lang="en-US" smtClean="0"/>
-              <a:t>Click to edit Master text styles</a:t>
-            </a:r>
-          </a:p>
-        </p:txBody>
-      </p:sp>
-    </p:spTree>
-    <p:extLst>
-      <p:ext uri="{BB962C8B-B14F-4D97-AF65-F5344CB8AC3E}">
-        <p14:creationId xmlns:p14="http://schemas.microsoft.com/office/powerpoint/2010/main" val="3579493188"/>
       </p:ext>
     </p:extLst>
   </p:cSld>
@@ -31282,7 +31411,7 @@
           <p:nvPr/>
         </p:nvPicPr>
         <p:blipFill>
-          <a:blip r:embed="rId14"/>
+          <a:blip r:embed="rId15"/>
           <a:stretch>
             <a:fillRect/>
           </a:stretch>
@@ -31640,6 +31769,7 @@
     <p:sldLayoutId id="2147483747" r:id="rId10"/>
     <p:sldLayoutId id="2147483748" r:id="rId11"/>
     <p:sldLayoutId id="2147483749" r:id="rId12"/>
+    <p:sldLayoutId id="2147483790" r:id="rId13"/>
   </p:sldLayoutIdLst>
   <p:timing>
     <p:tnLst>
@@ -39745,6 +39875,66 @@
           <a:lstStyle/>
           <a:p>
             <a:r>
+              <a:rPr lang="en-US" dirty="0"/>
+              <a:t>Install and update Node packages through the Node Package Manager</a:t>
+            </a:r>
+            <a:endParaRPr lang="en-US" dirty="0"/>
+          </a:p>
+        </p:txBody>
+      </p:sp>
+    </p:spTree>
+    <p:extLst>
+      <p:ext uri="{BB962C8B-B14F-4D97-AF65-F5344CB8AC3E}">
+        <p14:creationId xmlns:p14="http://schemas.microsoft.com/office/powerpoint/2010/main" val="1397016543"/>
+      </p:ext>
+    </p:extLst>
+  </p:cSld>
+  <p:clrMapOvr>
+    <a:masterClrMapping/>
+  </p:clrMapOvr>
+  <p:timing>
+    <p:tnLst>
+      <p:par>
+        <p:cTn id="1" dur="indefinite" restart="never" nodeType="tmRoot"/>
+      </p:par>
+    </p:tnLst>
+  </p:timing>
+</p:sld>
+</file>
+
+<file path=ppt/slides/slide38.xml><?xml version="1.0" encoding="utf-8"?>
+<p:sld xmlns:a="http://schemas.openxmlformats.org/drawingml/2006/main" xmlns:r="http://schemas.openxmlformats.org/officeDocument/2006/relationships" xmlns:p="http://schemas.openxmlformats.org/presentationml/2006/main">
+  <p:cSld>
+    <p:spTree>
+      <p:nvGrpSpPr>
+        <p:cNvPr id="1" name=""/>
+        <p:cNvGrpSpPr/>
+        <p:nvPr/>
+      </p:nvGrpSpPr>
+      <p:grpSpPr>
+        <a:xfrm>
+          <a:off x="0" y="0"/>
+          <a:ext cx="0" cy="0"/>
+          <a:chOff x="0" y="0"/>
+          <a:chExt cx="0" cy="0"/>
+        </a:xfrm>
+      </p:grpSpPr>
+      <p:sp>
+        <p:nvSpPr>
+          <p:cNvPr id="2" name="Title 1"/>
+          <p:cNvSpPr>
+            <a:spLocks noGrp="1"/>
+          </p:cNvSpPr>
+          <p:nvPr>
+            <p:ph type="title"/>
+          </p:nvPr>
+        </p:nvSpPr>
+        <p:spPr/>
+        <p:txBody>
+          <a:bodyPr/>
+          <a:lstStyle/>
+          <a:p>
+            <a:r>
               <a:rPr lang="en-US" dirty="0" smtClean="0"/>
               <a:t>Resources </a:t>
             </a:r>
@@ -39836,7 +40026,7 @@
 </p:sld>
 </file>
 
-<file path=ppt/slides/slide38.xml><?xml version="1.0" encoding="utf-8"?>
+<file path=ppt/slides/slide39.xml><?xml version="1.0" encoding="utf-8"?>
 <p:sld xmlns:a="http://schemas.openxmlformats.org/drawingml/2006/main" xmlns:r="http://schemas.openxmlformats.org/officeDocument/2006/relationships" xmlns:p="http://schemas.openxmlformats.org/presentationml/2006/main">
   <p:cSld>
     <p:spTree>
@@ -43875,15 +44065,6 @@
 </file>
 
 <file path=customXml/item1.xml><?xml version="1.0" encoding="utf-8"?>
-<?mso-contentType ?>
-<FormTemplates xmlns="http://schemas.microsoft.com/sharepoint/v3/contenttype/forms">
-  <Display>DocumentLibraryForm</Display>
-  <Edit>DocumentLibraryForm</Edit>
-  <New>DocumentLibraryForm</New>
-</FormTemplates>
-</file>
-
-<file path=customXml/item2.xml><?xml version="1.0" encoding="utf-8"?>
 <p:properties xmlns:p="http://schemas.microsoft.com/office/2006/metadata/properties" xmlns:xsi="http://www.w3.org/2001/XMLSchema-instance" xmlns:pc="http://schemas.microsoft.com/office/infopath/2007/PartnerControls">
   <documentManagement>
     <SharedWithUsers xmlns="636b0322-90fb-440c-9cbc-22749e7231e9">
@@ -43897,7 +44078,7 @@
 </p:properties>
 </file>
 
-<file path=customXml/item3.xml><?xml version="1.0" encoding="utf-8"?>
+<file path=customXml/item2.xml><?xml version="1.0" encoding="utf-8"?>
 <ct:contentTypeSchema xmlns:ct="http://schemas.microsoft.com/office/2006/metadata/contentType" xmlns:ma="http://schemas.microsoft.com/office/2006/metadata/properties/metaAttributes" ct:_="" ma:_="" ma:contentTypeName="Document" ma:contentTypeID="0x010100391E57C78B9F604FB8BAD296D1460E2A" ma:contentTypeVersion="1" ma:contentTypeDescription="Create a new document." ma:contentTypeScope="" ma:versionID="fb382fe2362acd2155f454904f478e4d">
   <xsd:schema xmlns:xsd="http://www.w3.org/2001/XMLSchema" xmlns:xs="http://www.w3.org/2001/XMLSchema" xmlns:p="http://schemas.microsoft.com/office/2006/metadata/properties" xmlns:ns3="636b0322-90fb-440c-9cbc-22749e7231e9" targetNamespace="http://schemas.microsoft.com/office/2006/metadata/properties" ma:root="true" ma:fieldsID="b9887c63ce4710c1aeb75a5f03aecb69" ns3:_="">
     <xsd:import namespace="636b0322-90fb-440c-9cbc-22749e7231e9"/>
@@ -44037,15 +44218,16 @@
 </ct:contentTypeSchema>
 </file>
 
-<file path=customXml/itemProps1.xml><?xml version="1.0" encoding="utf-8"?>
-<ds:datastoreItem xmlns:ds="http://schemas.openxmlformats.org/officeDocument/2006/customXml" ds:itemID="{B0CA13EC-1D3C-4D6F-8D1C-E8A452CFC79A}">
-  <ds:schemaRefs>
-    <ds:schemaRef ds:uri="http://schemas.microsoft.com/sharepoint/v3/contenttype/forms"/>
-  </ds:schemaRefs>
-</ds:datastoreItem>
+<file path=customXml/item3.xml><?xml version="1.0" encoding="utf-8"?>
+<?mso-contentType ?>
+<FormTemplates xmlns="http://schemas.microsoft.com/sharepoint/v3/contenttype/forms">
+  <Display>DocumentLibraryForm</Display>
+  <Edit>DocumentLibraryForm</Edit>
+  <New>DocumentLibraryForm</New>
+</FormTemplates>
 </file>
 
-<file path=customXml/itemProps2.xml><?xml version="1.0" encoding="utf-8"?>
+<file path=customXml/itemProps1.xml><?xml version="1.0" encoding="utf-8"?>
 <ds:datastoreItem xmlns:ds="http://schemas.openxmlformats.org/officeDocument/2006/customXml" ds:itemID="{7025FDD9-4C58-4084-9F89-0E6ADD6FFF55}">
   <ds:schemaRefs>
     <ds:schemaRef ds:uri="http://purl.org/dc/terms/"/>
@@ -44061,7 +44243,7 @@
 </ds:datastoreItem>
 </file>
 
-<file path=customXml/itemProps3.xml><?xml version="1.0" encoding="utf-8"?>
+<file path=customXml/itemProps2.xml><?xml version="1.0" encoding="utf-8"?>
 <ds:datastoreItem xmlns:ds="http://schemas.openxmlformats.org/officeDocument/2006/customXml" ds:itemID="{7B70CE0C-0988-423A-BF66-B40F6A1061FF}">
   <ds:schemaRefs>
     <ds:schemaRef ds:uri="http://schemas.microsoft.com/office/2006/metadata/contentType"/>
@@ -44077,4 +44259,12 @@
     <ds:schemaRef ds:uri="http://schemas.microsoft.com/internal/obd"/>
   </ds:schemaRefs>
 </ds:datastoreItem>
+</file>
+
+<file path=customXml/itemProps3.xml><?xml version="1.0" encoding="utf-8"?>
+<ds:datastoreItem xmlns:ds="http://schemas.openxmlformats.org/officeDocument/2006/customXml" ds:itemID="{B0CA13EC-1D3C-4D6F-8D1C-E8A452CFC79A}">
+  <ds:schemaRefs>
+    <ds:schemaRef ds:uri="http://schemas.microsoft.com/sharepoint/v3/contenttype/forms"/>
+  </ds:schemaRefs>
+</ds:datastoreItem>
 </file>
--- a/Presentation/IntroToNodeJS/IntroToNodeJS.pptx
+++ b/Presentation/IntroToNodeJS/IntroToNodeJS.pptx
@@ -265,7 +265,7 @@
           <a:p>
             <a:fld id="{312E7B4A-039C-48A2-9B2C-AF16AA3873D8}" type="datetimeFigureOut">
               <a:rPr lang="en-US" smtClean="0"/>
-              <a:t>7/22/2015</a:t>
+              <a:t>19/01/2016</a:t>
             </a:fld>
             <a:endParaRPr lang="en-US"/>
           </a:p>
@@ -430,7 +430,7 @@
           <a:p>
             <a:fld id="{DA005A0C-54D9-45AA-87D4-C551D08DFCE1}" type="datetimeFigureOut">
               <a:rPr lang="en-US" smtClean="0"/>
-              <a:t>7/22/2015</a:t>
+              <a:t>19/01/2016</a:t>
             </a:fld>
             <a:endParaRPr lang="en-US"/>
           </a:p>
@@ -39878,7 +39878,6 @@
               <a:rPr lang="en-US" dirty="0"/>
               <a:t>Install and update Node packages through the Node Package Manager</a:t>
             </a:r>
-            <a:endParaRPr lang="en-US" dirty="0"/>
           </a:p>
         </p:txBody>
       </p:sp>
@@ -40266,17 +40265,17 @@
           <a:p>
             <a:r>
               <a:rPr lang="en-US" dirty="0" smtClean="0"/>
-              <a:t>Windows, Linux, Mac OSX</a:t>
-            </a:r>
-          </a:p>
-          <a:p>
-            <a:r>
-              <a:rPr lang="en-US" dirty="0" smtClean="0"/>
-              <a:t>Still in “beta” phase</a:t>
-            </a:r>
-          </a:p>
-          <a:p>
-            <a:endParaRPr lang="en-US" dirty="0"/>
+              <a:t>Windows, Linux, </a:t>
+            </a:r>
+            <a:r>
+              <a:rPr lang="en-US" smtClean="0"/>
+              <a:t>Mac </a:t>
+            </a:r>
+            <a:r>
+              <a:rPr lang="en-US" smtClean="0"/>
+              <a:t>OSX</a:t>
+            </a:r>
+            <a:endParaRPr lang="en-US" dirty="0" smtClean="0"/>
           </a:p>
         </p:txBody>
       </p:sp>
@@ -44065,20 +44064,6 @@
 </file>
 
 <file path=customXml/item1.xml><?xml version="1.0" encoding="utf-8"?>
-<p:properties xmlns:p="http://schemas.microsoft.com/office/2006/metadata/properties" xmlns:xsi="http://www.w3.org/2001/XMLSchema-instance" xmlns:pc="http://schemas.microsoft.com/office/infopath/2007/PartnerControls">
-  <documentManagement>
-    <SharedWithUsers xmlns="636b0322-90fb-440c-9cbc-22749e7231e9">
-      <UserInfo>
-        <DisplayName>Christopher Harrison</DisplayName>
-        <AccountId>123</AccountId>
-        <AccountType/>
-      </UserInfo>
-    </SharedWithUsers>
-  </documentManagement>
-</p:properties>
-</file>
-
-<file path=customXml/item2.xml><?xml version="1.0" encoding="utf-8"?>
 <ct:contentTypeSchema xmlns:ct="http://schemas.microsoft.com/office/2006/metadata/contentType" xmlns:ma="http://schemas.microsoft.com/office/2006/metadata/properties/metaAttributes" ct:_="" ma:_="" ma:contentTypeName="Document" ma:contentTypeID="0x010100391E57C78B9F604FB8BAD296D1460E2A" ma:contentTypeVersion="1" ma:contentTypeDescription="Create a new document." ma:contentTypeScope="" ma:versionID="fb382fe2362acd2155f454904f478e4d">
   <xsd:schema xmlns:xsd="http://www.w3.org/2001/XMLSchema" xmlns:xs="http://www.w3.org/2001/XMLSchema" xmlns:p="http://schemas.microsoft.com/office/2006/metadata/properties" xmlns:ns3="636b0322-90fb-440c-9cbc-22749e7231e9" targetNamespace="http://schemas.microsoft.com/office/2006/metadata/properties" ma:root="true" ma:fieldsID="b9887c63ce4710c1aeb75a5f03aecb69" ns3:_="">
     <xsd:import namespace="636b0322-90fb-440c-9cbc-22749e7231e9"/>
@@ -44218,6 +44203,20 @@
 </ct:contentTypeSchema>
 </file>
 
+<file path=customXml/item2.xml><?xml version="1.0" encoding="utf-8"?>
+<p:properties xmlns:p="http://schemas.microsoft.com/office/2006/metadata/properties" xmlns:xsi="http://www.w3.org/2001/XMLSchema-instance" xmlns:pc="http://schemas.microsoft.com/office/infopath/2007/PartnerControls">
+  <documentManagement>
+    <SharedWithUsers xmlns="636b0322-90fb-440c-9cbc-22749e7231e9">
+      <UserInfo>
+        <DisplayName>Christopher Harrison</DisplayName>
+        <AccountId>123</AccountId>
+        <AccountType/>
+      </UserInfo>
+    </SharedWithUsers>
+  </documentManagement>
+</p:properties>
+</file>
+
 <file path=customXml/item3.xml><?xml version="1.0" encoding="utf-8"?>
 <?mso-contentType ?>
 <FormTemplates xmlns="http://schemas.microsoft.com/sharepoint/v3/contenttype/forms">
@@ -44228,22 +44227,6 @@
 </file>
 
 <file path=customXml/itemProps1.xml><?xml version="1.0" encoding="utf-8"?>
-<ds:datastoreItem xmlns:ds="http://schemas.openxmlformats.org/officeDocument/2006/customXml" ds:itemID="{7025FDD9-4C58-4084-9F89-0E6ADD6FFF55}">
-  <ds:schemaRefs>
-    <ds:schemaRef ds:uri="http://purl.org/dc/terms/"/>
-    <ds:schemaRef ds:uri="636b0322-90fb-440c-9cbc-22749e7231e9"/>
-    <ds:schemaRef ds:uri="http://schemas.microsoft.com/office/infopath/2007/PartnerControls"/>
-    <ds:schemaRef ds:uri="http://www.w3.org/XML/1998/namespace"/>
-    <ds:schemaRef ds:uri="http://schemas.microsoft.com/office/2006/documentManagement/types"/>
-    <ds:schemaRef ds:uri="http://schemas.openxmlformats.org/package/2006/metadata/core-properties"/>
-    <ds:schemaRef ds:uri="http://schemas.microsoft.com/office/2006/metadata/properties"/>
-    <ds:schemaRef ds:uri="http://purl.org/dc/dcmitype/"/>
-    <ds:schemaRef ds:uri="http://purl.org/dc/elements/1.1/"/>
-  </ds:schemaRefs>
-</ds:datastoreItem>
-</file>
-
-<file path=customXml/itemProps2.xml><?xml version="1.0" encoding="utf-8"?>
 <ds:datastoreItem xmlns:ds="http://schemas.openxmlformats.org/officeDocument/2006/customXml" ds:itemID="{7B70CE0C-0988-423A-BF66-B40F6A1061FF}">
   <ds:schemaRefs>
     <ds:schemaRef ds:uri="http://schemas.microsoft.com/office/2006/metadata/contentType"/>
@@ -44261,6 +44244,22 @@
 </ds:datastoreItem>
 </file>
 
+<file path=customXml/itemProps2.xml><?xml version="1.0" encoding="utf-8"?>
+<ds:datastoreItem xmlns:ds="http://schemas.openxmlformats.org/officeDocument/2006/customXml" ds:itemID="{7025FDD9-4C58-4084-9F89-0E6ADD6FFF55}">
+  <ds:schemaRefs>
+    <ds:schemaRef ds:uri="http://purl.org/dc/terms/"/>
+    <ds:schemaRef ds:uri="636b0322-90fb-440c-9cbc-22749e7231e9"/>
+    <ds:schemaRef ds:uri="http://schemas.microsoft.com/office/infopath/2007/PartnerControls"/>
+    <ds:schemaRef ds:uri="http://www.w3.org/XML/1998/namespace"/>
+    <ds:schemaRef ds:uri="http://schemas.microsoft.com/office/2006/documentManagement/types"/>
+    <ds:schemaRef ds:uri="http://schemas.openxmlformats.org/package/2006/metadata/core-properties"/>
+    <ds:schemaRef ds:uri="http://schemas.microsoft.com/office/2006/metadata/properties"/>
+    <ds:schemaRef ds:uri="http://purl.org/dc/dcmitype/"/>
+    <ds:schemaRef ds:uri="http://purl.org/dc/elements/1.1/"/>
+  </ds:schemaRefs>
+</ds:datastoreItem>
+</file>
+
 <file path=customXml/itemProps3.xml><?xml version="1.0" encoding="utf-8"?>
 <ds:datastoreItem xmlns:ds="http://schemas.openxmlformats.org/officeDocument/2006/customXml" ds:itemID="{B0CA13EC-1D3C-4D6F-8D1C-E8A452CFC79A}">
   <ds:schemaRefs>

--- a/Presentation/IntroToNodeJS/IntroToNodeJS.pptx
+++ b/Presentation/IntroToNodeJS/IntroToNodeJS.pptx
@@ -265,7 +265,7 @@
           <a:p>
             <a:fld id="{312E7B4A-039C-48A2-9B2C-AF16AA3873D8}" type="datetimeFigureOut">
               <a:rPr lang="en-US" smtClean="0"/>
-              <a:t>19/01/2016</a:t>
+              <a:t>2/4/2016</a:t>
             </a:fld>
             <a:endParaRPr lang="en-US"/>
           </a:p>
@@ -430,7 +430,7 @@
           <a:p>
             <a:fld id="{DA005A0C-54D9-45AA-87D4-C551D08DFCE1}" type="datetimeFigureOut">
               <a:rPr lang="en-US" smtClean="0"/>
-              <a:t>19/01/2016</a:t>
+              <a:t>2/4/2016</a:t>
             </a:fld>
             <a:endParaRPr lang="en-US"/>
           </a:p>
@@ -32874,14 +32874,10 @@
           <a:lstStyle/>
           <a:p>
             <a:r>
-              <a:rPr lang="en-US" sz="6600" dirty="0"/>
-              <a:t>Introduction to </a:t>
-            </a:r>
-            <a:r>
-              <a:rPr lang="en-US" sz="6600" dirty="0" smtClean="0"/>
-              <a:t>Node.js</a:t>
-            </a:r>
-            <a:endParaRPr lang="en-US" sz="6600" dirty="0"/>
+              <a:rPr lang="en-US" sz="7200" dirty="0" smtClean="0"/>
+              <a:t>Introduction to Node.js</a:t>
+            </a:r>
+            <a:endParaRPr lang="en-US" sz="7200" dirty="0"/>
           </a:p>
         </p:txBody>
       </p:sp>
@@ -40269,11 +40265,7 @@
             </a:r>
             <a:r>
               <a:rPr lang="en-US" smtClean="0"/>
-              <a:t>Mac </a:t>
-            </a:r>
-            <a:r>
-              <a:rPr lang="en-US" smtClean="0"/>
-              <a:t>OSX</a:t>
+              <a:t>Mac OSX</a:t>
             </a:r>
             <a:endParaRPr lang="en-US" dirty="0" smtClean="0"/>
           </a:p>
@@ -44064,6 +44056,29 @@
 </file>
 
 <file path=customXml/item1.xml><?xml version="1.0" encoding="utf-8"?>
+<p:properties xmlns:p="http://schemas.microsoft.com/office/2006/metadata/properties" xmlns:xsi="http://www.w3.org/2001/XMLSchema-instance" xmlns:pc="http://schemas.microsoft.com/office/infopath/2007/PartnerControls">
+  <documentManagement>
+    <SharedWithUsers xmlns="636b0322-90fb-440c-9cbc-22749e7231e9">
+      <UserInfo>
+        <DisplayName>Christopher Harrison</DisplayName>
+        <AccountId>123</AccountId>
+        <AccountType/>
+      </UserInfo>
+    </SharedWithUsers>
+  </documentManagement>
+</p:properties>
+</file>
+
+<file path=customXml/item2.xml><?xml version="1.0" encoding="utf-8"?>
+<?mso-contentType ?>
+<FormTemplates xmlns="http://schemas.microsoft.com/sharepoint/v3/contenttype/forms">
+  <Display>DocumentLibraryForm</Display>
+  <Edit>DocumentLibraryForm</Edit>
+  <New>DocumentLibraryForm</New>
+</FormTemplates>
+</file>
+
+<file path=customXml/item3.xml><?xml version="1.0" encoding="utf-8"?>
 <ct:contentTypeSchema xmlns:ct="http://schemas.microsoft.com/office/2006/metadata/contentType" xmlns:ma="http://schemas.microsoft.com/office/2006/metadata/properties/metaAttributes" ct:_="" ma:_="" ma:contentTypeName="Document" ma:contentTypeID="0x010100391E57C78B9F604FB8BAD296D1460E2A" ma:contentTypeVersion="1" ma:contentTypeDescription="Create a new document." ma:contentTypeScope="" ma:versionID="fb382fe2362acd2155f454904f478e4d">
   <xsd:schema xmlns:xsd="http://www.w3.org/2001/XMLSchema" xmlns:xs="http://www.w3.org/2001/XMLSchema" xmlns:p="http://schemas.microsoft.com/office/2006/metadata/properties" xmlns:ns3="636b0322-90fb-440c-9cbc-22749e7231e9" targetNamespace="http://schemas.microsoft.com/office/2006/metadata/properties" ma:root="true" ma:fieldsID="b9887c63ce4710c1aeb75a5f03aecb69" ns3:_="">
     <xsd:import namespace="636b0322-90fb-440c-9cbc-22749e7231e9"/>
@@ -44203,30 +44218,31 @@
 </ct:contentTypeSchema>
 </file>
 
-<file path=customXml/item2.xml><?xml version="1.0" encoding="utf-8"?>
-<p:properties xmlns:p="http://schemas.microsoft.com/office/2006/metadata/properties" xmlns:xsi="http://www.w3.org/2001/XMLSchema-instance" xmlns:pc="http://schemas.microsoft.com/office/infopath/2007/PartnerControls">
-  <documentManagement>
-    <SharedWithUsers xmlns="636b0322-90fb-440c-9cbc-22749e7231e9">
-      <UserInfo>
-        <DisplayName>Christopher Harrison</DisplayName>
-        <AccountId>123</AccountId>
-        <AccountType/>
-      </UserInfo>
-    </SharedWithUsers>
-  </documentManagement>
-</p:properties>
+<file path=customXml/itemProps1.xml><?xml version="1.0" encoding="utf-8"?>
+<ds:datastoreItem xmlns:ds="http://schemas.openxmlformats.org/officeDocument/2006/customXml" ds:itemID="{7025FDD9-4C58-4084-9F89-0E6ADD6FFF55}">
+  <ds:schemaRefs>
+    <ds:schemaRef ds:uri="http://purl.org/dc/terms/"/>
+    <ds:schemaRef ds:uri="636b0322-90fb-440c-9cbc-22749e7231e9"/>
+    <ds:schemaRef ds:uri="http://schemas.microsoft.com/office/infopath/2007/PartnerControls"/>
+    <ds:schemaRef ds:uri="http://www.w3.org/XML/1998/namespace"/>
+    <ds:schemaRef ds:uri="http://schemas.microsoft.com/office/2006/documentManagement/types"/>
+    <ds:schemaRef ds:uri="http://schemas.openxmlformats.org/package/2006/metadata/core-properties"/>
+    <ds:schemaRef ds:uri="http://schemas.microsoft.com/office/2006/metadata/properties"/>
+    <ds:schemaRef ds:uri="http://purl.org/dc/dcmitype/"/>
+    <ds:schemaRef ds:uri="http://purl.org/dc/elements/1.1/"/>
+  </ds:schemaRefs>
+</ds:datastoreItem>
 </file>
 
-<file path=customXml/item3.xml><?xml version="1.0" encoding="utf-8"?>
-<?mso-contentType ?>
-<FormTemplates xmlns="http://schemas.microsoft.com/sharepoint/v3/contenttype/forms">
-  <Display>DocumentLibraryForm</Display>
-  <Edit>DocumentLibraryForm</Edit>
-  <New>DocumentLibraryForm</New>
-</FormTemplates>
+<file path=customXml/itemProps2.xml><?xml version="1.0" encoding="utf-8"?>
+<ds:datastoreItem xmlns:ds="http://schemas.openxmlformats.org/officeDocument/2006/customXml" ds:itemID="{B0CA13EC-1D3C-4D6F-8D1C-E8A452CFC79A}">
+  <ds:schemaRefs>
+    <ds:schemaRef ds:uri="http://schemas.microsoft.com/sharepoint/v3/contenttype/forms"/>
+  </ds:schemaRefs>
+</ds:datastoreItem>
 </file>
 
-<file path=customXml/itemProps1.xml><?xml version="1.0" encoding="utf-8"?>
+<file path=customXml/itemProps3.xml><?xml version="1.0" encoding="utf-8"?>
 <ds:datastoreItem xmlns:ds="http://schemas.openxmlformats.org/officeDocument/2006/customXml" ds:itemID="{7B70CE0C-0988-423A-BF66-B40F6A1061FF}">
   <ds:schemaRefs>
     <ds:schemaRef ds:uri="http://schemas.microsoft.com/office/2006/metadata/contentType"/>
@@ -44242,28 +44258,4 @@
     <ds:schemaRef ds:uri="http://schemas.microsoft.com/internal/obd"/>
   </ds:schemaRefs>
 </ds:datastoreItem>
-</file>
-
-<file path=customXml/itemProps2.xml><?xml version="1.0" encoding="utf-8"?>
-<ds:datastoreItem xmlns:ds="http://schemas.openxmlformats.org/officeDocument/2006/customXml" ds:itemID="{7025FDD9-4C58-4084-9F89-0E6ADD6FFF55}">
-  <ds:schemaRefs>
-    <ds:schemaRef ds:uri="http://purl.org/dc/terms/"/>
-    <ds:schemaRef ds:uri="636b0322-90fb-440c-9cbc-22749e7231e9"/>
-    <ds:schemaRef ds:uri="http://schemas.microsoft.com/office/infopath/2007/PartnerControls"/>
-    <ds:schemaRef ds:uri="http://www.w3.org/XML/1998/namespace"/>
-    <ds:schemaRef ds:uri="http://schemas.microsoft.com/office/2006/documentManagement/types"/>
-    <ds:schemaRef ds:uri="http://schemas.openxmlformats.org/package/2006/metadata/core-properties"/>
-    <ds:schemaRef ds:uri="http://schemas.microsoft.com/office/2006/metadata/properties"/>
-    <ds:schemaRef ds:uri="http://purl.org/dc/dcmitype/"/>
-    <ds:schemaRef ds:uri="http://purl.org/dc/elements/1.1/"/>
-  </ds:schemaRefs>
-</ds:datastoreItem>
-</file>
-
-<file path=customXml/itemProps3.xml><?xml version="1.0" encoding="utf-8"?>
-<ds:datastoreItem xmlns:ds="http://schemas.openxmlformats.org/officeDocument/2006/customXml" ds:itemID="{B0CA13EC-1D3C-4D6F-8D1C-E8A452CFC79A}">
-  <ds:schemaRefs>
-    <ds:schemaRef ds:uri="http://schemas.microsoft.com/sharepoint/v3/contenttype/forms"/>
-  </ds:schemaRefs>
-</ds:datastoreItem>
 </file>